--- a/slides/NodeJS.pptx
+++ b/slides/NodeJS.pptx
@@ -5,19 +5,29 @@
     <p:sldMasterId id="2147483660" r:id="rId1"/>
   </p:sldMasterIdLst>
   <p:notesMasterIdLst>
-    <p:notesMasterId r:id="rId12"/>
+    <p:notesMasterId r:id="rId22"/>
   </p:notesMasterIdLst>
   <p:sldIdLst>
     <p:sldId id="256" r:id="rId2"/>
-    <p:sldId id="263" r:id="rId3"/>
-    <p:sldId id="267" r:id="rId4"/>
-    <p:sldId id="268" r:id="rId5"/>
-    <p:sldId id="270" r:id="rId6"/>
+    <p:sldId id="275" r:id="rId3"/>
+    <p:sldId id="263" r:id="rId4"/>
+    <p:sldId id="267" r:id="rId5"/>
+    <p:sldId id="272" r:id="rId6"/>
     <p:sldId id="271" r:id="rId7"/>
-    <p:sldId id="272" r:id="rId8"/>
+    <p:sldId id="270" r:id="rId8"/>
     <p:sldId id="269" r:id="rId9"/>
-    <p:sldId id="273" r:id="rId10"/>
-    <p:sldId id="274" r:id="rId11"/>
+    <p:sldId id="276" r:id="rId10"/>
+    <p:sldId id="277" r:id="rId11"/>
+    <p:sldId id="278" r:id="rId12"/>
+    <p:sldId id="281" r:id="rId13"/>
+    <p:sldId id="273" r:id="rId14"/>
+    <p:sldId id="279" r:id="rId15"/>
+    <p:sldId id="280" r:id="rId16"/>
+    <p:sldId id="283" r:id="rId17"/>
+    <p:sldId id="285" r:id="rId18"/>
+    <p:sldId id="286" r:id="rId19"/>
+    <p:sldId id="274" r:id="rId20"/>
+    <p:sldId id="282" r:id="rId21"/>
   </p:sldIdLst>
   <p:sldSz cx="12192000" cy="6858000"/>
   <p:notesSz cx="6858000" cy="9144000"/>
@@ -206,7 +216,7 @@
           <a:p>
             <a:fld id="{40C9EC12-D619-4239-BA0B-F64B757C48A8}" type="datetimeFigureOut">
               <a:rPr lang="bg-BG" smtClean="0"/>
-              <a:t>24.2.2017 г.</a:t>
+              <a:t>5.3.2017 г.</a:t>
             </a:fld>
             <a:endParaRPr lang="bg-BG"/>
           </a:p>
@@ -474,6 +484,341 @@
 </p:notesMaster>
 </file>
 
+<file path=ppt/notesSlides/notesSlide1.xml><?xml version="1.0" encoding="utf-8"?>
+<p:notes xmlns:a="http://schemas.openxmlformats.org/drawingml/2006/main" xmlns:r="http://schemas.openxmlformats.org/officeDocument/2006/relationships" xmlns:p="http://schemas.openxmlformats.org/presentationml/2006/main">
+  <p:cSld>
+    <p:spTree>
+      <p:nvGrpSpPr>
+        <p:cNvPr id="1" name=""/>
+        <p:cNvGrpSpPr/>
+        <p:nvPr/>
+      </p:nvGrpSpPr>
+      <p:grpSpPr>
+        <a:xfrm>
+          <a:off x="0" y="0"/>
+          <a:ext cx="0" cy="0"/>
+          <a:chOff x="0" y="0"/>
+          <a:chExt cx="0" cy="0"/>
+        </a:xfrm>
+      </p:grpSpPr>
+      <p:sp>
+        <p:nvSpPr>
+          <p:cNvPr id="2" name="Slide Image Placeholder 1"/>
+          <p:cNvSpPr>
+            <a:spLocks noGrp="1" noRot="1" noChangeAspect="1"/>
+          </p:cNvSpPr>
+          <p:nvPr>
+            <p:ph type="sldImg"/>
+          </p:nvPr>
+        </p:nvSpPr>
+        <p:spPr/>
+      </p:sp>
+      <p:sp>
+        <p:nvSpPr>
+          <p:cNvPr id="3" name="Notes Placeholder 2"/>
+          <p:cNvSpPr>
+            <a:spLocks noGrp="1"/>
+          </p:cNvSpPr>
+          <p:nvPr>
+            <p:ph type="body" idx="1"/>
+          </p:nvPr>
+        </p:nvSpPr>
+        <p:spPr/>
+        <p:txBody>
+          <a:bodyPr/>
+          <a:lstStyle/>
+          <a:p>
+            <a:r>
+              <a:rPr lang="sv-SE" sz="3200" dirty="0"/>
+              <a:t>EQUAL</a:t>
+            </a:r>
+          </a:p>
+          <a:p>
+            <a:pPr marL="457200" lvl="1" indent="0">
+              <a:buNone/>
+            </a:pPr>
+            <a:r>
+              <a:rPr lang="sv-SE" sz="3200" dirty="0"/>
+              <a:t>a = 1;</a:t>
+            </a:r>
+          </a:p>
+          <a:p>
+            <a:pPr marL="457200" lvl="1" indent="0">
+              <a:buNone/>
+            </a:pPr>
+            <a:r>
+              <a:rPr lang="sv-SE" sz="3200" dirty="0"/>
+              <a:t>a = a + 2;</a:t>
+            </a:r>
+          </a:p>
+          <a:p>
+            <a:pPr marL="457200" lvl="1" indent="0">
+              <a:buNone/>
+            </a:pPr>
+            <a:r>
+              <a:rPr lang="sv-SE" sz="3200" dirty="0"/>
+              <a:t>a += 2;</a:t>
+            </a:r>
+          </a:p>
+          <a:p>
+            <a:r>
+              <a:rPr lang="sv-SE" sz="3200" dirty="0"/>
+              <a:t>EQUALITY</a:t>
+            </a:r>
+          </a:p>
+          <a:p>
+            <a:pPr marL="457200" lvl="1" indent="0">
+              <a:buNone/>
+            </a:pPr>
+            <a:r>
+              <a:rPr lang="sv-SE" sz="3200" dirty="0"/>
+              <a:t>a == b	  (loose-equals)</a:t>
+            </a:r>
+          </a:p>
+          <a:p>
+            <a:pPr marL="457200" lvl="1" indent="0">
+              <a:buNone/>
+            </a:pPr>
+            <a:r>
+              <a:rPr lang="sv-SE" sz="3200" dirty="0"/>
+              <a:t>a === b(strict-equals)</a:t>
+            </a:r>
+          </a:p>
+          <a:p>
+            <a:pPr marL="457200" lvl="1" indent="0">
+              <a:buNone/>
+            </a:pPr>
+            <a:r>
+              <a:rPr lang="sv-SE" sz="3200" dirty="0"/>
+              <a:t>a != b    (loose-not-equals)</a:t>
+            </a:r>
+          </a:p>
+          <a:p>
+            <a:pPr marL="457200" lvl="1" indent="0">
+              <a:buNone/>
+            </a:pPr>
+            <a:r>
+              <a:rPr lang="sv-SE" sz="3200" dirty="0"/>
+              <a:t>a !== </a:t>
+            </a:r>
+            <a:r>
+              <a:rPr lang="sv-SE" sz="3200" dirty="0"/>
+              <a:t>b  </a:t>
+            </a:r>
+            <a:r>
+              <a:rPr lang="sv-SE" sz="3200" dirty="0"/>
+              <a:t>(strict-not-equals)</a:t>
+            </a:r>
+          </a:p>
+          <a:p>
+            <a:endParaRPr lang="bg-BG" dirty="0"/>
+          </a:p>
+        </p:txBody>
+      </p:sp>
+      <p:sp>
+        <p:nvSpPr>
+          <p:cNvPr id="4" name="Slide Number Placeholder 3"/>
+          <p:cNvSpPr>
+            <a:spLocks noGrp="1"/>
+          </p:cNvSpPr>
+          <p:nvPr>
+            <p:ph type="sldNum" sz="quarter" idx="10"/>
+          </p:nvPr>
+        </p:nvSpPr>
+        <p:spPr/>
+        <p:txBody>
+          <a:bodyPr/>
+          <a:lstStyle/>
+          <a:p>
+            <a:fld id="{52B7F6F4-ECB0-4FA5-B3FD-41E3D15A4260}" type="slidenum">
+              <a:rPr lang="bg-BG" smtClean="0"/>
+              <a:t>11</a:t>
+            </a:fld>
+            <a:endParaRPr lang="bg-BG"/>
+          </a:p>
+        </p:txBody>
+      </p:sp>
+    </p:spTree>
+    <p:extLst>
+      <p:ext uri="{BB962C8B-B14F-4D97-AF65-F5344CB8AC3E}">
+        <p14:creationId xmlns:p14="http://schemas.microsoft.com/office/powerpoint/2010/main" val="3616962826"/>
+      </p:ext>
+    </p:extLst>
+  </p:cSld>
+  <p:clrMapOvr>
+    <a:masterClrMapping/>
+  </p:clrMapOvr>
+</p:notes>
+</file>
+
+<file path=ppt/notesSlides/notesSlide2.xml><?xml version="1.0" encoding="utf-8"?>
+<p:notes xmlns:a="http://schemas.openxmlformats.org/drawingml/2006/main" xmlns:r="http://schemas.openxmlformats.org/officeDocument/2006/relationships" xmlns:p="http://schemas.openxmlformats.org/presentationml/2006/main">
+  <p:cSld>
+    <p:spTree>
+      <p:nvGrpSpPr>
+        <p:cNvPr id="1" name=""/>
+        <p:cNvGrpSpPr/>
+        <p:nvPr/>
+      </p:nvGrpSpPr>
+      <p:grpSpPr>
+        <a:xfrm>
+          <a:off x="0" y="0"/>
+          <a:ext cx="0" cy="0"/>
+          <a:chOff x="0" y="0"/>
+          <a:chExt cx="0" cy="0"/>
+        </a:xfrm>
+      </p:grpSpPr>
+      <p:sp>
+        <p:nvSpPr>
+          <p:cNvPr id="2" name="Slide Image Placeholder 1"/>
+          <p:cNvSpPr>
+            <a:spLocks noGrp="1" noRot="1" noChangeAspect="1"/>
+          </p:cNvSpPr>
+          <p:nvPr>
+            <p:ph type="sldImg"/>
+          </p:nvPr>
+        </p:nvSpPr>
+        <p:spPr/>
+      </p:sp>
+      <p:sp>
+        <p:nvSpPr>
+          <p:cNvPr id="3" name="Notes Placeholder 2"/>
+          <p:cNvSpPr>
+            <a:spLocks noGrp="1"/>
+          </p:cNvSpPr>
+          <p:nvPr>
+            <p:ph type="body" idx="1"/>
+          </p:nvPr>
+        </p:nvSpPr>
+        <p:spPr/>
+        <p:txBody>
+          <a:bodyPr/>
+          <a:lstStyle/>
+          <a:p>
+            <a:endParaRPr lang="bg-BG" dirty="0"/>
+          </a:p>
+        </p:txBody>
+      </p:sp>
+      <p:sp>
+        <p:nvSpPr>
+          <p:cNvPr id="4" name="Slide Number Placeholder 3"/>
+          <p:cNvSpPr>
+            <a:spLocks noGrp="1"/>
+          </p:cNvSpPr>
+          <p:nvPr>
+            <p:ph type="sldNum" sz="quarter" idx="10"/>
+          </p:nvPr>
+        </p:nvSpPr>
+        <p:spPr/>
+        <p:txBody>
+          <a:bodyPr/>
+          <a:lstStyle/>
+          <a:p>
+            <a:fld id="{52B7F6F4-ECB0-4FA5-B3FD-41E3D15A4260}" type="slidenum">
+              <a:rPr lang="bg-BG" smtClean="0"/>
+              <a:t>14</a:t>
+            </a:fld>
+            <a:endParaRPr lang="bg-BG"/>
+          </a:p>
+        </p:txBody>
+      </p:sp>
+    </p:spTree>
+    <p:extLst>
+      <p:ext uri="{BB962C8B-B14F-4D97-AF65-F5344CB8AC3E}">
+        <p14:creationId xmlns:p14="http://schemas.microsoft.com/office/powerpoint/2010/main" val="486706251"/>
+      </p:ext>
+    </p:extLst>
+  </p:cSld>
+  <p:clrMapOvr>
+    <a:masterClrMapping/>
+  </p:clrMapOvr>
+</p:notes>
+</file>
+
+<file path=ppt/notesSlides/notesSlide3.xml><?xml version="1.0" encoding="utf-8"?>
+<p:notes xmlns:a="http://schemas.openxmlformats.org/drawingml/2006/main" xmlns:r="http://schemas.openxmlformats.org/officeDocument/2006/relationships" xmlns:p="http://schemas.openxmlformats.org/presentationml/2006/main">
+  <p:cSld>
+    <p:spTree>
+      <p:nvGrpSpPr>
+        <p:cNvPr id="1" name=""/>
+        <p:cNvGrpSpPr/>
+        <p:nvPr/>
+      </p:nvGrpSpPr>
+      <p:grpSpPr>
+        <a:xfrm>
+          <a:off x="0" y="0"/>
+          <a:ext cx="0" cy="0"/>
+          <a:chOff x="0" y="0"/>
+          <a:chExt cx="0" cy="0"/>
+        </a:xfrm>
+      </p:grpSpPr>
+      <p:sp>
+        <p:nvSpPr>
+          <p:cNvPr id="2" name="Slide Image Placeholder 1"/>
+          <p:cNvSpPr>
+            <a:spLocks noGrp="1" noRot="1" noChangeAspect="1"/>
+          </p:cNvSpPr>
+          <p:nvPr>
+            <p:ph type="sldImg"/>
+          </p:nvPr>
+        </p:nvSpPr>
+        <p:spPr/>
+      </p:sp>
+      <p:sp>
+        <p:nvSpPr>
+          <p:cNvPr id="3" name="Notes Placeholder 2"/>
+          <p:cNvSpPr>
+            <a:spLocks noGrp="1"/>
+          </p:cNvSpPr>
+          <p:nvPr>
+            <p:ph type="body" idx="1"/>
+          </p:nvPr>
+        </p:nvSpPr>
+        <p:spPr/>
+        <p:txBody>
+          <a:bodyPr/>
+          <a:lstStyle/>
+          <a:p>
+            <a:endParaRPr lang="bg-BG" dirty="0"/>
+          </a:p>
+        </p:txBody>
+      </p:sp>
+      <p:sp>
+        <p:nvSpPr>
+          <p:cNvPr id="4" name="Slide Number Placeholder 3"/>
+          <p:cNvSpPr>
+            <a:spLocks noGrp="1"/>
+          </p:cNvSpPr>
+          <p:nvPr>
+            <p:ph type="sldNum" sz="quarter" idx="10"/>
+          </p:nvPr>
+        </p:nvSpPr>
+        <p:spPr/>
+        <p:txBody>
+          <a:bodyPr/>
+          <a:lstStyle/>
+          <a:p>
+            <a:fld id="{52B7F6F4-ECB0-4FA5-B3FD-41E3D15A4260}" type="slidenum">
+              <a:rPr lang="bg-BG" smtClean="0"/>
+              <a:t>17</a:t>
+            </a:fld>
+            <a:endParaRPr lang="bg-BG"/>
+          </a:p>
+        </p:txBody>
+      </p:sp>
+    </p:spTree>
+    <p:extLst>
+      <p:ext uri="{BB962C8B-B14F-4D97-AF65-F5344CB8AC3E}">
+        <p14:creationId xmlns:p14="http://schemas.microsoft.com/office/powerpoint/2010/main" val="2388115999"/>
+      </p:ext>
+    </p:extLst>
+  </p:cSld>
+  <p:clrMapOvr>
+    <a:masterClrMapping/>
+  </p:clrMapOvr>
+</p:notes>
+</file>
+
 <file path=ppt/slideLayouts/slideLayout1.xml><?xml version="1.0" encoding="utf-8"?>
 <p:sldLayout xmlns:a="http://schemas.openxmlformats.org/drawingml/2006/main" xmlns:r="http://schemas.openxmlformats.org/officeDocument/2006/relationships" xmlns:p="http://schemas.openxmlformats.org/presentationml/2006/main" showMasterSp="0" type="title" preserve="1">
   <p:cSld name="Title Slide">
@@ -644,7 +989,7 @@
             <a:fld id="{87DE6118-2437-4B30-8E3C-4D2BE6020583}" type="datetimeFigureOut">
               <a:rPr lang="en-US" smtClean="0"/>
               <a:pPr/>
-              <a:t>2/24/2017</a:t>
+              <a:t>3/5/2017</a:t>
             </a:fld>
             <a:endParaRPr lang="en-US" dirty="0"/>
           </a:p>
@@ -975,7 +1320,7 @@
           <a:p>
             <a:fld id="{87DE6118-2437-4B30-8E3C-4D2BE6020583}" type="datetimeFigureOut">
               <a:rPr lang="en-US" smtClean="0"/>
-              <a:t>2/24/2017</a:t>
+              <a:t>3/5/2017</a:t>
             </a:fld>
             <a:endParaRPr lang="en-US" dirty="0"/>
           </a:p>
@@ -1155,7 +1500,7 @@
           <a:p>
             <a:fld id="{87DE6118-2437-4B30-8E3C-4D2BE6020583}" type="datetimeFigureOut">
               <a:rPr lang="en-US" smtClean="0"/>
-              <a:t>2/24/2017</a:t>
+              <a:t>3/5/2017</a:t>
             </a:fld>
             <a:endParaRPr lang="en-US" dirty="0"/>
           </a:p>
@@ -1325,7 +1670,7 @@
           <a:p>
             <a:fld id="{87DE6118-2437-4B30-8E3C-4D2BE6020583}" type="datetimeFigureOut">
               <a:rPr lang="en-US" smtClean="0"/>
-              <a:t>2/24/2017</a:t>
+              <a:t>3/5/2017</a:t>
             </a:fld>
             <a:endParaRPr lang="en-US" dirty="0"/>
           </a:p>
@@ -1603,7 +1948,7 @@
             <a:fld id="{87DE6118-2437-4B30-8E3C-4D2BE6020583}" type="datetimeFigureOut">
               <a:rPr lang="en-US" smtClean="0"/>
               <a:pPr/>
-              <a:t>2/24/2017</a:t>
+              <a:t>3/5/2017</a:t>
             </a:fld>
             <a:endParaRPr lang="en-US" dirty="0"/>
           </a:p>
@@ -1998,7 +2343,7 @@
           <a:p>
             <a:fld id="{87DE6118-2437-4B30-8E3C-4D2BE6020583}" type="datetimeFigureOut">
               <a:rPr lang="en-US" smtClean="0"/>
-              <a:t>2/24/2017</a:t>
+              <a:t>3/5/2017</a:t>
             </a:fld>
             <a:endParaRPr lang="en-US" dirty="0"/>
           </a:p>
@@ -2475,7 +2820,7 @@
           <a:p>
             <a:fld id="{87DE6118-2437-4B30-8E3C-4D2BE6020583}" type="datetimeFigureOut">
               <a:rPr lang="en-US" smtClean="0"/>
-              <a:t>2/24/2017</a:t>
+              <a:t>3/5/2017</a:t>
             </a:fld>
             <a:endParaRPr lang="en-US" dirty="0"/>
           </a:p>
@@ -2593,7 +2938,7 @@
           <a:p>
             <a:fld id="{87DE6118-2437-4B30-8E3C-4D2BE6020583}" type="datetimeFigureOut">
               <a:rPr lang="en-US" smtClean="0"/>
-              <a:t>2/24/2017</a:t>
+              <a:t>3/5/2017</a:t>
             </a:fld>
             <a:endParaRPr lang="en-US" dirty="0"/>
           </a:p>
@@ -2688,7 +3033,7 @@
           <a:p>
             <a:fld id="{87DE6118-2437-4B30-8E3C-4D2BE6020583}" type="datetimeFigureOut">
               <a:rPr lang="en-US" smtClean="0"/>
-              <a:t>2/24/2017</a:t>
+              <a:t>3/5/2017</a:t>
             </a:fld>
             <a:endParaRPr lang="en-US" dirty="0"/>
           </a:p>
@@ -3035,7 +3380,7 @@
             <a:fld id="{87DE6118-2437-4B30-8E3C-4D2BE6020583}" type="datetimeFigureOut">
               <a:rPr lang="en-US" smtClean="0"/>
               <a:pPr/>
-              <a:t>2/24/2017</a:t>
+              <a:t>3/5/2017</a:t>
             </a:fld>
             <a:endParaRPr lang="en-US" dirty="0"/>
           </a:p>
@@ -3425,7 +3770,7 @@
             <a:fld id="{87DE6118-2437-4B30-8E3C-4D2BE6020583}" type="datetimeFigureOut">
               <a:rPr lang="en-US" smtClean="0"/>
               <a:pPr/>
-              <a:t>2/24/2017</a:t>
+              <a:t>3/5/2017</a:t>
             </a:fld>
             <a:endParaRPr lang="en-US" dirty="0"/>
           </a:p>
@@ -3705,7 +4050,7 @@
             <a:fld id="{87DE6118-2437-4B30-8E3C-4D2BE6020583}" type="datetimeFigureOut">
               <a:rPr lang="en-US" smtClean="0"/>
               <a:pPr/>
-              <a:t>2/24/2017</a:t>
+              <a:t>3/5/2017</a:t>
             </a:fld>
             <a:endParaRPr lang="en-US" dirty="0"/>
           </a:p>
@@ -4353,6 +4698,1857 @@
 <file path=ppt/slides/slide10.xml><?xml version="1.0" encoding="utf-8"?>
 <p:sld xmlns:a="http://schemas.openxmlformats.org/drawingml/2006/main" xmlns:r="http://schemas.openxmlformats.org/officeDocument/2006/relationships" xmlns:p="http://schemas.openxmlformats.org/presentationml/2006/main">
   <p:cSld>
+    <p:spTree>
+      <p:nvGrpSpPr>
+        <p:cNvPr id="1" name=""/>
+        <p:cNvGrpSpPr/>
+        <p:nvPr/>
+      </p:nvGrpSpPr>
+      <p:grpSpPr>
+        <a:xfrm>
+          <a:off x="0" y="0"/>
+          <a:ext cx="0" cy="0"/>
+          <a:chOff x="0" y="0"/>
+          <a:chExt cx="0" cy="0"/>
+        </a:xfrm>
+      </p:grpSpPr>
+      <p:sp>
+        <p:nvSpPr>
+          <p:cNvPr id="2" name="Title 1"/>
+          <p:cNvSpPr>
+            <a:spLocks noGrp="1"/>
+          </p:cNvSpPr>
+          <p:nvPr>
+            <p:ph type="title"/>
+          </p:nvPr>
+        </p:nvSpPr>
+        <p:spPr/>
+        <p:txBody>
+          <a:bodyPr/>
+          <a:lstStyle/>
+          <a:p>
+            <a:r>
+              <a:rPr lang="en-US" b="1" u="sng" dirty="0">
+                <a:solidFill>
+                  <a:schemeClr val="tx1"/>
+                </a:solidFill>
+              </a:rPr>
+              <a:t>JavaScript value and types</a:t>
+            </a:r>
+            <a:endParaRPr lang="bg-BG" b="1" u="sng" dirty="0">
+              <a:solidFill>
+                <a:schemeClr val="tx1"/>
+              </a:solidFill>
+            </a:endParaRPr>
+          </a:p>
+        </p:txBody>
+      </p:sp>
+      <p:sp>
+        <p:nvSpPr>
+          <p:cNvPr id="5" name="Content Placeholder 4"/>
+          <p:cNvSpPr>
+            <a:spLocks noGrp="1"/>
+          </p:cNvSpPr>
+          <p:nvPr>
+            <p:ph sz="half" idx="1"/>
+          </p:nvPr>
+        </p:nvSpPr>
+        <p:spPr/>
+        <p:txBody>
+          <a:bodyPr>
+            <a:normAutofit/>
+          </a:bodyPr>
+          <a:lstStyle/>
+          <a:p>
+            <a:r>
+              <a:rPr lang="en-US" sz="3200" dirty="0">
+                <a:solidFill>
+                  <a:schemeClr val="tx1"/>
+                </a:solidFill>
+              </a:rPr>
+              <a:t>Primitive values</a:t>
+            </a:r>
+          </a:p>
+          <a:p>
+            <a:pPr lvl="1"/>
+            <a:r>
+              <a:rPr lang="en-US" sz="3200" dirty="0">
+                <a:solidFill>
+                  <a:schemeClr val="tx1"/>
+                </a:solidFill>
+              </a:rPr>
+              <a:t>Boolean</a:t>
+            </a:r>
+          </a:p>
+          <a:p>
+            <a:pPr lvl="1"/>
+            <a:r>
+              <a:rPr lang="en-US" sz="3200" dirty="0">
+                <a:solidFill>
+                  <a:schemeClr val="tx1"/>
+                </a:solidFill>
+              </a:rPr>
+              <a:t>Number</a:t>
+            </a:r>
+          </a:p>
+          <a:p>
+            <a:pPr lvl="1"/>
+            <a:r>
+              <a:rPr lang="en-US" sz="3200" dirty="0">
+                <a:solidFill>
+                  <a:schemeClr val="tx1"/>
+                </a:solidFill>
+              </a:rPr>
+              <a:t>String</a:t>
+            </a:r>
+          </a:p>
+          <a:p>
+            <a:pPr lvl="1"/>
+            <a:r>
+              <a:rPr lang="en-US" sz="3200" dirty="0">
+                <a:solidFill>
+                  <a:schemeClr val="tx1"/>
+                </a:solidFill>
+              </a:rPr>
+              <a:t>Null</a:t>
+            </a:r>
+          </a:p>
+          <a:p>
+            <a:pPr lvl="1"/>
+            <a:r>
+              <a:rPr lang="en-US" sz="3200" dirty="0">
+                <a:solidFill>
+                  <a:schemeClr val="tx1"/>
+                </a:solidFill>
+              </a:rPr>
+              <a:t>Undefined</a:t>
+            </a:r>
+          </a:p>
+        </p:txBody>
+      </p:sp>
+      <p:sp>
+        <p:nvSpPr>
+          <p:cNvPr id="3" name="Content Placeholder 2"/>
+          <p:cNvSpPr>
+            <a:spLocks noGrp="1"/>
+          </p:cNvSpPr>
+          <p:nvPr>
+            <p:ph sz="half" idx="2"/>
+          </p:nvPr>
+        </p:nvSpPr>
+        <p:spPr/>
+        <p:txBody>
+          <a:bodyPr>
+            <a:normAutofit/>
+          </a:bodyPr>
+          <a:lstStyle/>
+          <a:p>
+            <a:r>
+              <a:rPr lang="en-US" sz="3200" dirty="0">
+                <a:solidFill>
+                  <a:schemeClr val="tx1"/>
+                </a:solidFill>
+              </a:rPr>
+              <a:t>Objects</a:t>
+            </a:r>
+          </a:p>
+          <a:p>
+            <a:pPr lvl="1"/>
+            <a:r>
+              <a:rPr lang="en-US" sz="3200" dirty="0">
+                <a:solidFill>
+                  <a:schemeClr val="tx1"/>
+                </a:solidFill>
+              </a:rPr>
+              <a:t>Date</a:t>
+            </a:r>
+          </a:p>
+          <a:p>
+            <a:pPr lvl="1"/>
+            <a:r>
+              <a:rPr lang="en-US" sz="3200" dirty="0">
+                <a:solidFill>
+                  <a:schemeClr val="tx1"/>
+                </a:solidFill>
+              </a:rPr>
+              <a:t>Structured data</a:t>
+            </a:r>
+          </a:p>
+          <a:p>
+            <a:pPr lvl="1"/>
+            <a:r>
+              <a:rPr lang="en-US" sz="3200" dirty="0">
+                <a:solidFill>
+                  <a:schemeClr val="tx1"/>
+                </a:solidFill>
+              </a:rPr>
+              <a:t>Collections</a:t>
+            </a:r>
+          </a:p>
+          <a:p>
+            <a:pPr lvl="1"/>
+            <a:r>
+              <a:rPr lang="en-US" sz="3200" dirty="0">
+                <a:solidFill>
+                  <a:schemeClr val="tx1"/>
+                </a:solidFill>
+              </a:rPr>
+              <a:t>Functions</a:t>
+            </a:r>
+          </a:p>
+          <a:p>
+            <a:r>
+              <a:rPr lang="en-US" sz="3200" dirty="0">
+                <a:solidFill>
+                  <a:schemeClr val="tx1"/>
+                </a:solidFill>
+              </a:rPr>
+              <a:t>Classes (ES6)</a:t>
+            </a:r>
+          </a:p>
+        </p:txBody>
+      </p:sp>
+    </p:spTree>
+    <p:extLst>
+      <p:ext uri="{BB962C8B-B14F-4D97-AF65-F5344CB8AC3E}">
+        <p14:creationId xmlns:p14="http://schemas.microsoft.com/office/powerpoint/2010/main" val="3463040565"/>
+      </p:ext>
+    </p:extLst>
+  </p:cSld>
+  <p:clrMapOvr>
+    <a:masterClrMapping/>
+  </p:clrMapOvr>
+</p:sld>
+</file>
+
+<file path=ppt/slides/slide11.xml><?xml version="1.0" encoding="utf-8"?>
+<p:sld xmlns:a="http://schemas.openxmlformats.org/drawingml/2006/main" xmlns:r="http://schemas.openxmlformats.org/officeDocument/2006/relationships" xmlns:p="http://schemas.openxmlformats.org/presentationml/2006/main">
+  <p:cSld>
+    <p:spTree>
+      <p:nvGrpSpPr>
+        <p:cNvPr id="1" name=""/>
+        <p:cNvGrpSpPr/>
+        <p:nvPr/>
+      </p:nvGrpSpPr>
+      <p:grpSpPr>
+        <a:xfrm>
+          <a:off x="0" y="0"/>
+          <a:ext cx="0" cy="0"/>
+          <a:chOff x="0" y="0"/>
+          <a:chExt cx="0" cy="0"/>
+        </a:xfrm>
+      </p:grpSpPr>
+      <p:sp>
+        <p:nvSpPr>
+          <p:cNvPr id="2" name="Title 1"/>
+          <p:cNvSpPr>
+            <a:spLocks noGrp="1"/>
+          </p:cNvSpPr>
+          <p:nvPr>
+            <p:ph type="title"/>
+          </p:nvPr>
+        </p:nvSpPr>
+        <p:spPr/>
+        <p:txBody>
+          <a:bodyPr>
+            <a:normAutofit/>
+          </a:bodyPr>
+          <a:lstStyle/>
+          <a:p>
+            <a:r>
+              <a:rPr lang="en-US" b="1" u="sng" dirty="0">
+                <a:solidFill>
+                  <a:schemeClr val="tx1"/>
+                </a:solidFill>
+              </a:rPr>
+              <a:t>JavaScript operators</a:t>
+            </a:r>
+            <a:endParaRPr lang="bg-BG" b="1" u="sng" dirty="0">
+              <a:solidFill>
+                <a:schemeClr val="tx1"/>
+              </a:solidFill>
+            </a:endParaRPr>
+          </a:p>
+        </p:txBody>
+      </p:sp>
+      <p:sp>
+        <p:nvSpPr>
+          <p:cNvPr id="5" name="Content Placeholder 4"/>
+          <p:cNvSpPr>
+            <a:spLocks noGrp="1"/>
+          </p:cNvSpPr>
+          <p:nvPr>
+            <p:ph sz="half" idx="1"/>
+          </p:nvPr>
+        </p:nvSpPr>
+        <p:spPr/>
+        <p:txBody>
+          <a:bodyPr>
+            <a:noAutofit/>
+          </a:bodyPr>
+          <a:lstStyle/>
+          <a:p>
+            <a:r>
+              <a:rPr lang="sv-SE" sz="3200" dirty="0"/>
+              <a:t>EQUAL</a:t>
+            </a:r>
+          </a:p>
+          <a:p>
+            <a:pPr marL="457200" lvl="1" indent="0">
+              <a:buNone/>
+            </a:pPr>
+            <a:r>
+              <a:rPr lang="sv-SE" sz="3200" dirty="0"/>
+              <a:t>a = 1;</a:t>
+            </a:r>
+          </a:p>
+          <a:p>
+            <a:pPr marL="457200" lvl="1" indent="0">
+              <a:buNone/>
+            </a:pPr>
+            <a:r>
+              <a:rPr lang="sv-SE" sz="3200" dirty="0"/>
+              <a:t>a = a + 2;	a += 2;</a:t>
+            </a:r>
+          </a:p>
+          <a:p>
+            <a:r>
+              <a:rPr lang="sv-SE" sz="3200" dirty="0"/>
+              <a:t>EQUALITY</a:t>
+            </a:r>
+          </a:p>
+          <a:p>
+            <a:pPr marL="457200" lvl="1" indent="0">
+              <a:buNone/>
+            </a:pPr>
+            <a:r>
+              <a:rPr lang="sv-SE" sz="3200" dirty="0"/>
+              <a:t>a == b		a != b</a:t>
+            </a:r>
+          </a:p>
+          <a:p>
+            <a:pPr marL="457200" lvl="1" indent="0">
+              <a:buNone/>
+            </a:pPr>
+            <a:r>
+              <a:rPr lang="sv-SE" sz="3200" dirty="0"/>
+              <a:t>a === b		a !== b</a:t>
+            </a:r>
+          </a:p>
+        </p:txBody>
+      </p:sp>
+      <p:sp>
+        <p:nvSpPr>
+          <p:cNvPr id="3" name="Content Placeholder 2"/>
+          <p:cNvSpPr>
+            <a:spLocks noGrp="1"/>
+          </p:cNvSpPr>
+          <p:nvPr>
+            <p:ph sz="half" idx="2"/>
+          </p:nvPr>
+        </p:nvSpPr>
+        <p:spPr/>
+        <p:txBody>
+          <a:bodyPr>
+            <a:noAutofit/>
+          </a:bodyPr>
+          <a:lstStyle/>
+          <a:p>
+            <a:r>
+              <a:rPr lang="sv-SE" sz="3200" dirty="0">
+                <a:solidFill>
+                  <a:schemeClr val="tx1"/>
+                </a:solidFill>
+                <a:latin typeface="Franklin Gothic Book (Body)"/>
+              </a:rPr>
+              <a:t>FALSE VALUES:</a:t>
+            </a:r>
+          </a:p>
+          <a:p>
+            <a:pPr lvl="1"/>
+            <a:r>
+              <a:rPr lang="sv-SE" sz="3200" dirty="0">
+                <a:solidFill>
+                  <a:schemeClr val="tx1"/>
+                </a:solidFill>
+                <a:latin typeface="Franklin Gothic Book (Body)"/>
+              </a:rPr>
+              <a:t>0		-0</a:t>
+            </a:r>
+          </a:p>
+          <a:p>
+            <a:pPr lvl="1"/>
+            <a:r>
+              <a:rPr lang="sv-SE" sz="3200" dirty="0">
+                <a:solidFill>
+                  <a:schemeClr val="tx1"/>
+                </a:solidFill>
+                <a:latin typeface="Franklin Gothic Book (Body)"/>
+              </a:rPr>
+              <a:t>””</a:t>
+            </a:r>
+          </a:p>
+          <a:p>
+            <a:pPr lvl="1"/>
+            <a:r>
+              <a:rPr lang="sv-SE" sz="3200" dirty="0">
+                <a:solidFill>
+                  <a:schemeClr val="tx1"/>
+                </a:solidFill>
+                <a:latin typeface="Franklin Gothic Book (Body)"/>
+              </a:rPr>
+              <a:t>false</a:t>
+            </a:r>
+          </a:p>
+          <a:p>
+            <a:pPr lvl="1"/>
+            <a:r>
+              <a:rPr lang="sv-SE" sz="3200" dirty="0">
+                <a:solidFill>
+                  <a:schemeClr val="tx1"/>
+                </a:solidFill>
+                <a:latin typeface="Franklin Gothic Book (Body)"/>
+              </a:rPr>
+              <a:t>null</a:t>
+            </a:r>
+          </a:p>
+          <a:p>
+            <a:pPr lvl="1"/>
+            <a:r>
+              <a:rPr lang="sv-SE" sz="3200" dirty="0">
+                <a:solidFill>
+                  <a:schemeClr val="tx1"/>
+                </a:solidFill>
+                <a:latin typeface="Franklin Gothic Book (Body)"/>
+              </a:rPr>
+              <a:t>undefined</a:t>
+            </a:r>
+          </a:p>
+          <a:p>
+            <a:r>
+              <a:rPr lang="sv-SE" sz="3200" dirty="0">
+                <a:solidFill>
+                  <a:schemeClr val="tx1"/>
+                </a:solidFill>
+                <a:latin typeface="Franklin Gothic Book (Body)"/>
+              </a:rPr>
+              <a:t>if(){}</a:t>
+            </a:r>
+          </a:p>
+        </p:txBody>
+      </p:sp>
+    </p:spTree>
+    <p:extLst>
+      <p:ext uri="{BB962C8B-B14F-4D97-AF65-F5344CB8AC3E}">
+        <p14:creationId xmlns:p14="http://schemas.microsoft.com/office/powerpoint/2010/main" val="3577794064"/>
+      </p:ext>
+    </p:extLst>
+  </p:cSld>
+  <p:clrMapOvr>
+    <a:masterClrMapping/>
+  </p:clrMapOvr>
+</p:sld>
+</file>
+
+<file path=ppt/slides/slide12.xml><?xml version="1.0" encoding="utf-8"?>
+<p:sld xmlns:a="http://schemas.openxmlformats.org/drawingml/2006/main" xmlns:r="http://schemas.openxmlformats.org/officeDocument/2006/relationships" xmlns:p="http://schemas.openxmlformats.org/presentationml/2006/main">
+  <p:cSld>
+    <p:spTree>
+      <p:nvGrpSpPr>
+        <p:cNvPr id="1" name=""/>
+        <p:cNvGrpSpPr/>
+        <p:nvPr/>
+      </p:nvGrpSpPr>
+      <p:grpSpPr>
+        <a:xfrm>
+          <a:off x="0" y="0"/>
+          <a:ext cx="0" cy="0"/>
+          <a:chOff x="0" y="0"/>
+          <a:chExt cx="0" cy="0"/>
+        </a:xfrm>
+      </p:grpSpPr>
+      <p:sp>
+        <p:nvSpPr>
+          <p:cNvPr id="5" name="Title 4"/>
+          <p:cNvSpPr>
+            <a:spLocks noGrp="1"/>
+          </p:cNvSpPr>
+          <p:nvPr>
+            <p:ph type="title"/>
+          </p:nvPr>
+        </p:nvSpPr>
+        <p:spPr/>
+        <p:txBody>
+          <a:bodyPr/>
+          <a:lstStyle/>
+          <a:p>
+            <a:r>
+              <a:rPr lang="en-US" dirty="0"/>
+              <a:t>Demo with </a:t>
+            </a:r>
+            <a:r>
+              <a:rPr lang="en-US" dirty="0" err="1"/>
+              <a:t>js</a:t>
+            </a:r>
+            <a:endParaRPr lang="bg-BG" dirty="0"/>
+          </a:p>
+        </p:txBody>
+      </p:sp>
+      <p:sp>
+        <p:nvSpPr>
+          <p:cNvPr id="6" name="Text Placeholder 5"/>
+          <p:cNvSpPr>
+            <a:spLocks noGrp="1"/>
+          </p:cNvSpPr>
+          <p:nvPr>
+            <p:ph type="body" idx="1"/>
+          </p:nvPr>
+        </p:nvSpPr>
+        <p:spPr/>
+        <p:txBody>
+          <a:bodyPr/>
+          <a:lstStyle/>
+          <a:p>
+            <a:endParaRPr lang="bg-BG"/>
+          </a:p>
+        </p:txBody>
+      </p:sp>
+    </p:spTree>
+    <p:extLst>
+      <p:ext uri="{BB962C8B-B14F-4D97-AF65-F5344CB8AC3E}">
+        <p14:creationId xmlns:p14="http://schemas.microsoft.com/office/powerpoint/2010/main" val="1503690225"/>
+      </p:ext>
+    </p:extLst>
+  </p:cSld>
+  <p:clrMapOvr>
+    <a:masterClrMapping/>
+  </p:clrMapOvr>
+</p:sld>
+</file>
+
+<file path=ppt/slides/slide13.xml><?xml version="1.0" encoding="utf-8"?>
+<p:sld xmlns:a="http://schemas.openxmlformats.org/drawingml/2006/main" xmlns:r="http://schemas.openxmlformats.org/officeDocument/2006/relationships" xmlns:p="http://schemas.openxmlformats.org/presentationml/2006/main">
+  <p:cSld>
+    <p:bg>
+      <p:bgPr>
+        <a:solidFill>
+          <a:srgbClr val="0070C0"/>
+        </a:solidFill>
+        <a:effectLst/>
+      </p:bgPr>
+    </p:bg>
+    <p:spTree>
+      <p:nvGrpSpPr>
+        <p:cNvPr id="1" name=""/>
+        <p:cNvGrpSpPr/>
+        <p:nvPr/>
+      </p:nvGrpSpPr>
+      <p:grpSpPr>
+        <a:xfrm>
+          <a:off x="0" y="0"/>
+          <a:ext cx="0" cy="0"/>
+          <a:chOff x="0" y="0"/>
+          <a:chExt cx="0" cy="0"/>
+        </a:xfrm>
+      </p:grpSpPr>
+      <p:sp>
+        <p:nvSpPr>
+          <p:cNvPr id="2" name="Title 1"/>
+          <p:cNvSpPr>
+            <a:spLocks noGrp="1"/>
+          </p:cNvSpPr>
+          <p:nvPr>
+            <p:ph type="title"/>
+          </p:nvPr>
+        </p:nvSpPr>
+        <p:spPr/>
+        <p:txBody>
+          <a:bodyPr/>
+          <a:lstStyle/>
+          <a:p>
+            <a:r>
+              <a:rPr lang="en-US" b="1" u="sng" dirty="0">
+                <a:solidFill>
+                  <a:schemeClr val="bg1"/>
+                </a:solidFill>
+              </a:rPr>
+              <a:t>Node Package Manager (NPM)</a:t>
+            </a:r>
+            <a:endParaRPr lang="bg-BG" b="1" u="sng" dirty="0">
+              <a:solidFill>
+                <a:schemeClr val="bg1"/>
+              </a:solidFill>
+            </a:endParaRPr>
+          </a:p>
+        </p:txBody>
+      </p:sp>
+      <p:sp>
+        <p:nvSpPr>
+          <p:cNvPr id="5" name="Content Placeholder 4"/>
+          <p:cNvSpPr>
+            <a:spLocks noGrp="1"/>
+          </p:cNvSpPr>
+          <p:nvPr>
+            <p:ph idx="1"/>
+          </p:nvPr>
+        </p:nvSpPr>
+        <p:spPr/>
+        <p:txBody>
+          <a:bodyPr>
+            <a:normAutofit/>
+          </a:bodyPr>
+          <a:lstStyle/>
+          <a:p>
+            <a:r>
+              <a:rPr lang="en-US" sz="3200" dirty="0">
+                <a:solidFill>
+                  <a:schemeClr val="bg1"/>
+                </a:solidFill>
+              </a:rPr>
+              <a:t>NPM is the default package manager for the JavaScript runtime environment Node.js and allows users to consume and distribute JavaScript modules that are available on the registry.</a:t>
+            </a:r>
+          </a:p>
+        </p:txBody>
+      </p:sp>
+    </p:spTree>
+    <p:extLst>
+      <p:ext uri="{BB962C8B-B14F-4D97-AF65-F5344CB8AC3E}">
+        <p14:creationId xmlns:p14="http://schemas.microsoft.com/office/powerpoint/2010/main" val="3825447161"/>
+      </p:ext>
+    </p:extLst>
+  </p:cSld>
+  <p:clrMapOvr>
+    <a:masterClrMapping/>
+  </p:clrMapOvr>
+</p:sld>
+</file>
+
+<file path=ppt/slides/slide14.xml><?xml version="1.0" encoding="utf-8"?>
+<p:sld xmlns:a="http://schemas.openxmlformats.org/drawingml/2006/main" xmlns:r="http://schemas.openxmlformats.org/officeDocument/2006/relationships" xmlns:p="http://schemas.openxmlformats.org/presentationml/2006/main">
+  <p:cSld>
+    <p:spTree>
+      <p:nvGrpSpPr>
+        <p:cNvPr id="1" name=""/>
+        <p:cNvGrpSpPr/>
+        <p:nvPr/>
+      </p:nvGrpSpPr>
+      <p:grpSpPr>
+        <a:xfrm>
+          <a:off x="0" y="0"/>
+          <a:ext cx="0" cy="0"/>
+          <a:chOff x="0" y="0"/>
+          <a:chExt cx="0" cy="0"/>
+        </a:xfrm>
+      </p:grpSpPr>
+      <p:sp>
+        <p:nvSpPr>
+          <p:cNvPr id="2" name="Title 1"/>
+          <p:cNvSpPr>
+            <a:spLocks noGrp="1"/>
+          </p:cNvSpPr>
+          <p:nvPr>
+            <p:ph type="title"/>
+          </p:nvPr>
+        </p:nvSpPr>
+        <p:spPr/>
+        <p:txBody>
+          <a:bodyPr>
+            <a:normAutofit/>
+          </a:bodyPr>
+          <a:lstStyle/>
+          <a:p>
+            <a:r>
+              <a:rPr lang="en-US" b="1" u="sng" dirty="0">
+                <a:solidFill>
+                  <a:schemeClr val="tx1"/>
+                </a:solidFill>
+              </a:rPr>
+              <a:t>NPM console</a:t>
+            </a:r>
+            <a:endParaRPr lang="bg-BG" b="1" u="sng" dirty="0">
+              <a:solidFill>
+                <a:schemeClr val="tx1"/>
+              </a:solidFill>
+            </a:endParaRPr>
+          </a:p>
+        </p:txBody>
+      </p:sp>
+      <p:sp>
+        <p:nvSpPr>
+          <p:cNvPr id="5" name="Content Placeholder 4"/>
+          <p:cNvSpPr>
+            <a:spLocks noGrp="1"/>
+          </p:cNvSpPr>
+          <p:nvPr>
+            <p:ph idx="1"/>
+          </p:nvPr>
+        </p:nvSpPr>
+        <p:spPr/>
+        <p:txBody>
+          <a:bodyPr>
+            <a:noAutofit/>
+          </a:bodyPr>
+          <a:lstStyle/>
+          <a:p>
+            <a:r>
+              <a:rPr lang="en-GB" sz="3200" dirty="0" err="1"/>
+              <a:t>npm</a:t>
+            </a:r>
+            <a:r>
+              <a:rPr lang="en-GB" sz="3200" dirty="0"/>
+              <a:t> </a:t>
+            </a:r>
+            <a:r>
+              <a:rPr lang="en-GB" sz="3200" dirty="0" err="1"/>
+              <a:t>init</a:t>
+            </a:r>
+            <a:endParaRPr lang="en-GB" sz="3200" dirty="0"/>
+          </a:p>
+          <a:p>
+            <a:r>
+              <a:rPr lang="en-GB" sz="3200" dirty="0" err="1"/>
+              <a:t>npm</a:t>
+            </a:r>
+            <a:r>
+              <a:rPr lang="en-GB" sz="3200" dirty="0"/>
+              <a:t> install </a:t>
+            </a:r>
+            <a:r>
+              <a:rPr lang="sv-SE" sz="3200" dirty="0"/>
+              <a:t>{package} [{package}]</a:t>
+            </a:r>
+            <a:endParaRPr lang="en-GB" sz="3200" dirty="0"/>
+          </a:p>
+          <a:p>
+            <a:r>
+              <a:rPr lang="sv-SE" sz="3200" dirty="0"/>
+              <a:t>npm install {package} --save</a:t>
+            </a:r>
+            <a:endParaRPr lang="en-GB" sz="3200" dirty="0"/>
+          </a:p>
+          <a:p>
+            <a:r>
+              <a:rPr lang="sv-SE" sz="3200" dirty="0"/>
+              <a:t>npm install {package} --save-dev</a:t>
+            </a:r>
+            <a:endParaRPr lang="en-GB" sz="3200" dirty="0"/>
+          </a:p>
+          <a:p>
+            <a:r>
+              <a:rPr lang="en-GB" sz="3200" dirty="0" err="1"/>
+              <a:t>npm</a:t>
+            </a:r>
+            <a:r>
+              <a:rPr lang="en-GB" sz="3200" dirty="0"/>
+              <a:t> publish</a:t>
+            </a:r>
+          </a:p>
+        </p:txBody>
+      </p:sp>
+    </p:spTree>
+    <p:extLst>
+      <p:ext uri="{BB962C8B-B14F-4D97-AF65-F5344CB8AC3E}">
+        <p14:creationId xmlns:p14="http://schemas.microsoft.com/office/powerpoint/2010/main" val="4292913891"/>
+      </p:ext>
+    </p:extLst>
+  </p:cSld>
+  <p:clrMapOvr>
+    <a:masterClrMapping/>
+  </p:clrMapOvr>
+</p:sld>
+</file>
+
+<file path=ppt/slides/slide15.xml><?xml version="1.0" encoding="utf-8"?>
+<p:sld xmlns:a="http://schemas.openxmlformats.org/drawingml/2006/main" xmlns:r="http://schemas.openxmlformats.org/officeDocument/2006/relationships" xmlns:p="http://schemas.openxmlformats.org/presentationml/2006/main">
+  <p:cSld>
+    <p:spTree>
+      <p:nvGrpSpPr>
+        <p:cNvPr id="1" name=""/>
+        <p:cNvGrpSpPr/>
+        <p:nvPr/>
+      </p:nvGrpSpPr>
+      <p:grpSpPr>
+        <a:xfrm>
+          <a:off x="0" y="0"/>
+          <a:ext cx="0" cy="0"/>
+          <a:chOff x="0" y="0"/>
+          <a:chExt cx="0" cy="0"/>
+        </a:xfrm>
+      </p:grpSpPr>
+      <p:sp>
+        <p:nvSpPr>
+          <p:cNvPr id="2" name="Title 1"/>
+          <p:cNvSpPr>
+            <a:spLocks noGrp="1"/>
+          </p:cNvSpPr>
+          <p:nvPr>
+            <p:ph type="title"/>
+          </p:nvPr>
+        </p:nvSpPr>
+        <p:spPr/>
+        <p:txBody>
+          <a:bodyPr/>
+          <a:lstStyle/>
+          <a:p>
+            <a:r>
+              <a:rPr lang="en-US" dirty="0"/>
+              <a:t>Demo with </a:t>
+            </a:r>
+            <a:r>
+              <a:rPr lang="en-US" dirty="0" err="1"/>
+              <a:t>npm</a:t>
+            </a:r>
+            <a:r>
+              <a:rPr lang="en-US" dirty="0"/>
+              <a:t> </a:t>
+            </a:r>
+            <a:endParaRPr lang="bg-BG" dirty="0"/>
+          </a:p>
+        </p:txBody>
+      </p:sp>
+      <p:sp>
+        <p:nvSpPr>
+          <p:cNvPr id="4" name="Text Placeholder 3"/>
+          <p:cNvSpPr>
+            <a:spLocks noGrp="1"/>
+          </p:cNvSpPr>
+          <p:nvPr>
+            <p:ph type="body" idx="1"/>
+          </p:nvPr>
+        </p:nvSpPr>
+        <p:spPr/>
+        <p:txBody>
+          <a:bodyPr/>
+          <a:lstStyle/>
+          <a:p>
+            <a:endParaRPr lang="bg-BG" dirty="0"/>
+          </a:p>
+        </p:txBody>
+      </p:sp>
+    </p:spTree>
+    <p:extLst>
+      <p:ext uri="{BB962C8B-B14F-4D97-AF65-F5344CB8AC3E}">
+        <p14:creationId xmlns:p14="http://schemas.microsoft.com/office/powerpoint/2010/main" val="2691171274"/>
+      </p:ext>
+    </p:extLst>
+  </p:cSld>
+  <p:clrMapOvr>
+    <a:masterClrMapping/>
+  </p:clrMapOvr>
+</p:sld>
+</file>
+
+<file path=ppt/slides/slide16.xml><?xml version="1.0" encoding="utf-8"?>
+<p:sld xmlns:a="http://schemas.openxmlformats.org/drawingml/2006/main" xmlns:r="http://schemas.openxmlformats.org/officeDocument/2006/relationships" xmlns:p="http://schemas.openxmlformats.org/presentationml/2006/main">
+  <p:cSld>
+    <p:bg>
+      <p:bgPr>
+        <a:solidFill>
+          <a:srgbClr val="0070C0"/>
+        </a:solidFill>
+        <a:effectLst/>
+      </p:bgPr>
+    </p:bg>
+    <p:spTree>
+      <p:nvGrpSpPr>
+        <p:cNvPr id="1" name=""/>
+        <p:cNvGrpSpPr/>
+        <p:nvPr/>
+      </p:nvGrpSpPr>
+      <p:grpSpPr>
+        <a:xfrm>
+          <a:off x="0" y="0"/>
+          <a:ext cx="0" cy="0"/>
+          <a:chOff x="0" y="0"/>
+          <a:chExt cx="0" cy="0"/>
+        </a:xfrm>
+      </p:grpSpPr>
+      <p:sp>
+        <p:nvSpPr>
+          <p:cNvPr id="2" name="Title 1"/>
+          <p:cNvSpPr>
+            <a:spLocks noGrp="1"/>
+          </p:cNvSpPr>
+          <p:nvPr>
+            <p:ph type="title"/>
+          </p:nvPr>
+        </p:nvSpPr>
+        <p:spPr/>
+        <p:txBody>
+          <a:bodyPr/>
+          <a:lstStyle/>
+          <a:p>
+            <a:r>
+              <a:rPr lang="en-US" b="1" u="sng" dirty="0" err="1">
+                <a:solidFill>
+                  <a:schemeClr val="bg1"/>
+                </a:solidFill>
+              </a:rPr>
+              <a:t>ExpressJS</a:t>
+            </a:r>
+            <a:r>
+              <a:rPr lang="en-US" b="1" u="sng" dirty="0">
+                <a:solidFill>
+                  <a:schemeClr val="bg1"/>
+                </a:solidFill>
+              </a:rPr>
+              <a:t> package</a:t>
+            </a:r>
+            <a:endParaRPr lang="bg-BG" b="1" u="sng" dirty="0">
+              <a:solidFill>
+                <a:schemeClr val="bg1"/>
+              </a:solidFill>
+            </a:endParaRPr>
+          </a:p>
+        </p:txBody>
+      </p:sp>
+      <p:sp>
+        <p:nvSpPr>
+          <p:cNvPr id="5" name="Content Placeholder 4"/>
+          <p:cNvSpPr>
+            <a:spLocks noGrp="1"/>
+          </p:cNvSpPr>
+          <p:nvPr>
+            <p:ph idx="1"/>
+          </p:nvPr>
+        </p:nvSpPr>
+        <p:spPr/>
+        <p:txBody>
+          <a:bodyPr>
+            <a:normAutofit/>
+          </a:bodyPr>
+          <a:lstStyle/>
+          <a:p>
+            <a:r>
+              <a:rPr lang="en-US" sz="3200" dirty="0">
+                <a:solidFill>
+                  <a:schemeClr val="bg1"/>
+                </a:solidFill>
+              </a:rPr>
+              <a:t>Express is a minimal and flexible Node.js web application framework that provides a robust set of features to develop web and mobile applications. It facilitates the rapid development of Node based Web applications.</a:t>
+            </a:r>
+          </a:p>
+        </p:txBody>
+      </p:sp>
+    </p:spTree>
+    <p:extLst>
+      <p:ext uri="{BB962C8B-B14F-4D97-AF65-F5344CB8AC3E}">
+        <p14:creationId xmlns:p14="http://schemas.microsoft.com/office/powerpoint/2010/main" val="300940235"/>
+      </p:ext>
+    </p:extLst>
+  </p:cSld>
+  <p:clrMapOvr>
+    <a:masterClrMapping/>
+  </p:clrMapOvr>
+</p:sld>
+</file>
+
+<file path=ppt/slides/slide17.xml><?xml version="1.0" encoding="utf-8"?>
+<p:sld xmlns:a="http://schemas.openxmlformats.org/drawingml/2006/main" xmlns:r="http://schemas.openxmlformats.org/officeDocument/2006/relationships" xmlns:p="http://schemas.openxmlformats.org/presentationml/2006/main">
+  <p:cSld>
+    <p:spTree>
+      <p:nvGrpSpPr>
+        <p:cNvPr id="1" name=""/>
+        <p:cNvGrpSpPr/>
+        <p:nvPr/>
+      </p:nvGrpSpPr>
+      <p:grpSpPr>
+        <a:xfrm>
+          <a:off x="0" y="0"/>
+          <a:ext cx="0" cy="0"/>
+          <a:chOff x="0" y="0"/>
+          <a:chExt cx="0" cy="0"/>
+        </a:xfrm>
+      </p:grpSpPr>
+      <p:sp>
+        <p:nvSpPr>
+          <p:cNvPr id="2" name="Title 1"/>
+          <p:cNvSpPr>
+            <a:spLocks noGrp="1"/>
+          </p:cNvSpPr>
+          <p:nvPr>
+            <p:ph type="title"/>
+          </p:nvPr>
+        </p:nvSpPr>
+        <p:spPr/>
+        <p:txBody>
+          <a:bodyPr>
+            <a:normAutofit/>
+          </a:bodyPr>
+          <a:lstStyle/>
+          <a:p>
+            <a:r>
+              <a:rPr lang="en-US" b="1" u="sng" dirty="0">
+                <a:solidFill>
+                  <a:schemeClr val="tx1"/>
+                </a:solidFill>
+              </a:rPr>
+              <a:t>What is REST?</a:t>
+            </a:r>
+            <a:endParaRPr lang="bg-BG" b="1" u="sng" dirty="0">
+              <a:solidFill>
+                <a:schemeClr val="tx1"/>
+              </a:solidFill>
+            </a:endParaRPr>
+          </a:p>
+        </p:txBody>
+      </p:sp>
+      <p:sp>
+        <p:nvSpPr>
+          <p:cNvPr id="5" name="Content Placeholder 4"/>
+          <p:cNvSpPr>
+            <a:spLocks noGrp="1"/>
+          </p:cNvSpPr>
+          <p:nvPr>
+            <p:ph idx="1"/>
+          </p:nvPr>
+        </p:nvSpPr>
+        <p:spPr/>
+        <p:txBody>
+          <a:bodyPr>
+            <a:noAutofit/>
+          </a:bodyPr>
+          <a:lstStyle/>
+          <a:p>
+            <a:r>
+              <a:rPr lang="en-US" sz="3200" dirty="0"/>
+              <a:t>Use HTTP/HTTPS</a:t>
+            </a:r>
+          </a:p>
+          <a:p>
+            <a:r>
+              <a:rPr lang="en-US" sz="3200" dirty="0"/>
+              <a:t>Use Verbs - GET, POST, PUT, DELETE</a:t>
+            </a:r>
+          </a:p>
+          <a:p>
+            <a:r>
+              <a:rPr lang="en-US" sz="3200" dirty="0"/>
+              <a:t>Use Status codes - 200, 201, 400, 403, 404</a:t>
+            </a:r>
+          </a:p>
+          <a:p>
+            <a:r>
+              <a:rPr lang="en-US" sz="3200" dirty="0"/>
+              <a:t>Caller dictates formats </a:t>
+            </a:r>
+            <a:r>
+              <a:rPr lang="en-US" sz="3200" dirty="0"/>
+              <a:t>– </a:t>
+            </a:r>
+            <a:r>
+              <a:rPr lang="en-US" sz="3200" dirty="0"/>
+              <a:t>Content-Type &amp; Accept </a:t>
+            </a:r>
+          </a:p>
+        </p:txBody>
+      </p:sp>
+    </p:spTree>
+    <p:extLst>
+      <p:ext uri="{BB962C8B-B14F-4D97-AF65-F5344CB8AC3E}">
+        <p14:creationId xmlns:p14="http://schemas.microsoft.com/office/powerpoint/2010/main" val="1332067026"/>
+      </p:ext>
+    </p:extLst>
+  </p:cSld>
+  <p:clrMapOvr>
+    <a:masterClrMapping/>
+  </p:clrMapOvr>
+</p:sld>
+</file>
+
+<file path=ppt/slides/slide18.xml><?xml version="1.0" encoding="utf-8"?>
+<p:sld xmlns:a="http://schemas.openxmlformats.org/drawingml/2006/main" xmlns:r="http://schemas.openxmlformats.org/officeDocument/2006/relationships" xmlns:p="http://schemas.openxmlformats.org/presentationml/2006/main">
+  <p:cSld>
+    <p:spTree>
+      <p:nvGrpSpPr>
+        <p:cNvPr id="1" name=""/>
+        <p:cNvGrpSpPr/>
+        <p:nvPr/>
+      </p:nvGrpSpPr>
+      <p:grpSpPr>
+        <a:xfrm>
+          <a:off x="0" y="0"/>
+          <a:ext cx="0" cy="0"/>
+          <a:chOff x="0" y="0"/>
+          <a:chExt cx="0" cy="0"/>
+        </a:xfrm>
+      </p:grpSpPr>
+      <p:sp>
+        <p:nvSpPr>
+          <p:cNvPr id="2" name="Title 1"/>
+          <p:cNvSpPr>
+            <a:spLocks noGrp="1"/>
+          </p:cNvSpPr>
+          <p:nvPr>
+            <p:ph type="title"/>
+          </p:nvPr>
+        </p:nvSpPr>
+        <p:spPr/>
+        <p:txBody>
+          <a:bodyPr/>
+          <a:lstStyle/>
+          <a:p>
+            <a:r>
+              <a:rPr lang="en-US" b="1" u="sng" dirty="0"/>
+              <a:t>Web apps using </a:t>
+            </a:r>
+            <a:r>
+              <a:rPr lang="en-US" b="1" u="sng" dirty="0" err="1"/>
+              <a:t>NodeJS</a:t>
+            </a:r>
+            <a:r>
+              <a:rPr lang="en-US" b="1" u="sng" dirty="0"/>
+              <a:t>. MVC application</a:t>
+            </a:r>
+            <a:endParaRPr lang="bg-BG" b="1" u="sng" dirty="0"/>
+          </a:p>
+        </p:txBody>
+      </p:sp>
+      <p:sp>
+        <p:nvSpPr>
+          <p:cNvPr id="4" name="Rectangle: Rounded Corners 3"/>
+          <p:cNvSpPr/>
+          <p:nvPr/>
+        </p:nvSpPr>
+        <p:spPr>
+          <a:xfrm>
+            <a:off x="2928292" y="2683565"/>
+            <a:ext cx="1526796" cy="461395"/>
+          </a:xfrm>
+          <a:prstGeom prst="roundRect">
+            <a:avLst/>
+          </a:prstGeom>
+          <a:noFill/>
+          <a:ln>
+            <a:solidFill>
+              <a:schemeClr val="tx1"/>
+            </a:solidFill>
+          </a:ln>
+        </p:spPr>
+        <p:style>
+          <a:lnRef idx="2">
+            <a:schemeClr val="accent1">
+              <a:shade val="50000"/>
+            </a:schemeClr>
+          </a:lnRef>
+          <a:fillRef idx="1">
+            <a:schemeClr val="accent1"/>
+          </a:fillRef>
+          <a:effectRef idx="0">
+            <a:schemeClr val="accent1"/>
+          </a:effectRef>
+          <a:fontRef idx="minor">
+            <a:schemeClr val="lt1"/>
+          </a:fontRef>
+        </p:style>
+        <p:txBody>
+          <a:bodyPr rtlCol="0" anchor="ctr"/>
+          <a:lstStyle/>
+          <a:p>
+            <a:pPr algn="ctr"/>
+            <a:r>
+              <a:rPr lang="sv-SE" dirty="0">
+                <a:solidFill>
+                  <a:schemeClr val="tx1"/>
+                </a:solidFill>
+              </a:rPr>
+              <a:t>User/Browsr</a:t>
+            </a:r>
+            <a:endParaRPr lang="en-US" dirty="0">
+              <a:solidFill>
+                <a:schemeClr val="tx1"/>
+              </a:solidFill>
+            </a:endParaRPr>
+          </a:p>
+        </p:txBody>
+      </p:sp>
+      <p:sp>
+        <p:nvSpPr>
+          <p:cNvPr id="5" name="Rectangle: Rounded Corners 4"/>
+          <p:cNvSpPr/>
+          <p:nvPr/>
+        </p:nvSpPr>
+        <p:spPr>
+          <a:xfrm>
+            <a:off x="4855664" y="2675176"/>
+            <a:ext cx="1567342" cy="461395"/>
+          </a:xfrm>
+          <a:prstGeom prst="roundRect">
+            <a:avLst/>
+          </a:prstGeom>
+          <a:noFill/>
+          <a:ln>
+            <a:solidFill>
+              <a:schemeClr val="tx1"/>
+            </a:solidFill>
+          </a:ln>
+        </p:spPr>
+        <p:style>
+          <a:lnRef idx="2">
+            <a:schemeClr val="accent1">
+              <a:shade val="50000"/>
+            </a:schemeClr>
+          </a:lnRef>
+          <a:fillRef idx="1">
+            <a:schemeClr val="accent1"/>
+          </a:fillRef>
+          <a:effectRef idx="0">
+            <a:schemeClr val="accent1"/>
+          </a:effectRef>
+          <a:fontRef idx="minor">
+            <a:schemeClr val="lt1"/>
+          </a:fontRef>
+        </p:style>
+        <p:txBody>
+          <a:bodyPr rtlCol="0" anchor="ctr"/>
+          <a:lstStyle/>
+          <a:p>
+            <a:pPr algn="ctr"/>
+            <a:r>
+              <a:rPr lang="sv-SE" dirty="0">
+                <a:solidFill>
+                  <a:schemeClr val="tx1"/>
+                </a:solidFill>
+              </a:rPr>
+              <a:t>Controller/AI</a:t>
+            </a:r>
+            <a:endParaRPr lang="en-US" dirty="0">
+              <a:solidFill>
+                <a:schemeClr val="tx1"/>
+              </a:solidFill>
+            </a:endParaRPr>
+          </a:p>
+        </p:txBody>
+      </p:sp>
+      <p:sp>
+        <p:nvSpPr>
+          <p:cNvPr id="6" name="Rectangle: Rounded Corners 5"/>
+          <p:cNvSpPr/>
+          <p:nvPr/>
+        </p:nvSpPr>
+        <p:spPr>
+          <a:xfrm>
+            <a:off x="6894889" y="2675176"/>
+            <a:ext cx="1384183" cy="461395"/>
+          </a:xfrm>
+          <a:prstGeom prst="roundRect">
+            <a:avLst/>
+          </a:prstGeom>
+          <a:noFill/>
+          <a:ln>
+            <a:solidFill>
+              <a:schemeClr val="tx1"/>
+            </a:solidFill>
+          </a:ln>
+        </p:spPr>
+        <p:style>
+          <a:lnRef idx="2">
+            <a:schemeClr val="accent1">
+              <a:shade val="50000"/>
+            </a:schemeClr>
+          </a:lnRef>
+          <a:fillRef idx="1">
+            <a:schemeClr val="accent1"/>
+          </a:fillRef>
+          <a:effectRef idx="0">
+            <a:schemeClr val="accent1"/>
+          </a:effectRef>
+          <a:fontRef idx="minor">
+            <a:schemeClr val="lt1"/>
+          </a:fontRef>
+        </p:style>
+        <p:txBody>
+          <a:bodyPr rtlCol="0" anchor="ctr"/>
+          <a:lstStyle/>
+          <a:p>
+            <a:pPr algn="ctr"/>
+            <a:r>
+              <a:rPr lang="sv-SE" dirty="0" err="1">
+                <a:solidFill>
+                  <a:schemeClr val="tx1"/>
+                </a:solidFill>
+              </a:rPr>
+              <a:t>Model</a:t>
+            </a:r>
+            <a:endParaRPr lang="en-US" dirty="0">
+              <a:solidFill>
+                <a:schemeClr val="tx1"/>
+              </a:solidFill>
+            </a:endParaRPr>
+          </a:p>
+        </p:txBody>
+      </p:sp>
+      <p:sp>
+        <p:nvSpPr>
+          <p:cNvPr id="7" name="Rectangle: Rounded Corners 6"/>
+          <p:cNvSpPr/>
+          <p:nvPr/>
+        </p:nvSpPr>
+        <p:spPr>
+          <a:xfrm>
+            <a:off x="8842534" y="2675176"/>
+            <a:ext cx="1384183" cy="461395"/>
+          </a:xfrm>
+          <a:prstGeom prst="roundRect">
+            <a:avLst/>
+          </a:prstGeom>
+          <a:noFill/>
+          <a:ln>
+            <a:solidFill>
+              <a:schemeClr val="tx1"/>
+            </a:solidFill>
+          </a:ln>
+        </p:spPr>
+        <p:style>
+          <a:lnRef idx="2">
+            <a:schemeClr val="accent1">
+              <a:shade val="50000"/>
+            </a:schemeClr>
+          </a:lnRef>
+          <a:fillRef idx="1">
+            <a:schemeClr val="accent1"/>
+          </a:fillRef>
+          <a:effectRef idx="0">
+            <a:schemeClr val="accent1"/>
+          </a:effectRef>
+          <a:fontRef idx="minor">
+            <a:schemeClr val="lt1"/>
+          </a:fontRef>
+        </p:style>
+        <p:txBody>
+          <a:bodyPr rtlCol="0" anchor="ctr"/>
+          <a:lstStyle/>
+          <a:p>
+            <a:pPr algn="ctr"/>
+            <a:r>
+              <a:rPr lang="sv-SE" dirty="0" err="1">
+                <a:solidFill>
+                  <a:schemeClr val="tx1"/>
+                </a:solidFill>
+              </a:rPr>
+              <a:t>View</a:t>
+            </a:r>
+            <a:endParaRPr lang="en-US" dirty="0">
+              <a:solidFill>
+                <a:schemeClr val="tx1"/>
+              </a:solidFill>
+            </a:endParaRPr>
+          </a:p>
+        </p:txBody>
+      </p:sp>
+      <p:cxnSp>
+        <p:nvCxnSpPr>
+          <p:cNvPr id="8" name="Straight Connector 7"/>
+          <p:cNvCxnSpPr>
+            <a:stCxn id="4" idx="2"/>
+          </p:cNvCxnSpPr>
+          <p:nvPr/>
+        </p:nvCxnSpPr>
+        <p:spPr>
+          <a:xfrm>
+            <a:off x="3691690" y="3144960"/>
+            <a:ext cx="0" cy="2877423"/>
+          </a:xfrm>
+          <a:prstGeom prst="line">
+            <a:avLst/>
+          </a:prstGeom>
+          <a:ln w="19050">
+            <a:solidFill>
+              <a:schemeClr val="tx1"/>
+            </a:solidFill>
+          </a:ln>
+        </p:spPr>
+        <p:style>
+          <a:lnRef idx="1">
+            <a:schemeClr val="accent1"/>
+          </a:lnRef>
+          <a:fillRef idx="0">
+            <a:schemeClr val="accent1"/>
+          </a:fillRef>
+          <a:effectRef idx="0">
+            <a:schemeClr val="accent1"/>
+          </a:effectRef>
+          <a:fontRef idx="minor">
+            <a:schemeClr val="tx1"/>
+          </a:fontRef>
+        </p:style>
+      </p:cxnSp>
+      <p:cxnSp>
+        <p:nvCxnSpPr>
+          <p:cNvPr id="9" name="Straight Connector 8"/>
+          <p:cNvCxnSpPr/>
+          <p:nvPr/>
+        </p:nvCxnSpPr>
+        <p:spPr>
+          <a:xfrm flipH="1">
+            <a:off x="5639335" y="3128182"/>
+            <a:ext cx="1" cy="2894201"/>
+          </a:xfrm>
+          <a:prstGeom prst="line">
+            <a:avLst/>
+          </a:prstGeom>
+          <a:ln w="19050">
+            <a:solidFill>
+              <a:schemeClr val="tx1"/>
+            </a:solidFill>
+          </a:ln>
+        </p:spPr>
+        <p:style>
+          <a:lnRef idx="1">
+            <a:schemeClr val="accent1"/>
+          </a:lnRef>
+          <a:fillRef idx="0">
+            <a:schemeClr val="accent1"/>
+          </a:fillRef>
+          <a:effectRef idx="0">
+            <a:schemeClr val="accent1"/>
+          </a:effectRef>
+          <a:fontRef idx="minor">
+            <a:schemeClr val="tx1"/>
+          </a:fontRef>
+        </p:style>
+      </p:cxnSp>
+      <p:cxnSp>
+        <p:nvCxnSpPr>
+          <p:cNvPr id="10" name="Straight Connector 9"/>
+          <p:cNvCxnSpPr>
+            <a:stCxn id="6" idx="2"/>
+          </p:cNvCxnSpPr>
+          <p:nvPr/>
+        </p:nvCxnSpPr>
+        <p:spPr>
+          <a:xfrm flipH="1">
+            <a:off x="7586980" y="3136571"/>
+            <a:ext cx="1" cy="2818700"/>
+          </a:xfrm>
+          <a:prstGeom prst="line">
+            <a:avLst/>
+          </a:prstGeom>
+          <a:ln w="19050">
+            <a:solidFill>
+              <a:schemeClr val="tx1"/>
+            </a:solidFill>
+          </a:ln>
+        </p:spPr>
+        <p:style>
+          <a:lnRef idx="1">
+            <a:schemeClr val="accent1"/>
+          </a:lnRef>
+          <a:fillRef idx="0">
+            <a:schemeClr val="accent1"/>
+          </a:fillRef>
+          <a:effectRef idx="0">
+            <a:schemeClr val="accent1"/>
+          </a:effectRef>
+          <a:fontRef idx="minor">
+            <a:schemeClr val="tx1"/>
+          </a:fontRef>
+        </p:style>
+      </p:cxnSp>
+      <p:cxnSp>
+        <p:nvCxnSpPr>
+          <p:cNvPr id="11" name="Straight Connector 10"/>
+          <p:cNvCxnSpPr>
+            <a:stCxn id="7" idx="2"/>
+          </p:cNvCxnSpPr>
+          <p:nvPr/>
+        </p:nvCxnSpPr>
+        <p:spPr>
+          <a:xfrm>
+            <a:off x="9534626" y="3136571"/>
+            <a:ext cx="0" cy="2818700"/>
+          </a:xfrm>
+          <a:prstGeom prst="line">
+            <a:avLst/>
+          </a:prstGeom>
+          <a:ln w="19050">
+            <a:solidFill>
+              <a:schemeClr val="tx1"/>
+            </a:solidFill>
+          </a:ln>
+        </p:spPr>
+        <p:style>
+          <a:lnRef idx="1">
+            <a:schemeClr val="accent1"/>
+          </a:lnRef>
+          <a:fillRef idx="0">
+            <a:schemeClr val="accent1"/>
+          </a:fillRef>
+          <a:effectRef idx="0">
+            <a:schemeClr val="accent1"/>
+          </a:effectRef>
+          <a:fontRef idx="minor">
+            <a:schemeClr val="tx1"/>
+          </a:fontRef>
+        </p:style>
+      </p:cxnSp>
+      <p:cxnSp>
+        <p:nvCxnSpPr>
+          <p:cNvPr id="12" name="Straight Arrow Connector 11"/>
+          <p:cNvCxnSpPr/>
+          <p:nvPr/>
+        </p:nvCxnSpPr>
+        <p:spPr>
+          <a:xfrm>
+            <a:off x="3691690" y="3589577"/>
+            <a:ext cx="1947645" cy="8389"/>
+          </a:xfrm>
+          <a:prstGeom prst="straightConnector1">
+            <a:avLst/>
+          </a:prstGeom>
+          <a:ln w="19050">
+            <a:solidFill>
+              <a:schemeClr val="tx1"/>
+            </a:solidFill>
+            <a:headEnd type="none" w="med" len="med"/>
+            <a:tailEnd type="triangle" w="med" len="med"/>
+          </a:ln>
+        </p:spPr>
+        <p:style>
+          <a:lnRef idx="1">
+            <a:schemeClr val="accent1"/>
+          </a:lnRef>
+          <a:fillRef idx="0">
+            <a:schemeClr val="accent1"/>
+          </a:fillRef>
+          <a:effectRef idx="0">
+            <a:schemeClr val="accent1"/>
+          </a:effectRef>
+          <a:fontRef idx="minor">
+            <a:schemeClr val="tx1"/>
+          </a:fontRef>
+        </p:style>
+      </p:cxnSp>
+      <p:cxnSp>
+        <p:nvCxnSpPr>
+          <p:cNvPr id="13" name="Straight Arrow Connector 12"/>
+          <p:cNvCxnSpPr/>
+          <p:nvPr/>
+        </p:nvCxnSpPr>
+        <p:spPr>
+          <a:xfrm>
+            <a:off x="5639335" y="3968480"/>
+            <a:ext cx="1947645" cy="8389"/>
+          </a:xfrm>
+          <a:prstGeom prst="straightConnector1">
+            <a:avLst/>
+          </a:prstGeom>
+          <a:ln w="19050">
+            <a:solidFill>
+              <a:schemeClr val="tx1"/>
+            </a:solidFill>
+            <a:headEnd type="none" w="med" len="med"/>
+            <a:tailEnd type="triangle" w="med" len="med"/>
+          </a:ln>
+        </p:spPr>
+        <p:style>
+          <a:lnRef idx="1">
+            <a:schemeClr val="accent1"/>
+          </a:lnRef>
+          <a:fillRef idx="0">
+            <a:schemeClr val="accent1"/>
+          </a:fillRef>
+          <a:effectRef idx="0">
+            <a:schemeClr val="accent1"/>
+          </a:effectRef>
+          <a:fontRef idx="minor">
+            <a:schemeClr val="tx1"/>
+          </a:fontRef>
+        </p:style>
+      </p:cxnSp>
+      <p:cxnSp>
+        <p:nvCxnSpPr>
+          <p:cNvPr id="14" name="Straight Arrow Connector 13"/>
+          <p:cNvCxnSpPr/>
+          <p:nvPr/>
+        </p:nvCxnSpPr>
+        <p:spPr>
+          <a:xfrm>
+            <a:off x="7586980" y="4347383"/>
+            <a:ext cx="1947645" cy="8389"/>
+          </a:xfrm>
+          <a:prstGeom prst="straightConnector1">
+            <a:avLst/>
+          </a:prstGeom>
+          <a:ln w="19050">
+            <a:solidFill>
+              <a:schemeClr val="tx1"/>
+            </a:solidFill>
+            <a:headEnd type="none" w="med" len="med"/>
+            <a:tailEnd type="triangle" w="med" len="med"/>
+          </a:ln>
+        </p:spPr>
+        <p:style>
+          <a:lnRef idx="1">
+            <a:schemeClr val="accent1"/>
+          </a:lnRef>
+          <a:fillRef idx="0">
+            <a:schemeClr val="accent1"/>
+          </a:fillRef>
+          <a:effectRef idx="0">
+            <a:schemeClr val="accent1"/>
+          </a:effectRef>
+          <a:fontRef idx="minor">
+            <a:schemeClr val="tx1"/>
+          </a:fontRef>
+        </p:style>
+      </p:cxnSp>
+      <p:cxnSp>
+        <p:nvCxnSpPr>
+          <p:cNvPr id="15" name="Straight Arrow Connector 14"/>
+          <p:cNvCxnSpPr/>
+          <p:nvPr/>
+        </p:nvCxnSpPr>
+        <p:spPr>
+          <a:xfrm flipH="1">
+            <a:off x="3691690" y="4726286"/>
+            <a:ext cx="5842935" cy="0"/>
+          </a:xfrm>
+          <a:prstGeom prst="straightConnector1">
+            <a:avLst/>
+          </a:prstGeom>
+          <a:ln w="19050">
+            <a:solidFill>
+              <a:schemeClr val="tx1"/>
+            </a:solidFill>
+            <a:prstDash val="dash"/>
+            <a:headEnd type="none" w="med" len="med"/>
+            <a:tailEnd type="triangle" w="med" len="med"/>
+          </a:ln>
+        </p:spPr>
+        <p:style>
+          <a:lnRef idx="1">
+            <a:schemeClr val="accent1"/>
+          </a:lnRef>
+          <a:fillRef idx="0">
+            <a:schemeClr val="accent1"/>
+          </a:fillRef>
+          <a:effectRef idx="0">
+            <a:schemeClr val="accent1"/>
+          </a:effectRef>
+          <a:fontRef idx="minor">
+            <a:schemeClr val="tx1"/>
+          </a:fontRef>
+        </p:style>
+      </p:cxnSp>
+      <p:cxnSp>
+        <p:nvCxnSpPr>
+          <p:cNvPr id="16" name="Straight Arrow Connector 15"/>
+          <p:cNvCxnSpPr/>
+          <p:nvPr/>
+        </p:nvCxnSpPr>
+        <p:spPr>
+          <a:xfrm>
+            <a:off x="3691689" y="5177194"/>
+            <a:ext cx="1947645" cy="8389"/>
+          </a:xfrm>
+          <a:prstGeom prst="straightConnector1">
+            <a:avLst/>
+          </a:prstGeom>
+          <a:ln w="19050">
+            <a:solidFill>
+              <a:schemeClr val="tx1"/>
+            </a:solidFill>
+            <a:headEnd type="none" w="med" len="med"/>
+            <a:tailEnd type="triangle" w="med" len="med"/>
+          </a:ln>
+        </p:spPr>
+        <p:style>
+          <a:lnRef idx="1">
+            <a:schemeClr val="accent1"/>
+          </a:lnRef>
+          <a:fillRef idx="0">
+            <a:schemeClr val="accent1"/>
+          </a:fillRef>
+          <a:effectRef idx="0">
+            <a:schemeClr val="accent1"/>
+          </a:effectRef>
+          <a:fontRef idx="minor">
+            <a:schemeClr val="tx1"/>
+          </a:fontRef>
+        </p:style>
+      </p:cxnSp>
+      <p:cxnSp>
+        <p:nvCxnSpPr>
+          <p:cNvPr id="17" name="Straight Arrow Connector 16"/>
+          <p:cNvCxnSpPr/>
+          <p:nvPr/>
+        </p:nvCxnSpPr>
+        <p:spPr>
+          <a:xfrm flipH="1" flipV="1">
+            <a:off x="3691690" y="5482693"/>
+            <a:ext cx="1947644" cy="11184"/>
+          </a:xfrm>
+          <a:prstGeom prst="straightConnector1">
+            <a:avLst/>
+          </a:prstGeom>
+          <a:ln w="19050">
+            <a:solidFill>
+              <a:schemeClr val="tx1"/>
+            </a:solidFill>
+            <a:prstDash val="dash"/>
+            <a:headEnd type="none" w="med" len="med"/>
+            <a:tailEnd type="triangle" w="med" len="med"/>
+          </a:ln>
+        </p:spPr>
+        <p:style>
+          <a:lnRef idx="1">
+            <a:schemeClr val="accent1"/>
+          </a:lnRef>
+          <a:fillRef idx="0">
+            <a:schemeClr val="accent1"/>
+          </a:fillRef>
+          <a:effectRef idx="0">
+            <a:schemeClr val="accent1"/>
+          </a:effectRef>
+          <a:fontRef idx="minor">
+            <a:schemeClr val="tx1"/>
+          </a:fontRef>
+        </p:style>
+      </p:cxnSp>
+    </p:spTree>
+    <p:extLst>
+      <p:ext uri="{BB962C8B-B14F-4D97-AF65-F5344CB8AC3E}">
+        <p14:creationId xmlns:p14="http://schemas.microsoft.com/office/powerpoint/2010/main" val="1288408318"/>
+      </p:ext>
+    </p:extLst>
+  </p:cSld>
+  <p:clrMapOvr>
+    <a:masterClrMapping/>
+  </p:clrMapOvr>
+  <p:timing>
+    <p:tnLst>
+      <p:par>
+        <p:cTn id="1" dur="indefinite" restart="never" nodeType="tmRoot">
+          <p:childTnLst>
+            <p:seq concurrent="1" nextAc="seek">
+              <p:cTn id="2" dur="indefinite" nodeType="mainSeq">
+                <p:childTnLst>
+                  <p:par>
+                    <p:cTn id="3" fill="hold">
+                      <p:stCondLst>
+                        <p:cond delay="indefinite"/>
+                      </p:stCondLst>
+                      <p:childTnLst>
+                        <p:par>
+                          <p:cTn id="4" fill="hold">
+                            <p:stCondLst>
+                              <p:cond delay="0"/>
+                            </p:stCondLst>
+                            <p:childTnLst>
+                              <p:par>
+                                <p:cTn id="5" presetID="10" presetClass="entr" presetSubtype="0" fill="hold" nodeType="clickEffect">
+                                  <p:stCondLst>
+                                    <p:cond delay="0"/>
+                                  </p:stCondLst>
+                                  <p:childTnLst>
+                                    <p:set>
+                                      <p:cBhvr>
+                                        <p:cTn id="6" dur="1" fill="hold">
+                                          <p:stCondLst>
+                                            <p:cond delay="0"/>
+                                          </p:stCondLst>
+                                        </p:cTn>
+                                        <p:tgtEl>
+                                          <p:spTgt spid="16"/>
+                                        </p:tgtEl>
+                                        <p:attrNameLst>
+                                          <p:attrName>style.visibility</p:attrName>
+                                        </p:attrNameLst>
+                                      </p:cBhvr>
+                                      <p:to>
+                                        <p:strVal val="visible"/>
+                                      </p:to>
+                                    </p:set>
+                                    <p:animEffect transition="in" filter="fade">
+                                      <p:cBhvr>
+                                        <p:cTn id="7" dur="500"/>
+                                        <p:tgtEl>
+                                          <p:spTgt spid="16"/>
+                                        </p:tgtEl>
+                                      </p:cBhvr>
+                                    </p:animEffect>
+                                  </p:childTnLst>
+                                </p:cTn>
+                              </p:par>
+                            </p:childTnLst>
+                          </p:cTn>
+                        </p:par>
+                        <p:par>
+                          <p:cTn id="8" fill="hold">
+                            <p:stCondLst>
+                              <p:cond delay="500"/>
+                            </p:stCondLst>
+                            <p:childTnLst>
+                              <p:par>
+                                <p:cTn id="9" presetID="10" presetClass="entr" presetSubtype="0" fill="hold" nodeType="afterEffect">
+                                  <p:stCondLst>
+                                    <p:cond delay="500"/>
+                                  </p:stCondLst>
+                                  <p:childTnLst>
+                                    <p:set>
+                                      <p:cBhvr>
+                                        <p:cTn id="10" dur="1" fill="hold">
+                                          <p:stCondLst>
+                                            <p:cond delay="0"/>
+                                          </p:stCondLst>
+                                        </p:cTn>
+                                        <p:tgtEl>
+                                          <p:spTgt spid="17"/>
+                                        </p:tgtEl>
+                                        <p:attrNameLst>
+                                          <p:attrName>style.visibility</p:attrName>
+                                        </p:attrNameLst>
+                                      </p:cBhvr>
+                                      <p:to>
+                                        <p:strVal val="visible"/>
+                                      </p:to>
+                                    </p:set>
+                                    <p:animEffect transition="in" filter="fade">
+                                      <p:cBhvr>
+                                        <p:cTn id="11" dur="500"/>
+                                        <p:tgtEl>
+                                          <p:spTgt spid="17"/>
+                                        </p:tgtEl>
+                                      </p:cBhvr>
+                                    </p:animEffect>
+                                  </p:childTnLst>
+                                </p:cTn>
+                              </p:par>
+                            </p:childTnLst>
+                          </p:cTn>
+                        </p:par>
+                      </p:childTnLst>
+                    </p:cTn>
+                  </p:par>
+                </p:childTnLst>
+              </p:cTn>
+              <p:prevCondLst>
+                <p:cond evt="onPrev" delay="0">
+                  <p:tgtEl>
+                    <p:sldTgt/>
+                  </p:tgtEl>
+                </p:cond>
+              </p:prevCondLst>
+              <p:nextCondLst>
+                <p:cond evt="onNext" delay="0">
+                  <p:tgtEl>
+                    <p:sldTgt/>
+                  </p:tgtEl>
+                </p:cond>
+              </p:nextCondLst>
+            </p:seq>
+          </p:childTnLst>
+        </p:cTn>
+      </p:par>
+    </p:tnLst>
+  </p:timing>
+</p:sld>
+</file>
+
+<file path=ppt/slides/slide19.xml><?xml version="1.0" encoding="utf-8"?>
+<p:sld xmlns:a="http://schemas.openxmlformats.org/drawingml/2006/main" xmlns:r="http://schemas.openxmlformats.org/officeDocument/2006/relationships" xmlns:p="http://schemas.openxmlformats.org/presentationml/2006/main">
+  <p:cSld>
     <p:bg>
       <p:bgPr>
         <a:solidFill>
@@ -4524,11 +6720,366 @@
         </p:nvSpPr>
         <p:spPr/>
         <p:txBody>
+          <a:bodyPr>
+            <a:normAutofit/>
+          </a:bodyPr>
+          <a:lstStyle/>
+          <a:p>
+            <a:r>
+              <a:rPr lang="en-US" b="1" u="sng" dirty="0">
+                <a:solidFill>
+                  <a:schemeClr val="bg1"/>
+                </a:solidFill>
+              </a:rPr>
+              <a:t>What change in the last decade…</a:t>
+            </a:r>
+            <a:endParaRPr lang="bg-BG" b="1" u="sng" dirty="0">
+              <a:solidFill>
+                <a:schemeClr val="bg1"/>
+              </a:solidFill>
+            </a:endParaRPr>
+          </a:p>
+        </p:txBody>
+      </p:sp>
+      <p:sp>
+        <p:nvSpPr>
+          <p:cNvPr id="4" name="Content Placeholder 3"/>
+          <p:cNvSpPr>
+            <a:spLocks noGrp="1"/>
+          </p:cNvSpPr>
+          <p:nvPr>
+            <p:ph sz="half" idx="1"/>
+          </p:nvPr>
+        </p:nvSpPr>
+        <p:spPr/>
+        <p:txBody>
+          <a:bodyPr>
+            <a:noAutofit/>
+          </a:bodyPr>
+          <a:lstStyle/>
+          <a:p>
+            <a:r>
+              <a:rPr lang="sv-SE" sz="3200" dirty="0">
+                <a:solidFill>
+                  <a:schemeClr val="bg1"/>
+                </a:solidFill>
+              </a:rPr>
+              <a:t>RUP &amp;&amp; UML</a:t>
+            </a:r>
+          </a:p>
+          <a:p>
+            <a:r>
+              <a:rPr lang="sv-SE" sz="3200" dirty="0">
+                <a:solidFill>
+                  <a:schemeClr val="bg1"/>
+                </a:solidFill>
+              </a:rPr>
+              <a:t>C# || Java</a:t>
+            </a:r>
+          </a:p>
+          <a:p>
+            <a:r>
+              <a:rPr lang="sv-SE" sz="3200" dirty="0">
+                <a:solidFill>
+                  <a:schemeClr val="bg1"/>
+                </a:solidFill>
+              </a:rPr>
+              <a:t>SQL || Oracle</a:t>
+            </a:r>
+          </a:p>
+          <a:p>
+            <a:r>
+              <a:rPr lang="sv-SE" sz="3200" dirty="0">
+                <a:solidFill>
+                  <a:schemeClr val="bg1"/>
+                </a:solidFill>
+              </a:rPr>
+              <a:t>Hyper-V || Vmware</a:t>
+            </a:r>
+          </a:p>
+          <a:p>
+            <a:r>
+              <a:rPr lang="sv-SE" sz="3200" dirty="0">
+                <a:solidFill>
+                  <a:schemeClr val="bg1"/>
+                </a:solidFill>
+              </a:rPr>
+              <a:t>Out-sourcing</a:t>
+            </a:r>
+          </a:p>
+          <a:p>
+            <a:r>
+              <a:rPr lang="sv-SE" sz="3200" dirty="0">
+                <a:solidFill>
+                  <a:schemeClr val="bg1"/>
+                </a:solidFill>
+              </a:rPr>
+              <a:t>SOA</a:t>
+            </a:r>
+            <a:endParaRPr lang="en-US" sz="3200" dirty="0">
+              <a:solidFill>
+                <a:schemeClr val="bg1"/>
+              </a:solidFill>
+            </a:endParaRPr>
+          </a:p>
+        </p:txBody>
+      </p:sp>
+      <p:sp>
+        <p:nvSpPr>
+          <p:cNvPr id="5" name="Content Placeholder 4"/>
+          <p:cNvSpPr>
+            <a:spLocks noGrp="1"/>
+          </p:cNvSpPr>
+          <p:nvPr>
+            <p:ph sz="half" idx="2"/>
+          </p:nvPr>
+        </p:nvSpPr>
+        <p:spPr/>
+        <p:txBody>
+          <a:bodyPr>
+            <a:noAutofit/>
+          </a:bodyPr>
+          <a:lstStyle/>
+          <a:p>
+            <a:r>
+              <a:rPr lang="sv-SE" sz="3200" dirty="0">
+                <a:solidFill>
+                  <a:schemeClr val="bg1"/>
+                </a:solidFill>
+              </a:rPr>
+              <a:t>Agile &amp;&amp; Scrum</a:t>
+            </a:r>
+          </a:p>
+          <a:p>
+            <a:r>
+              <a:rPr lang="sv-SE" sz="3200" dirty="0">
+                <a:solidFill>
+                  <a:schemeClr val="bg1"/>
+                </a:solidFill>
+              </a:rPr>
+              <a:t>JavaScript || Python</a:t>
+            </a:r>
+          </a:p>
+          <a:p>
+            <a:r>
+              <a:rPr lang="sv-SE" sz="3200" dirty="0">
+                <a:solidFill>
+                  <a:schemeClr val="bg1"/>
+                </a:solidFill>
+              </a:rPr>
+              <a:t>NoSql</a:t>
+            </a:r>
+          </a:p>
+          <a:p>
+            <a:r>
+              <a:rPr lang="sv-SE" sz="3200" dirty="0">
+                <a:solidFill>
+                  <a:schemeClr val="bg1"/>
+                </a:solidFill>
+              </a:rPr>
+              <a:t>Docker</a:t>
+            </a:r>
+          </a:p>
+          <a:p>
+            <a:r>
+              <a:rPr lang="sv-SE" sz="3200" dirty="0">
+                <a:solidFill>
+                  <a:schemeClr val="bg1"/>
+                </a:solidFill>
+              </a:rPr>
+              <a:t>Cloud</a:t>
+            </a:r>
+          </a:p>
+          <a:p>
+            <a:r>
+              <a:rPr lang="sv-SE" sz="3200" dirty="0">
+                <a:solidFill>
+                  <a:schemeClr val="bg1"/>
+                </a:solidFill>
+              </a:rPr>
+              <a:t>Micro services</a:t>
+            </a:r>
+            <a:endParaRPr lang="en-US" sz="3200" dirty="0">
+              <a:solidFill>
+                <a:schemeClr val="bg1"/>
+              </a:solidFill>
+            </a:endParaRPr>
+          </a:p>
+        </p:txBody>
+      </p:sp>
+      <p:sp>
+        <p:nvSpPr>
+          <p:cNvPr id="6" name="Arrow: Right 5"/>
+          <p:cNvSpPr/>
+          <p:nvPr/>
+        </p:nvSpPr>
+        <p:spPr>
+          <a:xfrm>
+            <a:off x="5328614" y="3639669"/>
+            <a:ext cx="1196789" cy="874059"/>
+          </a:xfrm>
+          <a:prstGeom prst="rightArrow">
+            <a:avLst/>
+          </a:prstGeom>
+          <a:solidFill>
+            <a:srgbClr val="FFC000"/>
+          </a:solidFill>
+          <a:ln>
+            <a:noFill/>
+          </a:ln>
+        </p:spPr>
+        <p:style>
+          <a:lnRef idx="2">
+            <a:schemeClr val="accent1">
+              <a:shade val="50000"/>
+            </a:schemeClr>
+          </a:lnRef>
+          <a:fillRef idx="1">
+            <a:schemeClr val="accent1"/>
+          </a:fillRef>
+          <a:effectRef idx="0">
+            <a:schemeClr val="accent1"/>
+          </a:effectRef>
+          <a:fontRef idx="minor">
+            <a:schemeClr val="lt1"/>
+          </a:fontRef>
+        </p:style>
+        <p:txBody>
+          <a:bodyPr rtlCol="0" anchor="ctr"/>
+          <a:lstStyle/>
+          <a:p>
+            <a:pPr algn="ctr"/>
+            <a:endParaRPr lang="bg-BG"/>
+          </a:p>
+        </p:txBody>
+      </p:sp>
+    </p:spTree>
+    <p:extLst>
+      <p:ext uri="{BB962C8B-B14F-4D97-AF65-F5344CB8AC3E}">
+        <p14:creationId xmlns:p14="http://schemas.microsoft.com/office/powerpoint/2010/main" val="3133718851"/>
+      </p:ext>
+    </p:extLst>
+  </p:cSld>
+  <p:clrMapOvr>
+    <a:masterClrMapping/>
+  </p:clrMapOvr>
+</p:sld>
+</file>
+
+<file path=ppt/slides/slide20.xml><?xml version="1.0" encoding="utf-8"?>
+<p:sld xmlns:a="http://schemas.openxmlformats.org/drawingml/2006/main" xmlns:r="http://schemas.openxmlformats.org/officeDocument/2006/relationships" xmlns:p="http://schemas.openxmlformats.org/presentationml/2006/main">
+  <p:cSld>
+    <p:spTree>
+      <p:nvGrpSpPr>
+        <p:cNvPr id="1" name=""/>
+        <p:cNvGrpSpPr/>
+        <p:nvPr/>
+      </p:nvGrpSpPr>
+      <p:grpSpPr>
+        <a:xfrm>
+          <a:off x="0" y="0"/>
+          <a:ext cx="0" cy="0"/>
+          <a:chOff x="0" y="0"/>
+          <a:chExt cx="0" cy="0"/>
+        </a:xfrm>
+      </p:grpSpPr>
+      <p:sp>
+        <p:nvSpPr>
+          <p:cNvPr id="4" name="Title 3"/>
+          <p:cNvSpPr>
+            <a:spLocks noGrp="1"/>
+          </p:cNvSpPr>
+          <p:nvPr>
+            <p:ph type="title"/>
+          </p:nvPr>
+        </p:nvSpPr>
+        <p:spPr/>
+        <p:txBody>
           <a:bodyPr/>
           <a:lstStyle/>
           <a:p>
             <a:r>
-              <a:rPr lang="en-US" b="1" u="sng">
+              <a:rPr lang="en-US" dirty="0"/>
+              <a:t>Demo with unit test</a:t>
+            </a:r>
+            <a:endParaRPr lang="bg-BG" dirty="0"/>
+          </a:p>
+        </p:txBody>
+      </p:sp>
+      <p:sp>
+        <p:nvSpPr>
+          <p:cNvPr id="5" name="Text Placeholder 4"/>
+          <p:cNvSpPr>
+            <a:spLocks noGrp="1"/>
+          </p:cNvSpPr>
+          <p:nvPr>
+            <p:ph type="body" idx="1"/>
+          </p:nvPr>
+        </p:nvSpPr>
+        <p:spPr/>
+        <p:txBody>
+          <a:bodyPr/>
+          <a:lstStyle/>
+          <a:p>
+            <a:endParaRPr lang="bg-BG"/>
+          </a:p>
+        </p:txBody>
+      </p:sp>
+    </p:spTree>
+    <p:extLst>
+      <p:ext uri="{BB962C8B-B14F-4D97-AF65-F5344CB8AC3E}">
+        <p14:creationId xmlns:p14="http://schemas.microsoft.com/office/powerpoint/2010/main" val="81045204"/>
+      </p:ext>
+    </p:extLst>
+  </p:cSld>
+  <p:clrMapOvr>
+    <a:masterClrMapping/>
+  </p:clrMapOvr>
+</p:sld>
+</file>
+
+<file path=ppt/slides/slide3.xml><?xml version="1.0" encoding="utf-8"?>
+<p:sld xmlns:a="http://schemas.openxmlformats.org/drawingml/2006/main" xmlns:r="http://schemas.openxmlformats.org/officeDocument/2006/relationships" xmlns:p="http://schemas.openxmlformats.org/presentationml/2006/main">
+  <p:cSld>
+    <p:bg>
+      <p:bgPr>
+        <a:solidFill>
+          <a:srgbClr val="0070C0"/>
+        </a:solidFill>
+        <a:effectLst/>
+      </p:bgPr>
+    </p:bg>
+    <p:spTree>
+      <p:nvGrpSpPr>
+        <p:cNvPr id="1" name=""/>
+        <p:cNvGrpSpPr/>
+        <p:nvPr/>
+      </p:nvGrpSpPr>
+      <p:grpSpPr>
+        <a:xfrm>
+          <a:off x="0" y="0"/>
+          <a:ext cx="0" cy="0"/>
+          <a:chOff x="0" y="0"/>
+          <a:chExt cx="0" cy="0"/>
+        </a:xfrm>
+      </p:grpSpPr>
+      <p:sp>
+        <p:nvSpPr>
+          <p:cNvPr id="2" name="Title 1"/>
+          <p:cNvSpPr>
+            <a:spLocks noGrp="1"/>
+          </p:cNvSpPr>
+          <p:nvPr>
+            <p:ph type="title"/>
+          </p:nvPr>
+        </p:nvSpPr>
+        <p:spPr/>
+        <p:txBody>
+          <a:bodyPr/>
+          <a:lstStyle/>
+          <a:p>
+            <a:r>
+              <a:rPr lang="en-US" b="1" u="sng" dirty="0">
                 <a:solidFill>
                   <a:schemeClr val="bg1"/>
                 </a:solidFill>
@@ -4602,7 +7153,7 @@
 </p:sld>
 </file>
 
-<file path=ppt/slides/slide3.xml><?xml version="1.0" encoding="utf-8"?>
+<file path=ppt/slides/slide4.xml><?xml version="1.0" encoding="utf-8"?>
 <p:sld xmlns:a="http://schemas.openxmlformats.org/drawingml/2006/main" xmlns:r="http://schemas.openxmlformats.org/officeDocument/2006/relationships" xmlns:p="http://schemas.openxmlformats.org/presentationml/2006/main">
   <p:cSld>
     <p:spTree>
@@ -4739,248 +7290,7 @@
 </p:sld>
 </file>
 
-<file path=ppt/slides/slide4.xml><?xml version="1.0" encoding="utf-8"?>
-<p:sld xmlns:a="http://schemas.openxmlformats.org/drawingml/2006/main" xmlns:r="http://schemas.openxmlformats.org/officeDocument/2006/relationships" xmlns:p="http://schemas.openxmlformats.org/presentationml/2006/main">
-  <p:cSld>
-    <p:spTree>
-      <p:nvGrpSpPr>
-        <p:cNvPr id="1" name=""/>
-        <p:cNvGrpSpPr/>
-        <p:nvPr/>
-      </p:nvGrpSpPr>
-      <p:grpSpPr>
-        <a:xfrm>
-          <a:off x="0" y="0"/>
-          <a:ext cx="0" cy="0"/>
-          <a:chOff x="0" y="0"/>
-          <a:chExt cx="0" cy="0"/>
-        </a:xfrm>
-      </p:grpSpPr>
-      <p:sp>
-        <p:nvSpPr>
-          <p:cNvPr id="2" name="Title 1"/>
-          <p:cNvSpPr>
-            <a:spLocks noGrp="1"/>
-          </p:cNvSpPr>
-          <p:nvPr>
-            <p:ph type="title"/>
-          </p:nvPr>
-        </p:nvSpPr>
-        <p:spPr/>
-        <p:txBody>
-          <a:bodyPr/>
-          <a:lstStyle/>
-          <a:p>
-            <a:endParaRPr lang="bg-BG" dirty="0"/>
-          </a:p>
-        </p:txBody>
-      </p:sp>
-      <p:sp>
-        <p:nvSpPr>
-          <p:cNvPr id="3" name="Content Placeholder 2"/>
-          <p:cNvSpPr>
-            <a:spLocks noGrp="1"/>
-          </p:cNvSpPr>
-          <p:nvPr>
-            <p:ph idx="1"/>
-          </p:nvPr>
-        </p:nvSpPr>
-        <p:spPr/>
-        <p:txBody>
-          <a:bodyPr/>
-          <a:lstStyle/>
-          <a:p>
-            <a:endParaRPr lang="bg-BG"/>
-          </a:p>
-        </p:txBody>
-      </p:sp>
-      <p:pic>
-        <p:nvPicPr>
-          <p:cNvPr id="4" name="Content Placeholder 5"/>
-          <p:cNvPicPr>
-            <a:picLocks noChangeAspect="1"/>
-          </p:cNvPicPr>
-          <p:nvPr/>
-        </p:nvPicPr>
-        <p:blipFill>
-          <a:blip r:embed="rId2"/>
-          <a:stretch>
-            <a:fillRect/>
-          </a:stretch>
-        </p:blipFill>
-        <p:spPr>
-          <a:xfrm>
-            <a:off x="11078383" y="91119"/>
-            <a:ext cx="886383" cy="1497651"/>
-          </a:xfrm>
-          <a:prstGeom prst="rect">
-            <a:avLst/>
-          </a:prstGeom>
-        </p:spPr>
-      </p:pic>
-    </p:spTree>
-    <p:extLst>
-      <p:ext uri="{BB962C8B-B14F-4D97-AF65-F5344CB8AC3E}">
-        <p14:creationId xmlns:p14="http://schemas.microsoft.com/office/powerpoint/2010/main" val="2019871633"/>
-      </p:ext>
-    </p:extLst>
-  </p:cSld>
-  <p:clrMapOvr>
-    <a:masterClrMapping/>
-  </p:clrMapOvr>
-</p:sld>
-</file>
-
 <file path=ppt/slides/slide5.xml><?xml version="1.0" encoding="utf-8"?>
-<p:sld xmlns:a="http://schemas.openxmlformats.org/drawingml/2006/main" xmlns:r="http://schemas.openxmlformats.org/officeDocument/2006/relationships" xmlns:p="http://schemas.openxmlformats.org/presentationml/2006/main">
-  <p:cSld>
-    <p:spTree>
-      <p:nvGrpSpPr>
-        <p:cNvPr id="1" name=""/>
-        <p:cNvGrpSpPr/>
-        <p:nvPr/>
-      </p:nvGrpSpPr>
-      <p:grpSpPr>
-        <a:xfrm>
-          <a:off x="0" y="0"/>
-          <a:ext cx="0" cy="0"/>
-          <a:chOff x="0" y="0"/>
-          <a:chExt cx="0" cy="0"/>
-        </a:xfrm>
-      </p:grpSpPr>
-      <p:pic>
-        <p:nvPicPr>
-          <p:cNvPr id="4" name="Picture 3"/>
-          <p:cNvPicPr>
-            <a:picLocks noChangeAspect="1"/>
-          </p:cNvPicPr>
-          <p:nvPr/>
-        </p:nvPicPr>
-        <p:blipFill>
-          <a:blip r:embed="rId2"/>
-          <a:stretch>
-            <a:fillRect/>
-          </a:stretch>
-        </p:blipFill>
-        <p:spPr>
-          <a:xfrm>
-            <a:off x="1311776" y="2030207"/>
-            <a:ext cx="5295547" cy="2547316"/>
-          </a:xfrm>
-          <a:prstGeom prst="rect">
-            <a:avLst/>
-          </a:prstGeom>
-        </p:spPr>
-      </p:pic>
-      <p:pic>
-        <p:nvPicPr>
-          <p:cNvPr id="5" name="Picture 4"/>
-          <p:cNvPicPr>
-            <a:picLocks noChangeAspect="1"/>
-          </p:cNvPicPr>
-          <p:nvPr/>
-        </p:nvPicPr>
-        <p:blipFill>
-          <a:blip r:embed="rId3"/>
-          <a:stretch>
-            <a:fillRect/>
-          </a:stretch>
-        </p:blipFill>
-        <p:spPr>
-          <a:xfrm>
-            <a:off x="6741547" y="1961280"/>
-            <a:ext cx="4573628" cy="2616243"/>
-          </a:xfrm>
-          <a:prstGeom prst="rect">
-            <a:avLst/>
-          </a:prstGeom>
-        </p:spPr>
-      </p:pic>
-    </p:spTree>
-    <p:extLst>
-      <p:ext uri="{BB962C8B-B14F-4D97-AF65-F5344CB8AC3E}">
-        <p14:creationId xmlns:p14="http://schemas.microsoft.com/office/powerpoint/2010/main" val="371547288"/>
-      </p:ext>
-    </p:extLst>
-  </p:cSld>
-  <p:clrMapOvr>
-    <a:masterClrMapping/>
-  </p:clrMapOvr>
-</p:sld>
-</file>
-
-<file path=ppt/slides/slide6.xml><?xml version="1.0" encoding="utf-8"?>
-<p:sld xmlns:a="http://schemas.openxmlformats.org/drawingml/2006/main" xmlns:r="http://schemas.openxmlformats.org/officeDocument/2006/relationships" xmlns:p="http://schemas.openxmlformats.org/presentationml/2006/main">
-  <p:cSld>
-    <p:spTree>
-      <p:nvGrpSpPr>
-        <p:cNvPr id="1" name=""/>
-        <p:cNvGrpSpPr/>
-        <p:nvPr/>
-      </p:nvGrpSpPr>
-      <p:grpSpPr>
-        <a:xfrm>
-          <a:off x="0" y="0"/>
-          <a:ext cx="0" cy="0"/>
-          <a:chOff x="0" y="0"/>
-          <a:chExt cx="0" cy="0"/>
-        </a:xfrm>
-      </p:grpSpPr>
-      <p:pic>
-        <p:nvPicPr>
-          <p:cNvPr id="1028" name="Picture 4" descr="Резултат с изображение за nodejs version"/>
-          <p:cNvPicPr>
-            <a:picLocks noChangeAspect="1" noChangeArrowheads="1"/>
-          </p:cNvPicPr>
-          <p:nvPr/>
-        </p:nvPicPr>
-        <p:blipFill>
-          <a:blip r:embed="rId2">
-            <a:extLst>
-              <a:ext uri="{28A0092B-C50C-407E-A947-70E740481C1C}">
-                <a14:useLocalDpi xmlns:a14="http://schemas.microsoft.com/office/drawing/2010/main" val="0"/>
-              </a:ext>
-            </a:extLst>
-          </a:blip>
-          <a:srcRect/>
-          <a:stretch>
-            <a:fillRect/>
-          </a:stretch>
-        </p:blipFill>
-        <p:spPr bwMode="auto">
-          <a:xfrm>
-            <a:off x="708660" y="0"/>
-            <a:ext cx="11483339" cy="6858000"/>
-          </a:xfrm>
-          <a:prstGeom prst="rect">
-            <a:avLst/>
-          </a:prstGeom>
-          <a:noFill/>
-          <a:extLst>
-            <a:ext uri="{909E8E84-426E-40DD-AFC4-6F175D3DCCD1}">
-              <a14:hiddenFill xmlns:a14="http://schemas.microsoft.com/office/drawing/2010/main">
-                <a:solidFill>
-                  <a:srgbClr val="FFFFFF"/>
-                </a:solidFill>
-              </a14:hiddenFill>
-            </a:ext>
-          </a:extLst>
-        </p:spPr>
-      </p:pic>
-    </p:spTree>
-    <p:extLst>
-      <p:ext uri="{BB962C8B-B14F-4D97-AF65-F5344CB8AC3E}">
-        <p14:creationId xmlns:p14="http://schemas.microsoft.com/office/powerpoint/2010/main" val="611724808"/>
-      </p:ext>
-    </p:extLst>
-  </p:cSld>
-  <p:clrMapOvr>
-    <a:masterClrMapping/>
-  </p:clrMapOvr>
-</p:sld>
-</file>
-
-<file path=ppt/slides/slide7.xml><?xml version="1.0" encoding="utf-8"?>
 <p:sld xmlns:a="http://schemas.openxmlformats.org/drawingml/2006/main" xmlns:r="http://schemas.openxmlformats.org/officeDocument/2006/relationships" xmlns:p="http://schemas.openxmlformats.org/presentationml/2006/main">
   <p:cSld>
     <p:spTree>
@@ -6853,6 +9163,155 @@
 </p:sld>
 </file>
 
+<file path=ppt/slides/slide6.xml><?xml version="1.0" encoding="utf-8"?>
+<p:sld xmlns:a="http://schemas.openxmlformats.org/drawingml/2006/main" xmlns:r="http://schemas.openxmlformats.org/officeDocument/2006/relationships" xmlns:p="http://schemas.openxmlformats.org/presentationml/2006/main">
+  <p:cSld>
+    <p:spTree>
+      <p:nvGrpSpPr>
+        <p:cNvPr id="1" name=""/>
+        <p:cNvGrpSpPr/>
+        <p:nvPr/>
+      </p:nvGrpSpPr>
+      <p:grpSpPr>
+        <a:xfrm>
+          <a:off x="0" y="0"/>
+          <a:ext cx="0" cy="0"/>
+          <a:chOff x="0" y="0"/>
+          <a:chExt cx="0" cy="0"/>
+        </a:xfrm>
+      </p:grpSpPr>
+      <p:pic>
+        <p:nvPicPr>
+          <p:cNvPr id="1028" name="Picture 4" descr="Резултат с изображение за nodejs version"/>
+          <p:cNvPicPr>
+            <a:picLocks noChangeAspect="1" noChangeArrowheads="1"/>
+          </p:cNvPicPr>
+          <p:nvPr/>
+        </p:nvPicPr>
+        <p:blipFill>
+          <a:blip r:embed="rId2">
+            <a:extLst>
+              <a:ext uri="{28A0092B-C50C-407E-A947-70E740481C1C}">
+                <a14:useLocalDpi xmlns:a14="http://schemas.microsoft.com/office/drawing/2010/main" val="0"/>
+              </a:ext>
+            </a:extLst>
+          </a:blip>
+          <a:srcRect/>
+          <a:stretch>
+            <a:fillRect/>
+          </a:stretch>
+        </p:blipFill>
+        <p:spPr bwMode="auto">
+          <a:xfrm>
+            <a:off x="708660" y="0"/>
+            <a:ext cx="11483339" cy="6858000"/>
+          </a:xfrm>
+          <a:prstGeom prst="rect">
+            <a:avLst/>
+          </a:prstGeom>
+          <a:noFill/>
+          <a:extLst>
+            <a:ext uri="{909E8E84-426E-40DD-AFC4-6F175D3DCCD1}">
+              <a14:hiddenFill xmlns:a14="http://schemas.microsoft.com/office/drawing/2010/main">
+                <a:solidFill>
+                  <a:srgbClr val="FFFFFF"/>
+                </a:solidFill>
+              </a14:hiddenFill>
+            </a:ext>
+          </a:extLst>
+        </p:spPr>
+      </p:pic>
+    </p:spTree>
+    <p:extLst>
+      <p:ext uri="{BB962C8B-B14F-4D97-AF65-F5344CB8AC3E}">
+        <p14:creationId xmlns:p14="http://schemas.microsoft.com/office/powerpoint/2010/main" val="611724808"/>
+      </p:ext>
+    </p:extLst>
+  </p:cSld>
+  <p:clrMapOvr>
+    <a:masterClrMapping/>
+  </p:clrMapOvr>
+</p:sld>
+</file>
+
+<file path=ppt/slides/slide7.xml><?xml version="1.0" encoding="utf-8"?>
+<p:sld xmlns:a="http://schemas.openxmlformats.org/drawingml/2006/main" xmlns:r="http://schemas.openxmlformats.org/officeDocument/2006/relationships" xmlns:p="http://schemas.openxmlformats.org/presentationml/2006/main">
+  <p:cSld>
+    <p:spTree>
+      <p:nvGrpSpPr>
+        <p:cNvPr id="1" name=""/>
+        <p:cNvGrpSpPr/>
+        <p:nvPr/>
+      </p:nvGrpSpPr>
+      <p:grpSpPr>
+        <a:xfrm>
+          <a:off x="0" y="0"/>
+          <a:ext cx="0" cy="0"/>
+          <a:chOff x="0" y="0"/>
+          <a:chExt cx="0" cy="0"/>
+        </a:xfrm>
+      </p:grpSpPr>
+      <p:pic>
+        <p:nvPicPr>
+          <p:cNvPr id="4" name="Picture 3"/>
+          <p:cNvPicPr>
+            <a:picLocks noChangeAspect="1"/>
+          </p:cNvPicPr>
+          <p:nvPr/>
+        </p:nvPicPr>
+        <p:blipFill>
+          <a:blip r:embed="rId2"/>
+          <a:stretch>
+            <a:fillRect/>
+          </a:stretch>
+        </p:blipFill>
+        <p:spPr>
+          <a:xfrm>
+            <a:off x="1311776" y="2030207"/>
+            <a:ext cx="5295547" cy="2547316"/>
+          </a:xfrm>
+          <a:prstGeom prst="rect">
+            <a:avLst/>
+          </a:prstGeom>
+        </p:spPr>
+      </p:pic>
+      <p:pic>
+        <p:nvPicPr>
+          <p:cNvPr id="5" name="Picture 4"/>
+          <p:cNvPicPr>
+            <a:picLocks noChangeAspect="1"/>
+          </p:cNvPicPr>
+          <p:nvPr/>
+        </p:nvPicPr>
+        <p:blipFill>
+          <a:blip r:embed="rId3"/>
+          <a:stretch>
+            <a:fillRect/>
+          </a:stretch>
+        </p:blipFill>
+        <p:spPr>
+          <a:xfrm>
+            <a:off x="6741547" y="1961280"/>
+            <a:ext cx="4573628" cy="2616243"/>
+          </a:xfrm>
+          <a:prstGeom prst="rect">
+            <a:avLst/>
+          </a:prstGeom>
+        </p:spPr>
+      </p:pic>
+    </p:spTree>
+    <p:extLst>
+      <p:ext uri="{BB962C8B-B14F-4D97-AF65-F5344CB8AC3E}">
+        <p14:creationId xmlns:p14="http://schemas.microsoft.com/office/powerpoint/2010/main" val="371547288"/>
+      </p:ext>
+    </p:extLst>
+  </p:cSld>
+  <p:clrMapOvr>
+    <a:masterClrMapping/>
+  </p:clrMapOvr>
+</p:sld>
+</file>
+
 <file path=ppt/slides/slide8.xml><?xml version="1.0" encoding="utf-8"?>
 <p:sld xmlns:a="http://schemas.openxmlformats.org/drawingml/2006/main" xmlns:r="http://schemas.openxmlformats.org/officeDocument/2006/relationships" xmlns:p="http://schemas.openxmlformats.org/presentationml/2006/main">
   <p:cSld>
@@ -6958,14 +9417,6 @@
 <file path=ppt/slides/slide9.xml><?xml version="1.0" encoding="utf-8"?>
 <p:sld xmlns:a="http://schemas.openxmlformats.org/drawingml/2006/main" xmlns:r="http://schemas.openxmlformats.org/officeDocument/2006/relationships" xmlns:p="http://schemas.openxmlformats.org/presentationml/2006/main">
   <p:cSld>
-    <p:bg>
-      <p:bgPr>
-        <a:solidFill>
-          <a:srgbClr val="0070C0"/>
-        </a:solidFill>
-        <a:effectLst/>
-      </p:bgPr>
-    </p:bg>
     <p:spTree>
       <p:nvGrpSpPr>
         <p:cNvPr id="1" name=""/>
@@ -6998,14 +9449,14 @@
             <a:r>
               <a:rPr lang="en-US" b="1" u="sng" dirty="0">
                 <a:solidFill>
-                  <a:schemeClr val="bg1"/>
+                  <a:schemeClr val="tx1"/>
                 </a:solidFill>
               </a:rPr>
-              <a:t>Node Package Manager (NPM)</a:t>
+              <a:t>JavaScript syntax</a:t>
             </a:r>
             <a:endParaRPr lang="bg-BG" b="1" u="sng" dirty="0">
               <a:solidFill>
-                <a:schemeClr val="bg1"/>
+                <a:schemeClr val="tx1"/>
               </a:solidFill>
             </a:endParaRPr>
           </a:p>
@@ -7024,17 +9475,67 @@
         <p:spPr/>
         <p:txBody>
           <a:bodyPr>
-            <a:normAutofit/>
+            <a:normAutofit lnSpcReduction="10000"/>
           </a:bodyPr>
           <a:lstStyle/>
           <a:p>
             <a:r>
-              <a:rPr lang="en-US" sz="3200" dirty="0">
-                <a:solidFill>
-                  <a:schemeClr val="bg1"/>
+              <a:rPr lang="sv-SE" sz="3200" dirty="0">
+                <a:solidFill>
+                  <a:schemeClr val="tx1"/>
                 </a:solidFill>
               </a:rPr>
-              <a:t>NPM is the default package manager for the JavaScript runtime environment Node.js and allows users to consume and distribute JavaScript modules that are available on the registry.</a:t>
+              <a:t>Values and Types</a:t>
+            </a:r>
+          </a:p>
+          <a:p>
+            <a:r>
+              <a:rPr lang="sv-SE" sz="3200" dirty="0">
+                <a:solidFill>
+                  <a:schemeClr val="tx1"/>
+                </a:solidFill>
+              </a:rPr>
+              <a:t>Operators</a:t>
+            </a:r>
+          </a:p>
+          <a:p>
+            <a:r>
+              <a:rPr lang="sv-SE" sz="3200" dirty="0">
+                <a:solidFill>
+                  <a:schemeClr val="tx1"/>
+                </a:solidFill>
+              </a:rPr>
+              <a:t>Variables and Blocks</a:t>
+            </a:r>
+          </a:p>
+          <a:p>
+            <a:r>
+              <a:rPr lang="sv-SE" sz="3200" dirty="0">
+                <a:solidFill>
+                  <a:schemeClr val="tx1"/>
+                </a:solidFill>
+              </a:rPr>
+              <a:t>Conditional statemets</a:t>
+            </a:r>
+          </a:p>
+          <a:p>
+            <a:r>
+              <a:rPr lang="sv-SE" sz="3200" dirty="0">
+                <a:solidFill>
+                  <a:schemeClr val="tx1"/>
+                </a:solidFill>
+              </a:rPr>
+              <a:t>Loops</a:t>
+            </a:r>
+          </a:p>
+          <a:p>
+            <a:r>
+              <a:rPr lang="sv-SE" sz="3200" dirty="0">
+                <a:solidFill>
+                  <a:schemeClr val="tx1"/>
+                </a:solidFill>
+              </a:rPr>
+              <a:t>Functions</a:t>
             </a:r>
           </a:p>
         </p:txBody>
@@ -7042,7 +9543,7 @@
     </p:spTree>
     <p:extLst>
       <p:ext uri="{BB962C8B-B14F-4D97-AF65-F5344CB8AC3E}">
-        <p14:creationId xmlns:p14="http://schemas.microsoft.com/office/powerpoint/2010/main" val="3825447161"/>
+        <p14:creationId xmlns:p14="http://schemas.microsoft.com/office/powerpoint/2010/main" val="3627279298"/>
       </p:ext>
     </p:extLst>
   </p:cSld>

--- a/slides/NodeJS.pptx
+++ b/slides/NodeJS.pptx
@@ -599,15 +599,7 @@
             </a:pPr>
             <a:r>
               <a:rPr lang="sv-SE" sz="3200" dirty="0"/>
-              <a:t>a !== </a:t>
-            </a:r>
-            <a:r>
-              <a:rPr lang="sv-SE" sz="3200" dirty="0"/>
-              <a:t>b  </a:t>
-            </a:r>
-            <a:r>
-              <a:rPr lang="sv-SE" sz="3200" dirty="0"/>
-              <a:t>(strict-not-equals)</a:t>
+              <a:t>a !== b  (strict-not-equals)</a:t>
             </a:r>
           </a:p>
           <a:p>
@@ -5184,11 +5176,11 @@
           <a:p>
             <a:r>
               <a:rPr lang="en-US" dirty="0"/>
-              <a:t>Demo with </a:t>
+              <a:t>Demo </a:t>
             </a:r>
             <a:r>
               <a:rPr lang="en-US" dirty="0" err="1"/>
-              <a:t>js</a:t>
+              <a:t>javascripts</a:t>
             </a:r>
             <a:endParaRPr lang="bg-BG" dirty="0"/>
           </a:p>
@@ -5492,7 +5484,7 @@
           <a:p>
             <a:r>
               <a:rPr lang="en-US" dirty="0"/>
-              <a:t>Demo with </a:t>
+              <a:t>Demo </a:t>
             </a:r>
             <a:r>
               <a:rPr lang="en-US" dirty="0" err="1"/>
@@ -5730,15 +5722,7 @@
           <a:p>
             <a:r>
               <a:rPr lang="en-US" sz="3200" dirty="0"/>
-              <a:t>Caller dictates formats </a:t>
-            </a:r>
-            <a:r>
-              <a:rPr lang="en-US" sz="3200" dirty="0"/>
-              <a:t>– </a:t>
-            </a:r>
-            <a:r>
-              <a:rPr lang="en-US" sz="3200" dirty="0"/>
-              <a:t>Content-Type &amp; Accept </a:t>
+              <a:t>Caller dictates formats – Content-Type &amp; Accept </a:t>
             </a:r>
           </a:p>
         </p:txBody>
@@ -7000,7 +6984,7 @@
           <a:p>
             <a:r>
               <a:rPr lang="en-US" dirty="0"/>
-              <a:t>Demo with unit test</a:t>
+              <a:t>Demo unit test</a:t>
             </a:r>
             <a:endParaRPr lang="bg-BG" dirty="0"/>
           </a:p>

--- a/slides/NodeJS.pptx
+++ b/slides/NodeJS.pptx
@@ -5,7 +5,7 @@
     <p:sldMasterId id="2147483660" r:id="rId1"/>
   </p:sldMasterIdLst>
   <p:notesMasterIdLst>
-    <p:notesMasterId r:id="rId22"/>
+    <p:notesMasterId r:id="rId26"/>
   </p:notesMasterIdLst>
   <p:sldIdLst>
     <p:sldId id="256" r:id="rId2"/>
@@ -18,16 +18,20 @@
     <p:sldId id="269" r:id="rId9"/>
     <p:sldId id="276" r:id="rId10"/>
     <p:sldId id="277" r:id="rId11"/>
-    <p:sldId id="278" r:id="rId12"/>
-    <p:sldId id="281" r:id="rId13"/>
-    <p:sldId id="273" r:id="rId14"/>
-    <p:sldId id="279" r:id="rId15"/>
-    <p:sldId id="280" r:id="rId16"/>
-    <p:sldId id="283" r:id="rId17"/>
-    <p:sldId id="285" r:id="rId18"/>
-    <p:sldId id="286" r:id="rId19"/>
-    <p:sldId id="274" r:id="rId20"/>
-    <p:sldId id="282" r:id="rId21"/>
+    <p:sldId id="287" r:id="rId12"/>
+    <p:sldId id="278" r:id="rId13"/>
+    <p:sldId id="289" r:id="rId14"/>
+    <p:sldId id="290" r:id="rId15"/>
+    <p:sldId id="291" r:id="rId16"/>
+    <p:sldId id="281" r:id="rId17"/>
+    <p:sldId id="273" r:id="rId18"/>
+    <p:sldId id="279" r:id="rId19"/>
+    <p:sldId id="280" r:id="rId20"/>
+    <p:sldId id="283" r:id="rId21"/>
+    <p:sldId id="285" r:id="rId22"/>
+    <p:sldId id="286" r:id="rId23"/>
+    <p:sldId id="274" r:id="rId24"/>
+    <p:sldId id="282" r:id="rId25"/>
   </p:sldIdLst>
   <p:sldSz cx="12192000" cy="6858000"/>
   <p:notesSz cx="6858000" cy="9144000"/>
@@ -529,80 +533,695 @@
           <a:lstStyle/>
           <a:p>
             <a:r>
-              <a:rPr lang="sv-SE" sz="3200" dirty="0"/>
-              <a:t>EQUAL</a:t>
-            </a:r>
-          </a:p>
-          <a:p>
-            <a:pPr marL="457200" lvl="1" indent="0">
-              <a:buNone/>
-            </a:pPr>
-            <a:r>
-              <a:rPr lang="sv-SE" sz="3200" dirty="0"/>
-              <a:t>a = 1;</a:t>
-            </a:r>
-          </a:p>
-          <a:p>
-            <a:pPr marL="457200" lvl="1" indent="0">
-              <a:buNone/>
-            </a:pPr>
-            <a:r>
-              <a:rPr lang="sv-SE" sz="3200" dirty="0"/>
-              <a:t>a = a + 2;</a:t>
-            </a:r>
-          </a:p>
-          <a:p>
-            <a:pPr marL="457200" lvl="1" indent="0">
-              <a:buNone/>
-            </a:pPr>
-            <a:r>
-              <a:rPr lang="sv-SE" sz="3200" dirty="0"/>
-              <a:t>a += 2;</a:t>
-            </a:r>
-          </a:p>
-          <a:p>
-            <a:r>
-              <a:rPr lang="sv-SE" sz="3200" dirty="0"/>
-              <a:t>EQUALITY</a:t>
-            </a:r>
-          </a:p>
-          <a:p>
-            <a:pPr marL="457200" lvl="1" indent="0">
-              <a:buNone/>
-            </a:pPr>
-            <a:r>
-              <a:rPr lang="sv-SE" sz="3200" dirty="0"/>
-              <a:t>a == b	  (loose-equals)</a:t>
-            </a:r>
-          </a:p>
-          <a:p>
-            <a:pPr marL="457200" lvl="1" indent="0">
-              <a:buNone/>
-            </a:pPr>
-            <a:r>
-              <a:rPr lang="sv-SE" sz="3200" dirty="0"/>
-              <a:t>a === b(strict-equals)</a:t>
-            </a:r>
-          </a:p>
-          <a:p>
-            <a:pPr marL="457200" lvl="1" indent="0">
-              <a:buNone/>
-            </a:pPr>
-            <a:r>
-              <a:rPr lang="sv-SE" sz="3200" dirty="0"/>
-              <a:t>a != b    (loose-not-equals)</a:t>
-            </a:r>
-          </a:p>
-          <a:p>
-            <a:pPr marL="457200" lvl="1" indent="0">
-              <a:buNone/>
-            </a:pPr>
-            <a:r>
-              <a:rPr lang="sv-SE" sz="3200" dirty="0"/>
-              <a:t>a !== b  (strict-not-equals)</a:t>
-            </a:r>
-          </a:p>
-          <a:p>
+              <a:rPr lang="en-US" sz="1200" kern="1200" dirty="0">
+                <a:solidFill>
+                  <a:schemeClr val="tx1"/>
+                </a:solidFill>
+                <a:effectLst/>
+                <a:latin typeface="+mn-lt"/>
+                <a:ea typeface="+mn-ea"/>
+                <a:cs typeface="+mn-cs"/>
+              </a:rPr>
+              <a:t>function</a:t>
+            </a:r>
+            <a:r>
+              <a:rPr lang="en-US" dirty="0"/>
+              <a:t> </a:t>
+            </a:r>
+            <a:r>
+              <a:rPr lang="en-US" sz="1200" kern="1200" dirty="0" err="1">
+                <a:solidFill>
+                  <a:schemeClr val="tx1"/>
+                </a:solidFill>
+                <a:effectLst/>
+                <a:latin typeface="+mn-lt"/>
+                <a:ea typeface="+mn-ea"/>
+                <a:cs typeface="+mn-cs"/>
+              </a:rPr>
+              <a:t>varTest</a:t>
+            </a:r>
+            <a:r>
+              <a:rPr lang="en-US" sz="1200" kern="1200" dirty="0">
+                <a:solidFill>
+                  <a:schemeClr val="tx1"/>
+                </a:solidFill>
+                <a:effectLst/>
+                <a:latin typeface="+mn-lt"/>
+                <a:ea typeface="+mn-ea"/>
+                <a:cs typeface="+mn-cs"/>
+              </a:rPr>
+              <a:t>()</a:t>
+            </a:r>
+            <a:r>
+              <a:rPr lang="en-US" dirty="0"/>
+              <a:t> </a:t>
+            </a:r>
+            <a:r>
+              <a:rPr lang="en-US" sz="1200" kern="1200" dirty="0">
+                <a:solidFill>
+                  <a:schemeClr val="tx1"/>
+                </a:solidFill>
+                <a:effectLst/>
+                <a:latin typeface="+mn-lt"/>
+                <a:ea typeface="+mn-ea"/>
+                <a:cs typeface="+mn-cs"/>
+              </a:rPr>
+              <a:t>{</a:t>
+            </a:r>
+            <a:r>
+              <a:rPr lang="en-US" dirty="0"/>
+              <a:t> </a:t>
+            </a:r>
+            <a:r>
+              <a:rPr lang="en-US" sz="1200" kern="1200" dirty="0" err="1">
+                <a:solidFill>
+                  <a:schemeClr val="tx1"/>
+                </a:solidFill>
+                <a:effectLst/>
+                <a:latin typeface="+mn-lt"/>
+                <a:ea typeface="+mn-ea"/>
+                <a:cs typeface="+mn-cs"/>
+              </a:rPr>
+              <a:t>var</a:t>
+            </a:r>
+            <a:r>
+              <a:rPr lang="en-US" dirty="0"/>
+              <a:t> x </a:t>
+            </a:r>
+            <a:r>
+              <a:rPr lang="en-US" sz="1200" kern="1200" dirty="0">
+                <a:solidFill>
+                  <a:schemeClr val="tx1"/>
+                </a:solidFill>
+                <a:effectLst/>
+                <a:latin typeface="+mn-lt"/>
+                <a:ea typeface="+mn-ea"/>
+                <a:cs typeface="+mn-cs"/>
+              </a:rPr>
+              <a:t>=</a:t>
+            </a:r>
+            <a:r>
+              <a:rPr lang="en-US" dirty="0"/>
+              <a:t> </a:t>
+            </a:r>
+            <a:r>
+              <a:rPr lang="en-US" sz="1200" kern="1200" dirty="0">
+                <a:solidFill>
+                  <a:schemeClr val="tx1"/>
+                </a:solidFill>
+                <a:effectLst/>
+                <a:latin typeface="+mn-lt"/>
+                <a:ea typeface="+mn-ea"/>
+                <a:cs typeface="+mn-cs"/>
+              </a:rPr>
+              <a:t>1;</a:t>
+            </a:r>
+            <a:r>
+              <a:rPr lang="en-US" dirty="0"/>
+              <a:t> </a:t>
+            </a:r>
+            <a:r>
+              <a:rPr lang="en-US" sz="1200" kern="1200" dirty="0">
+                <a:solidFill>
+                  <a:schemeClr val="tx1"/>
+                </a:solidFill>
+                <a:effectLst/>
+                <a:latin typeface="+mn-lt"/>
+                <a:ea typeface="+mn-ea"/>
+                <a:cs typeface="+mn-cs"/>
+              </a:rPr>
+              <a:t>if</a:t>
+            </a:r>
+            <a:r>
+              <a:rPr lang="en-US" dirty="0"/>
+              <a:t> </a:t>
+            </a:r>
+            <a:r>
+              <a:rPr lang="en-US" sz="1200" kern="1200" dirty="0">
+                <a:solidFill>
+                  <a:schemeClr val="tx1"/>
+                </a:solidFill>
+                <a:effectLst/>
+                <a:latin typeface="+mn-lt"/>
+                <a:ea typeface="+mn-ea"/>
+                <a:cs typeface="+mn-cs"/>
+              </a:rPr>
+              <a:t>(true)</a:t>
+            </a:r>
+            <a:r>
+              <a:rPr lang="en-US" dirty="0"/>
+              <a:t> </a:t>
+            </a:r>
+            <a:r>
+              <a:rPr lang="en-US" sz="1200" kern="1200" dirty="0">
+                <a:solidFill>
+                  <a:schemeClr val="tx1"/>
+                </a:solidFill>
+                <a:effectLst/>
+                <a:latin typeface="+mn-lt"/>
+                <a:ea typeface="+mn-ea"/>
+                <a:cs typeface="+mn-cs"/>
+              </a:rPr>
+              <a:t>{</a:t>
+            </a:r>
+            <a:r>
+              <a:rPr lang="en-US" dirty="0"/>
+              <a:t> </a:t>
+            </a:r>
+            <a:r>
+              <a:rPr lang="en-US" sz="1200" kern="1200" dirty="0" err="1">
+                <a:solidFill>
+                  <a:schemeClr val="tx1"/>
+                </a:solidFill>
+                <a:effectLst/>
+                <a:latin typeface="+mn-lt"/>
+                <a:ea typeface="+mn-ea"/>
+                <a:cs typeface="+mn-cs"/>
+              </a:rPr>
+              <a:t>var</a:t>
+            </a:r>
+            <a:r>
+              <a:rPr lang="en-US" dirty="0"/>
+              <a:t> x </a:t>
+            </a:r>
+            <a:r>
+              <a:rPr lang="en-US" sz="1200" kern="1200" dirty="0">
+                <a:solidFill>
+                  <a:schemeClr val="tx1"/>
+                </a:solidFill>
+                <a:effectLst/>
+                <a:latin typeface="+mn-lt"/>
+                <a:ea typeface="+mn-ea"/>
+                <a:cs typeface="+mn-cs"/>
+              </a:rPr>
+              <a:t>=</a:t>
+            </a:r>
+            <a:r>
+              <a:rPr lang="en-US" dirty="0"/>
+              <a:t> </a:t>
+            </a:r>
+            <a:r>
+              <a:rPr lang="en-US" sz="1200" kern="1200" dirty="0">
+                <a:solidFill>
+                  <a:schemeClr val="tx1"/>
+                </a:solidFill>
+                <a:effectLst/>
+                <a:latin typeface="+mn-lt"/>
+                <a:ea typeface="+mn-ea"/>
+                <a:cs typeface="+mn-cs"/>
+              </a:rPr>
+              <a:t>2;</a:t>
+            </a:r>
+            <a:r>
+              <a:rPr lang="en-US" dirty="0"/>
+              <a:t> </a:t>
+            </a:r>
+            <a:r>
+              <a:rPr lang="en-US" sz="1200" kern="1200" dirty="0">
+                <a:solidFill>
+                  <a:schemeClr val="tx1"/>
+                </a:solidFill>
+                <a:effectLst/>
+                <a:latin typeface="+mn-lt"/>
+                <a:ea typeface="+mn-ea"/>
+                <a:cs typeface="+mn-cs"/>
+              </a:rPr>
+              <a:t>// same variable!</a:t>
+            </a:r>
+            <a:r>
+              <a:rPr lang="en-US" dirty="0"/>
+              <a:t> console</a:t>
+            </a:r>
+            <a:r>
+              <a:rPr lang="en-US" sz="1200" kern="1200" dirty="0">
+                <a:solidFill>
+                  <a:schemeClr val="tx1"/>
+                </a:solidFill>
+                <a:effectLst/>
+                <a:latin typeface="+mn-lt"/>
+                <a:ea typeface="+mn-ea"/>
+                <a:cs typeface="+mn-cs"/>
+              </a:rPr>
+              <a:t>.log(</a:t>
+            </a:r>
+            <a:r>
+              <a:rPr lang="en-US" dirty="0"/>
+              <a:t>x</a:t>
+            </a:r>
+            <a:r>
+              <a:rPr lang="en-US" sz="1200" kern="1200" dirty="0">
+                <a:solidFill>
+                  <a:schemeClr val="tx1"/>
+                </a:solidFill>
+                <a:effectLst/>
+                <a:latin typeface="+mn-lt"/>
+                <a:ea typeface="+mn-ea"/>
+                <a:cs typeface="+mn-cs"/>
+              </a:rPr>
+              <a:t>);</a:t>
+            </a:r>
+            <a:r>
+              <a:rPr lang="en-US" dirty="0"/>
+              <a:t> </a:t>
+            </a:r>
+            <a:r>
+              <a:rPr lang="en-US" sz="1200" kern="1200" dirty="0">
+                <a:solidFill>
+                  <a:schemeClr val="tx1"/>
+                </a:solidFill>
+                <a:effectLst/>
+                <a:latin typeface="+mn-lt"/>
+                <a:ea typeface="+mn-ea"/>
+                <a:cs typeface="+mn-cs"/>
+              </a:rPr>
+              <a:t>// 2</a:t>
+            </a:r>
+            <a:r>
+              <a:rPr lang="en-US" dirty="0"/>
+              <a:t> </a:t>
+            </a:r>
+            <a:r>
+              <a:rPr lang="en-US" sz="1200" kern="1200" dirty="0">
+                <a:solidFill>
+                  <a:schemeClr val="tx1"/>
+                </a:solidFill>
+                <a:effectLst/>
+                <a:latin typeface="+mn-lt"/>
+                <a:ea typeface="+mn-ea"/>
+                <a:cs typeface="+mn-cs"/>
+              </a:rPr>
+              <a:t>}</a:t>
+            </a:r>
+            <a:r>
+              <a:rPr lang="en-US" dirty="0"/>
+              <a:t> console</a:t>
+            </a:r>
+            <a:r>
+              <a:rPr lang="en-US" sz="1200" kern="1200" dirty="0">
+                <a:solidFill>
+                  <a:schemeClr val="tx1"/>
+                </a:solidFill>
+                <a:effectLst/>
+                <a:latin typeface="+mn-lt"/>
+                <a:ea typeface="+mn-ea"/>
+                <a:cs typeface="+mn-cs"/>
+              </a:rPr>
+              <a:t>.log(</a:t>
+            </a:r>
+            <a:r>
+              <a:rPr lang="en-US" dirty="0"/>
+              <a:t>x</a:t>
+            </a:r>
+            <a:r>
+              <a:rPr lang="en-US" sz="1200" kern="1200" dirty="0">
+                <a:solidFill>
+                  <a:schemeClr val="tx1"/>
+                </a:solidFill>
+                <a:effectLst/>
+                <a:latin typeface="+mn-lt"/>
+                <a:ea typeface="+mn-ea"/>
+                <a:cs typeface="+mn-cs"/>
+              </a:rPr>
+              <a:t>);</a:t>
+            </a:r>
+            <a:r>
+              <a:rPr lang="en-US" dirty="0"/>
+              <a:t> </a:t>
+            </a:r>
+            <a:r>
+              <a:rPr lang="en-US" sz="1200" kern="1200" dirty="0">
+                <a:solidFill>
+                  <a:schemeClr val="tx1"/>
+                </a:solidFill>
+                <a:effectLst/>
+                <a:latin typeface="+mn-lt"/>
+                <a:ea typeface="+mn-ea"/>
+                <a:cs typeface="+mn-cs"/>
+              </a:rPr>
+              <a:t>// 2</a:t>
+            </a:r>
+            <a:r>
+              <a:rPr lang="en-US" dirty="0"/>
+              <a:t> </a:t>
+            </a:r>
+            <a:r>
+              <a:rPr lang="en-US" sz="1200" kern="1200" dirty="0">
+                <a:solidFill>
+                  <a:schemeClr val="tx1"/>
+                </a:solidFill>
+                <a:effectLst/>
+                <a:latin typeface="+mn-lt"/>
+                <a:ea typeface="+mn-ea"/>
+                <a:cs typeface="+mn-cs"/>
+              </a:rPr>
+              <a:t>}</a:t>
+            </a:r>
+          </a:p>
+          <a:p>
+            <a:r>
+              <a:rPr lang="en-US" sz="1200" kern="1200" dirty="0">
+                <a:solidFill>
+                  <a:schemeClr val="tx1"/>
+                </a:solidFill>
+                <a:effectLst/>
+                <a:latin typeface="+mn-lt"/>
+                <a:ea typeface="+mn-ea"/>
+                <a:cs typeface="+mn-cs"/>
+              </a:rPr>
+              <a:t>function</a:t>
+            </a:r>
+            <a:r>
+              <a:rPr lang="en-US" dirty="0"/>
+              <a:t> </a:t>
+            </a:r>
+            <a:r>
+              <a:rPr lang="en-US" sz="1200" kern="1200" dirty="0" err="1">
+                <a:solidFill>
+                  <a:schemeClr val="tx1"/>
+                </a:solidFill>
+                <a:effectLst/>
+                <a:latin typeface="+mn-lt"/>
+                <a:ea typeface="+mn-ea"/>
+                <a:cs typeface="+mn-cs"/>
+              </a:rPr>
+              <a:t>letTest</a:t>
+            </a:r>
+            <a:r>
+              <a:rPr lang="en-US" sz="1200" kern="1200" dirty="0">
+                <a:solidFill>
+                  <a:schemeClr val="tx1"/>
+                </a:solidFill>
+                <a:effectLst/>
+                <a:latin typeface="+mn-lt"/>
+                <a:ea typeface="+mn-ea"/>
+                <a:cs typeface="+mn-cs"/>
+              </a:rPr>
+              <a:t>()</a:t>
+            </a:r>
+            <a:r>
+              <a:rPr lang="en-US" dirty="0"/>
+              <a:t> </a:t>
+            </a:r>
+            <a:r>
+              <a:rPr lang="en-US" sz="1200" kern="1200" dirty="0">
+                <a:solidFill>
+                  <a:schemeClr val="tx1"/>
+                </a:solidFill>
+                <a:effectLst/>
+                <a:latin typeface="+mn-lt"/>
+                <a:ea typeface="+mn-ea"/>
+                <a:cs typeface="+mn-cs"/>
+              </a:rPr>
+              <a:t>{</a:t>
+            </a:r>
+            <a:r>
+              <a:rPr lang="en-US" dirty="0"/>
+              <a:t> </a:t>
+            </a:r>
+            <a:r>
+              <a:rPr lang="en-US" sz="1200" kern="1200" dirty="0">
+                <a:solidFill>
+                  <a:schemeClr val="tx1"/>
+                </a:solidFill>
+                <a:effectLst/>
+                <a:latin typeface="+mn-lt"/>
+                <a:ea typeface="+mn-ea"/>
+                <a:cs typeface="+mn-cs"/>
+              </a:rPr>
+              <a:t>let</a:t>
+            </a:r>
+            <a:r>
+              <a:rPr lang="en-US" dirty="0"/>
+              <a:t> x </a:t>
+            </a:r>
+            <a:r>
+              <a:rPr lang="en-US" sz="1200" kern="1200" dirty="0">
+                <a:solidFill>
+                  <a:schemeClr val="tx1"/>
+                </a:solidFill>
+                <a:effectLst/>
+                <a:latin typeface="+mn-lt"/>
+                <a:ea typeface="+mn-ea"/>
+                <a:cs typeface="+mn-cs"/>
+              </a:rPr>
+              <a:t>=</a:t>
+            </a:r>
+            <a:r>
+              <a:rPr lang="en-US" dirty="0"/>
+              <a:t> </a:t>
+            </a:r>
+            <a:r>
+              <a:rPr lang="en-US" sz="1200" kern="1200" dirty="0">
+                <a:solidFill>
+                  <a:schemeClr val="tx1"/>
+                </a:solidFill>
+                <a:effectLst/>
+                <a:latin typeface="+mn-lt"/>
+                <a:ea typeface="+mn-ea"/>
+                <a:cs typeface="+mn-cs"/>
+              </a:rPr>
+              <a:t>1;</a:t>
+            </a:r>
+            <a:r>
+              <a:rPr lang="en-US" dirty="0"/>
+              <a:t> </a:t>
+            </a:r>
+            <a:r>
+              <a:rPr lang="en-US" sz="1200" kern="1200" dirty="0">
+                <a:solidFill>
+                  <a:schemeClr val="tx1"/>
+                </a:solidFill>
+                <a:effectLst/>
+                <a:latin typeface="+mn-lt"/>
+                <a:ea typeface="+mn-ea"/>
+                <a:cs typeface="+mn-cs"/>
+              </a:rPr>
+              <a:t>if</a:t>
+            </a:r>
+            <a:r>
+              <a:rPr lang="en-US" dirty="0"/>
+              <a:t> </a:t>
+            </a:r>
+            <a:r>
+              <a:rPr lang="en-US" sz="1200" kern="1200" dirty="0">
+                <a:solidFill>
+                  <a:schemeClr val="tx1"/>
+                </a:solidFill>
+                <a:effectLst/>
+                <a:latin typeface="+mn-lt"/>
+                <a:ea typeface="+mn-ea"/>
+                <a:cs typeface="+mn-cs"/>
+              </a:rPr>
+              <a:t>(true)</a:t>
+            </a:r>
+            <a:r>
+              <a:rPr lang="en-US" dirty="0"/>
+              <a:t> </a:t>
+            </a:r>
+            <a:r>
+              <a:rPr lang="en-US" sz="1200" kern="1200" dirty="0">
+                <a:solidFill>
+                  <a:schemeClr val="tx1"/>
+                </a:solidFill>
+                <a:effectLst/>
+                <a:latin typeface="+mn-lt"/>
+                <a:ea typeface="+mn-ea"/>
+                <a:cs typeface="+mn-cs"/>
+              </a:rPr>
+              <a:t>{</a:t>
+            </a:r>
+            <a:r>
+              <a:rPr lang="en-US" dirty="0"/>
+              <a:t> </a:t>
+            </a:r>
+            <a:r>
+              <a:rPr lang="en-US" sz="1200" kern="1200" dirty="0">
+                <a:solidFill>
+                  <a:schemeClr val="tx1"/>
+                </a:solidFill>
+                <a:effectLst/>
+                <a:latin typeface="+mn-lt"/>
+                <a:ea typeface="+mn-ea"/>
+                <a:cs typeface="+mn-cs"/>
+              </a:rPr>
+              <a:t>let</a:t>
+            </a:r>
+            <a:r>
+              <a:rPr lang="en-US" dirty="0"/>
+              <a:t> x </a:t>
+            </a:r>
+            <a:r>
+              <a:rPr lang="en-US" sz="1200" kern="1200" dirty="0">
+                <a:solidFill>
+                  <a:schemeClr val="tx1"/>
+                </a:solidFill>
+                <a:effectLst/>
+                <a:latin typeface="+mn-lt"/>
+                <a:ea typeface="+mn-ea"/>
+                <a:cs typeface="+mn-cs"/>
+              </a:rPr>
+              <a:t>=</a:t>
+            </a:r>
+            <a:r>
+              <a:rPr lang="en-US" dirty="0"/>
+              <a:t> </a:t>
+            </a:r>
+            <a:r>
+              <a:rPr lang="en-US" sz="1200" kern="1200" dirty="0">
+                <a:solidFill>
+                  <a:schemeClr val="tx1"/>
+                </a:solidFill>
+                <a:effectLst/>
+                <a:latin typeface="+mn-lt"/>
+                <a:ea typeface="+mn-ea"/>
+                <a:cs typeface="+mn-cs"/>
+              </a:rPr>
+              <a:t>2;</a:t>
+            </a:r>
+            <a:r>
+              <a:rPr lang="en-US" dirty="0"/>
+              <a:t> </a:t>
+            </a:r>
+            <a:r>
+              <a:rPr lang="en-US" sz="1200" kern="1200" dirty="0">
+                <a:solidFill>
+                  <a:schemeClr val="tx1"/>
+                </a:solidFill>
+                <a:effectLst/>
+                <a:latin typeface="+mn-lt"/>
+                <a:ea typeface="+mn-ea"/>
+                <a:cs typeface="+mn-cs"/>
+              </a:rPr>
+              <a:t>// different variable</a:t>
+            </a:r>
+            <a:r>
+              <a:rPr lang="en-US" dirty="0"/>
+              <a:t> console</a:t>
+            </a:r>
+            <a:r>
+              <a:rPr lang="en-US" sz="1200" kern="1200" dirty="0">
+                <a:solidFill>
+                  <a:schemeClr val="tx1"/>
+                </a:solidFill>
+                <a:effectLst/>
+                <a:latin typeface="+mn-lt"/>
+                <a:ea typeface="+mn-ea"/>
+                <a:cs typeface="+mn-cs"/>
+              </a:rPr>
+              <a:t>.log(</a:t>
+            </a:r>
+            <a:r>
+              <a:rPr lang="en-US" dirty="0"/>
+              <a:t>x</a:t>
+            </a:r>
+            <a:r>
+              <a:rPr lang="en-US" sz="1200" kern="1200" dirty="0">
+                <a:solidFill>
+                  <a:schemeClr val="tx1"/>
+                </a:solidFill>
+                <a:effectLst/>
+                <a:latin typeface="+mn-lt"/>
+                <a:ea typeface="+mn-ea"/>
+                <a:cs typeface="+mn-cs"/>
+              </a:rPr>
+              <a:t>);</a:t>
+            </a:r>
+            <a:r>
+              <a:rPr lang="en-US" dirty="0"/>
+              <a:t> </a:t>
+            </a:r>
+            <a:r>
+              <a:rPr lang="en-US" sz="1200" kern="1200" dirty="0">
+                <a:solidFill>
+                  <a:schemeClr val="tx1"/>
+                </a:solidFill>
+                <a:effectLst/>
+                <a:latin typeface="+mn-lt"/>
+                <a:ea typeface="+mn-ea"/>
+                <a:cs typeface="+mn-cs"/>
+              </a:rPr>
+              <a:t>// 2</a:t>
+            </a:r>
+            <a:r>
+              <a:rPr lang="en-US" dirty="0"/>
+              <a:t> </a:t>
+            </a:r>
+            <a:r>
+              <a:rPr lang="en-US" sz="1200" kern="1200" dirty="0">
+                <a:solidFill>
+                  <a:schemeClr val="tx1"/>
+                </a:solidFill>
+                <a:effectLst/>
+                <a:latin typeface="+mn-lt"/>
+                <a:ea typeface="+mn-ea"/>
+                <a:cs typeface="+mn-cs"/>
+              </a:rPr>
+              <a:t>}</a:t>
+            </a:r>
+            <a:r>
+              <a:rPr lang="en-US" dirty="0"/>
+              <a:t> console</a:t>
+            </a:r>
+            <a:r>
+              <a:rPr lang="en-US" sz="1200" kern="1200" dirty="0">
+                <a:solidFill>
+                  <a:schemeClr val="tx1"/>
+                </a:solidFill>
+                <a:effectLst/>
+                <a:latin typeface="+mn-lt"/>
+                <a:ea typeface="+mn-ea"/>
+                <a:cs typeface="+mn-cs"/>
+              </a:rPr>
+              <a:t>.log(</a:t>
+            </a:r>
+            <a:r>
+              <a:rPr lang="en-US" dirty="0"/>
+              <a:t>x</a:t>
+            </a:r>
+            <a:r>
+              <a:rPr lang="en-US" sz="1200" kern="1200" dirty="0">
+                <a:solidFill>
+                  <a:schemeClr val="tx1"/>
+                </a:solidFill>
+                <a:effectLst/>
+                <a:latin typeface="+mn-lt"/>
+                <a:ea typeface="+mn-ea"/>
+                <a:cs typeface="+mn-cs"/>
+              </a:rPr>
+              <a:t>);</a:t>
+            </a:r>
+            <a:r>
+              <a:rPr lang="en-US" dirty="0"/>
+              <a:t> </a:t>
+            </a:r>
+            <a:r>
+              <a:rPr lang="en-US" sz="1200" kern="1200" dirty="0">
+                <a:solidFill>
+                  <a:schemeClr val="tx1"/>
+                </a:solidFill>
+                <a:effectLst/>
+                <a:latin typeface="+mn-lt"/>
+                <a:ea typeface="+mn-ea"/>
+                <a:cs typeface="+mn-cs"/>
+              </a:rPr>
+              <a:t>// 1</a:t>
+            </a:r>
+            <a:r>
+              <a:rPr lang="en-US" dirty="0"/>
+              <a:t> </a:t>
+            </a:r>
+            <a:r>
+              <a:rPr lang="en-US" sz="1200" kern="1200" dirty="0">
+                <a:solidFill>
+                  <a:schemeClr val="tx1"/>
+                </a:solidFill>
+                <a:effectLst/>
+                <a:latin typeface="+mn-lt"/>
+                <a:ea typeface="+mn-ea"/>
+                <a:cs typeface="+mn-cs"/>
+              </a:rPr>
+              <a:t>}</a:t>
+            </a:r>
             <a:endParaRPr lang="bg-BG" dirty="0"/>
           </a:p>
         </p:txBody>
@@ -633,7 +1252,7 @@
     </p:spTree>
     <p:extLst>
       <p:ext uri="{BB962C8B-B14F-4D97-AF65-F5344CB8AC3E}">
-        <p14:creationId xmlns:p14="http://schemas.microsoft.com/office/powerpoint/2010/main" val="3616962826"/>
+        <p14:creationId xmlns:p14="http://schemas.microsoft.com/office/powerpoint/2010/main" val="3615099548"/>
       </p:ext>
     </p:extLst>
   </p:cSld>
@@ -687,6 +1306,42 @@
           <a:bodyPr/>
           <a:lstStyle/>
           <a:p>
+            <a:pPr marL="0" lvl="0" indent="0">
+              <a:buNone/>
+            </a:pPr>
+            <a:r>
+              <a:rPr lang="sv-SE" sz="3200" dirty="0"/>
+              <a:t>a == b   (loose-equals)</a:t>
+            </a:r>
+          </a:p>
+          <a:p>
+            <a:pPr marL="0" lvl="0" indent="0">
+              <a:buNone/>
+            </a:pPr>
+            <a:r>
+              <a:rPr lang="sv-SE" sz="3200" dirty="0"/>
+              <a:t>a === b(strict-equals)</a:t>
+            </a:r>
+          </a:p>
+          <a:p>
+            <a:pPr marL="0" lvl="0" indent="0">
+              <a:buNone/>
+            </a:pPr>
+            <a:r>
+              <a:rPr lang="sv-SE" sz="3200" dirty="0"/>
+              <a:t>a != b    (loose-not-equals)</a:t>
+            </a:r>
+          </a:p>
+          <a:p>
+            <a:pPr marL="0" lvl="0" indent="0">
+              <a:buNone/>
+            </a:pPr>
+            <a:r>
+              <a:rPr lang="sv-SE" sz="3200" dirty="0"/>
+              <a:t>a !== b  (strict-not-equals)</a:t>
+            </a:r>
+          </a:p>
+          <a:p>
             <a:endParaRPr lang="bg-BG" dirty="0"/>
           </a:p>
         </p:txBody>
@@ -708,7 +1363,7 @@
           <a:p>
             <a:fld id="{52B7F6F4-ECB0-4FA5-B3FD-41E3D15A4260}" type="slidenum">
               <a:rPr lang="bg-BG" smtClean="0"/>
-              <a:t>14</a:t>
+              <a:t>12</a:t>
             </a:fld>
             <a:endParaRPr lang="bg-BG"/>
           </a:p>
@@ -717,7 +1372,7 @@
     </p:spTree>
     <p:extLst>
       <p:ext uri="{BB962C8B-B14F-4D97-AF65-F5344CB8AC3E}">
-        <p14:creationId xmlns:p14="http://schemas.microsoft.com/office/powerpoint/2010/main" val="486706251"/>
+        <p14:creationId xmlns:p14="http://schemas.microsoft.com/office/powerpoint/2010/main" val="3616962826"/>
       </p:ext>
     </p:extLst>
   </p:cSld>
@@ -792,7 +1447,91 @@
           <a:p>
             <a:fld id="{52B7F6F4-ECB0-4FA5-B3FD-41E3D15A4260}" type="slidenum">
               <a:rPr lang="bg-BG" smtClean="0"/>
-              <a:t>17</a:t>
+              <a:t>18</a:t>
+            </a:fld>
+            <a:endParaRPr lang="bg-BG"/>
+          </a:p>
+        </p:txBody>
+      </p:sp>
+    </p:spTree>
+    <p:extLst>
+      <p:ext uri="{BB962C8B-B14F-4D97-AF65-F5344CB8AC3E}">
+        <p14:creationId xmlns:p14="http://schemas.microsoft.com/office/powerpoint/2010/main" val="486706251"/>
+      </p:ext>
+    </p:extLst>
+  </p:cSld>
+  <p:clrMapOvr>
+    <a:masterClrMapping/>
+  </p:clrMapOvr>
+</p:notes>
+</file>
+
+<file path=ppt/notesSlides/notesSlide4.xml><?xml version="1.0" encoding="utf-8"?>
+<p:notes xmlns:a="http://schemas.openxmlformats.org/drawingml/2006/main" xmlns:r="http://schemas.openxmlformats.org/officeDocument/2006/relationships" xmlns:p="http://schemas.openxmlformats.org/presentationml/2006/main">
+  <p:cSld>
+    <p:spTree>
+      <p:nvGrpSpPr>
+        <p:cNvPr id="1" name=""/>
+        <p:cNvGrpSpPr/>
+        <p:nvPr/>
+      </p:nvGrpSpPr>
+      <p:grpSpPr>
+        <a:xfrm>
+          <a:off x="0" y="0"/>
+          <a:ext cx="0" cy="0"/>
+          <a:chOff x="0" y="0"/>
+          <a:chExt cx="0" cy="0"/>
+        </a:xfrm>
+      </p:grpSpPr>
+      <p:sp>
+        <p:nvSpPr>
+          <p:cNvPr id="2" name="Slide Image Placeholder 1"/>
+          <p:cNvSpPr>
+            <a:spLocks noGrp="1" noRot="1" noChangeAspect="1"/>
+          </p:cNvSpPr>
+          <p:nvPr>
+            <p:ph type="sldImg"/>
+          </p:nvPr>
+        </p:nvSpPr>
+        <p:spPr/>
+      </p:sp>
+      <p:sp>
+        <p:nvSpPr>
+          <p:cNvPr id="3" name="Notes Placeholder 2"/>
+          <p:cNvSpPr>
+            <a:spLocks noGrp="1"/>
+          </p:cNvSpPr>
+          <p:nvPr>
+            <p:ph type="body" idx="1"/>
+          </p:nvPr>
+        </p:nvSpPr>
+        <p:spPr/>
+        <p:txBody>
+          <a:bodyPr/>
+          <a:lstStyle/>
+          <a:p>
+            <a:endParaRPr lang="bg-BG" dirty="0"/>
+          </a:p>
+        </p:txBody>
+      </p:sp>
+      <p:sp>
+        <p:nvSpPr>
+          <p:cNvPr id="4" name="Slide Number Placeholder 3"/>
+          <p:cNvSpPr>
+            <a:spLocks noGrp="1"/>
+          </p:cNvSpPr>
+          <p:nvPr>
+            <p:ph type="sldNum" sz="quarter" idx="10"/>
+          </p:nvPr>
+        </p:nvSpPr>
+        <p:spPr/>
+        <p:txBody>
+          <a:bodyPr/>
+          <a:lstStyle/>
+          <a:p>
+            <a:fld id="{52B7F6F4-ECB0-4FA5-B3FD-41E3D15A4260}" type="slidenum">
+              <a:rPr lang="bg-BG" smtClean="0"/>
+              <a:t>21</a:t>
             </a:fld>
             <a:endParaRPr lang="bg-BG"/>
           </a:p>
@@ -1411,10 +2150,9 @@
           <a:lstStyle/>
           <a:p>
             <a:r>
-              <a:rPr lang="en-US"/>
+              <a:rPr lang="en-US" dirty="0"/>
               <a:t>Click to edit Master title style</a:t>
             </a:r>
-            <a:endParaRPr lang="en-US" dirty="0"/>
           </a:p>
         </p:txBody>
       </p:sp>
@@ -1544,6 +2282,229 @@
     <p:extLst>
       <p:ext uri="{BB962C8B-B14F-4D97-AF65-F5344CB8AC3E}">
         <p14:creationId xmlns:p14="http://schemas.microsoft.com/office/powerpoint/2010/main" val="3537256079"/>
+      </p:ext>
+    </p:extLst>
+  </p:cSld>
+  <p:clrMapOvr>
+    <a:masterClrMapping/>
+  </p:clrMapOvr>
+</p:sldLayout>
+</file>
+
+<file path=ppt/slideLayouts/slideLayout12.xml><?xml version="1.0" encoding="utf-8"?>
+<p:sldLayout xmlns:a="http://schemas.openxmlformats.org/drawingml/2006/main" xmlns:r="http://schemas.openxmlformats.org/officeDocument/2006/relationships" xmlns:p="http://schemas.openxmlformats.org/presentationml/2006/main" showMasterSp="0" preserve="1" userDrawn="1">
+  <p:cSld name="Custom Layout">
+    <p:bg>
+      <p:bgPr>
+        <a:solidFill>
+          <a:schemeClr val="bg2"/>
+        </a:solidFill>
+        <a:effectLst/>
+      </p:bgPr>
+    </p:bg>
+    <p:spTree>
+      <p:nvGrpSpPr>
+        <p:cNvPr id="1" name=""/>
+        <p:cNvGrpSpPr/>
+        <p:nvPr/>
+      </p:nvGrpSpPr>
+      <p:grpSpPr>
+        <a:xfrm>
+          <a:off x="0" y="0"/>
+          <a:ext cx="0" cy="0"/>
+          <a:chOff x="0" y="0"/>
+          <a:chExt cx="0" cy="0"/>
+        </a:xfrm>
+      </p:grpSpPr>
+      <p:sp>
+        <p:nvSpPr>
+          <p:cNvPr id="6" name="Rectangle 5"/>
+          <p:cNvSpPr/>
+          <p:nvPr userDrawn="1"/>
+        </p:nvSpPr>
+        <p:spPr>
+          <a:xfrm>
+            <a:off x="0" y="-207818"/>
+            <a:ext cx="12192000" cy="4876800"/>
+          </a:xfrm>
+          <a:prstGeom prst="rect">
+            <a:avLst/>
+          </a:prstGeom>
+          <a:solidFill>
+            <a:schemeClr val="tx1">
+              <a:lumMod val="65000"/>
+              <a:lumOff val="35000"/>
+            </a:schemeClr>
+          </a:solidFill>
+          <a:ln>
+            <a:noFill/>
+          </a:ln>
+        </p:spPr>
+        <p:style>
+          <a:lnRef idx="2">
+            <a:schemeClr val="accent1">
+              <a:shade val="50000"/>
+            </a:schemeClr>
+          </a:lnRef>
+          <a:fillRef idx="1">
+            <a:schemeClr val="accent1"/>
+          </a:fillRef>
+          <a:effectRef idx="0">
+            <a:schemeClr val="accent1"/>
+          </a:effectRef>
+          <a:fontRef idx="minor">
+            <a:schemeClr val="lt1"/>
+          </a:fontRef>
+        </p:style>
+        <p:txBody>
+          <a:bodyPr rtlCol="0" anchor="ctr"/>
+          <a:lstStyle/>
+          <a:p>
+            <a:pPr algn="ctr"/>
+            <a:endParaRPr lang="bg-BG"/>
+          </a:p>
+        </p:txBody>
+      </p:sp>
+      <p:sp>
+        <p:nvSpPr>
+          <p:cNvPr id="2" name="Title 1"/>
+          <p:cNvSpPr>
+            <a:spLocks noGrp="1"/>
+          </p:cNvSpPr>
+          <p:nvPr>
+            <p:ph type="title"/>
+          </p:nvPr>
+        </p:nvSpPr>
+        <p:spPr>
+          <a:xfrm>
+            <a:off x="734292" y="242456"/>
+            <a:ext cx="10723419" cy="3782289"/>
+          </a:xfrm>
+        </p:spPr>
+        <p:txBody>
+          <a:bodyPr/>
+          <a:lstStyle/>
+          <a:p>
+            <a:r>
+              <a:rPr lang="en-US" dirty="0"/>
+              <a:t>Click to edit Master title style</a:t>
+            </a:r>
+            <a:endParaRPr lang="bg-BG" dirty="0"/>
+          </a:p>
+        </p:txBody>
+      </p:sp>
+      <p:sp>
+        <p:nvSpPr>
+          <p:cNvPr id="3" name="Date Placeholder 2"/>
+          <p:cNvSpPr>
+            <a:spLocks noGrp="1"/>
+          </p:cNvSpPr>
+          <p:nvPr>
+            <p:ph type="dt" sz="half" idx="10"/>
+          </p:nvPr>
+        </p:nvSpPr>
+        <p:spPr/>
+        <p:txBody>
+          <a:bodyPr/>
+          <a:lstStyle/>
+          <a:p>
+            <a:fld id="{87DE6118-2437-4B30-8E3C-4D2BE6020583}" type="datetimeFigureOut">
+              <a:rPr lang="en-US" smtClean="0"/>
+              <a:pPr/>
+              <a:t>3/5/2017</a:t>
+            </a:fld>
+            <a:endParaRPr lang="en-US" dirty="0"/>
+          </a:p>
+        </p:txBody>
+      </p:sp>
+      <p:sp>
+        <p:nvSpPr>
+          <p:cNvPr id="4" name="Footer Placeholder 3"/>
+          <p:cNvSpPr>
+            <a:spLocks noGrp="1"/>
+          </p:cNvSpPr>
+          <p:nvPr>
+            <p:ph type="ftr" sz="quarter" idx="11"/>
+          </p:nvPr>
+        </p:nvSpPr>
+        <p:spPr>
+          <a:xfrm>
+            <a:off x="2893564" y="6453386"/>
+            <a:ext cx="6280830" cy="404614"/>
+          </a:xfrm>
+        </p:spPr>
+        <p:txBody>
+          <a:bodyPr/>
+          <a:lstStyle/>
+          <a:p>
+            <a:endParaRPr lang="en-US" dirty="0"/>
+          </a:p>
+        </p:txBody>
+      </p:sp>
+      <p:sp>
+        <p:nvSpPr>
+          <p:cNvPr id="5" name="Slide Number Placeholder 4"/>
+          <p:cNvSpPr>
+            <a:spLocks noGrp="1"/>
+          </p:cNvSpPr>
+          <p:nvPr>
+            <p:ph type="sldNum" sz="quarter" idx="12"/>
+          </p:nvPr>
+        </p:nvSpPr>
+        <p:spPr/>
+        <p:txBody>
+          <a:bodyPr/>
+          <a:lstStyle/>
+          <a:p>
+            <a:fld id="{69E57DC2-970A-4B3E-BB1C-7A09969E49DF}" type="slidenum">
+              <a:rPr lang="en-US" smtClean="0"/>
+              <a:pPr/>
+              <a:t>‹#›</a:t>
+            </a:fld>
+            <a:endParaRPr lang="en-US" dirty="0"/>
+          </a:p>
+        </p:txBody>
+      </p:sp>
+      <p:sp>
+        <p:nvSpPr>
+          <p:cNvPr id="11" name="Text Placeholder 10"/>
+          <p:cNvSpPr>
+            <a:spLocks noGrp="1"/>
+          </p:cNvSpPr>
+          <p:nvPr>
+            <p:ph type="body" sz="quarter" idx="13" hasCustomPrompt="1"/>
+          </p:nvPr>
+        </p:nvSpPr>
+        <p:spPr>
+          <a:xfrm>
+            <a:off x="734292" y="5234187"/>
+            <a:ext cx="3283526" cy="574962"/>
+          </a:xfrm>
+        </p:spPr>
+        <p:txBody>
+          <a:bodyPr>
+            <a:normAutofit/>
+          </a:bodyPr>
+          <a:lstStyle>
+            <a:lvl1pPr marL="0" indent="0">
+              <a:buNone/>
+              <a:defRPr sz="3200" b="1" u="sng"/>
+            </a:lvl1pPr>
+          </a:lstStyle>
+          <a:p>
+            <a:pPr lvl="0"/>
+            <a:r>
+              <a:rPr lang="en-US" dirty="0"/>
+              <a:t>Title</a:t>
+            </a:r>
+            <a:endParaRPr lang="bg-BG" dirty="0"/>
+          </a:p>
+        </p:txBody>
+      </p:sp>
+    </p:spTree>
+    <p:extLst>
+      <p:ext uri="{BB962C8B-B14F-4D97-AF65-F5344CB8AC3E}">
+        <p14:creationId xmlns:p14="http://schemas.microsoft.com/office/powerpoint/2010/main" val="3130194447"/>
       </p:ext>
     </p:extLst>
   </p:cSld>
@@ -1727,9 +2688,15 @@
 <p:sldLayout xmlns:a="http://schemas.openxmlformats.org/drawingml/2006/main" xmlns:r="http://schemas.openxmlformats.org/officeDocument/2006/relationships" xmlns:p="http://schemas.openxmlformats.org/presentationml/2006/main" showMasterSp="0" type="secHead" preserve="1">
   <p:cSld name="Section Header">
     <p:bg>
-      <p:bgRef idx="1001">
-        <a:schemeClr val="bg2"/>
-      </p:bgRef>
+      <p:bgPr>
+        <a:solidFill>
+          <a:schemeClr val="bg1">
+            <a:lumMod val="65000"/>
+            <a:lumOff val="35000"/>
+          </a:schemeClr>
+        </a:solidFill>
+        <a:effectLst/>
+      </p:bgPr>
     </p:bg>
     <p:spTree>
       <p:nvGrpSpPr>
@@ -4181,6 +5148,7 @@
     <p:sldLayoutId id="2147483669" r:id="rId9"/>
     <p:sldLayoutId id="2147483670" r:id="rId10"/>
     <p:sldLayoutId id="2147483671" r:id="rId11"/>
+    <p:sldLayoutId id="2147483672" r:id="rId12"/>
   </p:sldLayoutIdLst>
   <p:txStyles>
     <p:titleStyle>
@@ -4942,9 +5910,7 @@
         </p:nvSpPr>
         <p:spPr/>
         <p:txBody>
-          <a:bodyPr>
-            <a:normAutofit/>
-          </a:bodyPr>
+          <a:bodyPr/>
           <a:lstStyle/>
           <a:p>
             <a:r>
@@ -4953,7 +5919,7 @@
                   <a:schemeClr val="tx1"/>
                 </a:solidFill>
               </a:rPr>
-              <a:t>JavaScript operators</a:t>
+              <a:t>JavaScript variables and blocks</a:t>
             </a:r>
             <a:endParaRPr lang="bg-BG" b="1" u="sng" dirty="0">
               <a:solidFill>
@@ -4970,161 +5936,100 @@
             <a:spLocks noGrp="1"/>
           </p:cNvSpPr>
           <p:nvPr>
-            <p:ph sz="half" idx="1"/>
+            <p:ph idx="1"/>
           </p:nvPr>
         </p:nvSpPr>
         <p:spPr/>
         <p:txBody>
           <a:bodyPr>
-            <a:noAutofit/>
+            <a:normAutofit/>
           </a:bodyPr>
           <a:lstStyle/>
           <a:p>
             <a:r>
-              <a:rPr lang="sv-SE" sz="3200" dirty="0"/>
-              <a:t>EQUAL</a:t>
-            </a:r>
-          </a:p>
-          <a:p>
-            <a:pPr marL="457200" lvl="1" indent="0">
-              <a:buNone/>
-            </a:pPr>
-            <a:r>
-              <a:rPr lang="sv-SE" sz="3200" dirty="0"/>
-              <a:t>a = 1;</a:t>
-            </a:r>
-          </a:p>
-          <a:p>
-            <a:pPr marL="457200" lvl="1" indent="0">
-              <a:buNone/>
-            </a:pPr>
-            <a:r>
-              <a:rPr lang="sv-SE" sz="3200" dirty="0"/>
-              <a:t>a = a + 2;	a += 2;</a:t>
-            </a:r>
-          </a:p>
-          <a:p>
-            <a:r>
-              <a:rPr lang="sv-SE" sz="3200" dirty="0"/>
-              <a:t>EQUALITY</a:t>
-            </a:r>
-          </a:p>
-          <a:p>
-            <a:pPr marL="457200" lvl="1" indent="0">
-              <a:buNone/>
-            </a:pPr>
-            <a:r>
-              <a:rPr lang="sv-SE" sz="3200" dirty="0"/>
-              <a:t>a == b		a != b</a:t>
-            </a:r>
-          </a:p>
-          <a:p>
-            <a:pPr marL="457200" lvl="1" indent="0">
-              <a:buNone/>
-            </a:pPr>
-            <a:r>
-              <a:rPr lang="sv-SE" sz="3200" dirty="0"/>
-              <a:t>a === b		a !== b</a:t>
-            </a:r>
-          </a:p>
-        </p:txBody>
-      </p:sp>
-      <p:sp>
-        <p:nvSpPr>
-          <p:cNvPr id="3" name="Content Placeholder 2"/>
-          <p:cNvSpPr>
-            <a:spLocks noGrp="1"/>
-          </p:cNvSpPr>
-          <p:nvPr>
-            <p:ph sz="half" idx="2"/>
-          </p:nvPr>
-        </p:nvSpPr>
-        <p:spPr/>
-        <p:txBody>
-          <a:bodyPr>
-            <a:noAutofit/>
-          </a:bodyPr>
-          <a:lstStyle/>
-          <a:p>
-            <a:r>
-              <a:rPr lang="sv-SE" sz="3200" dirty="0">
+              <a:rPr lang="en-US" sz="3200" dirty="0">
                 <a:solidFill>
                   <a:schemeClr val="tx1"/>
                 </a:solidFill>
-                <a:latin typeface="Franklin Gothic Book (Body)"/>
-              </a:rPr>
-              <a:t>FALSE VALUES:</a:t>
+              </a:rPr>
+              <a:t>Function scope:</a:t>
             </a:r>
           </a:p>
           <a:p>
             <a:pPr lvl="1"/>
             <a:r>
-              <a:rPr lang="sv-SE" sz="3200" dirty="0">
+              <a:rPr lang="en-US" sz="3200" dirty="0" err="1">
                 <a:solidFill>
                   <a:schemeClr val="tx1"/>
                 </a:solidFill>
-                <a:latin typeface="Franklin Gothic Book (Body)"/>
-              </a:rPr>
-              <a:t>0		-0</a:t>
+              </a:rPr>
+              <a:t>var</a:t>
+            </a:r>
+            <a:r>
+              <a:rPr lang="en-US" sz="3200" dirty="0">
+                <a:solidFill>
+                  <a:schemeClr val="tx1"/>
+                </a:solidFill>
+              </a:rPr>
+              <a:t> a = 42;</a:t>
+            </a:r>
+          </a:p>
+          <a:p>
+            <a:r>
+              <a:rPr lang="en-US" sz="3200" dirty="0">
+                <a:solidFill>
+                  <a:schemeClr val="tx1"/>
+                </a:solidFill>
+              </a:rPr>
+              <a:t>Block scope:</a:t>
             </a:r>
           </a:p>
           <a:p>
             <a:pPr lvl="1"/>
             <a:r>
-              <a:rPr lang="sv-SE" sz="3200" dirty="0">
+              <a:rPr lang="en-US" sz="3200" dirty="0">
                 <a:solidFill>
                   <a:schemeClr val="tx1"/>
                 </a:solidFill>
-                <a:latin typeface="Franklin Gothic Book (Body)"/>
-              </a:rPr>
-              <a:t>””</a:t>
+              </a:rPr>
+              <a:t>let b = 16;</a:t>
+            </a:r>
+          </a:p>
+          <a:p>
+            <a:r>
+              <a:rPr lang="en-US" sz="3200" dirty="0" err="1">
+                <a:solidFill>
+                  <a:schemeClr val="tx1"/>
+                </a:solidFill>
+              </a:rPr>
+              <a:t>Const</a:t>
+            </a:r>
+            <a:r>
+              <a:rPr lang="en-US" sz="3200" dirty="0">
+                <a:solidFill>
+                  <a:schemeClr val="tx1"/>
+                </a:solidFill>
+              </a:rPr>
+              <a:t>:</a:t>
             </a:r>
           </a:p>
           <a:p>
             <a:pPr lvl="1"/>
             <a:r>
-              <a:rPr lang="sv-SE" sz="3200" dirty="0">
+              <a:rPr lang="en-US" sz="3200" dirty="0" err="1">
                 <a:solidFill>
                   <a:schemeClr val="tx1"/>
                 </a:solidFill>
-                <a:latin typeface="Franklin Gothic Book (Body)"/>
-              </a:rPr>
-              <a:t>false</a:t>
-            </a:r>
-          </a:p>
-          <a:p>
-            <a:pPr lvl="1"/>
-            <a:r>
-              <a:rPr lang="sv-SE" sz="3200" dirty="0">
+              </a:rPr>
+              <a:t>const</a:t>
+            </a:r>
+            <a:r>
+              <a:rPr lang="en-US" sz="3200" dirty="0">
                 <a:solidFill>
                   <a:schemeClr val="tx1"/>
                 </a:solidFill>
-                <a:latin typeface="Franklin Gothic Book (Body)"/>
-              </a:rPr>
-              <a:t>null</a:t>
-            </a:r>
-          </a:p>
-          <a:p>
-            <a:pPr lvl="1"/>
-            <a:r>
-              <a:rPr lang="sv-SE" sz="3200" dirty="0">
-                <a:solidFill>
-                  <a:schemeClr val="tx1"/>
-                </a:solidFill>
-                <a:latin typeface="Franklin Gothic Book (Body)"/>
-              </a:rPr>
-              <a:t>undefined</a:t>
-            </a:r>
-          </a:p>
-          <a:p>
-            <a:r>
-              <a:rPr lang="sv-SE" sz="3200" dirty="0">
-                <a:solidFill>
-                  <a:schemeClr val="tx1"/>
-                </a:solidFill>
-                <a:latin typeface="Franklin Gothic Book (Body)"/>
-              </a:rPr>
-              <a:t>if(){}</a:t>
+              </a:rPr>
+              <a:t> AGE = 7;</a:t>
             </a:r>
           </a:p>
         </p:txBody>
@@ -5132,7 +6037,7 @@
     </p:spTree>
     <p:extLst>
       <p:ext uri="{BB962C8B-B14F-4D97-AF65-F5344CB8AC3E}">
-        <p14:creationId xmlns:p14="http://schemas.microsoft.com/office/powerpoint/2010/main" val="3577794064"/>
+        <p14:creationId xmlns:p14="http://schemas.microsoft.com/office/powerpoint/2010/main" val="941142482"/>
       </p:ext>
     </p:extLst>
   </p:cSld>
@@ -5161,7 +6066,7 @@
       </p:grpSpPr>
       <p:sp>
         <p:nvSpPr>
-          <p:cNvPr id="5" name="Title 4"/>
+          <p:cNvPr id="2" name="Title 1"/>
           <p:cNvSpPr>
             <a:spLocks noGrp="1"/>
           </p:cNvSpPr>
@@ -5171,44 +6076,197 @@
         </p:nvSpPr>
         <p:spPr/>
         <p:txBody>
-          <a:bodyPr/>
-          <a:lstStyle/>
-          <a:p>
-            <a:r>
-              <a:rPr lang="en-US" dirty="0"/>
-              <a:t>Demo </a:t>
-            </a:r>
-            <a:r>
-              <a:rPr lang="en-US" dirty="0" err="1"/>
-              <a:t>javascripts</a:t>
-            </a:r>
-            <a:endParaRPr lang="bg-BG" dirty="0"/>
-          </a:p>
-        </p:txBody>
-      </p:sp>
-      <p:sp>
-        <p:nvSpPr>
-          <p:cNvPr id="6" name="Text Placeholder 5"/>
-          <p:cNvSpPr>
-            <a:spLocks noGrp="1"/>
-          </p:cNvSpPr>
-          <p:nvPr>
-            <p:ph type="body" idx="1"/>
+          <a:bodyPr>
+            <a:normAutofit/>
+          </a:bodyPr>
+          <a:lstStyle/>
+          <a:p>
+            <a:r>
+              <a:rPr lang="en-US" b="1" u="sng" dirty="0">
+                <a:solidFill>
+                  <a:schemeClr val="tx1"/>
+                </a:solidFill>
+              </a:rPr>
+              <a:t>JavaScript operators</a:t>
+            </a:r>
+            <a:endParaRPr lang="bg-BG" b="1" u="sng" dirty="0">
+              <a:solidFill>
+                <a:schemeClr val="tx1"/>
+              </a:solidFill>
+            </a:endParaRPr>
+          </a:p>
+        </p:txBody>
+      </p:sp>
+      <p:sp>
+        <p:nvSpPr>
+          <p:cNvPr id="5" name="Content Placeholder 4"/>
+          <p:cNvSpPr>
+            <a:spLocks noGrp="1"/>
+          </p:cNvSpPr>
+          <p:nvPr>
+            <p:ph sz="half" idx="1"/>
           </p:nvPr>
         </p:nvSpPr>
         <p:spPr/>
         <p:txBody>
-          <a:bodyPr/>
-          <a:lstStyle/>
-          <a:p>
-            <a:endParaRPr lang="bg-BG"/>
+          <a:bodyPr>
+            <a:noAutofit/>
+          </a:bodyPr>
+          <a:lstStyle/>
+          <a:p>
+            <a:r>
+              <a:rPr lang="sv-SE" sz="3200" dirty="0"/>
+              <a:t>EQUAL</a:t>
+            </a:r>
+          </a:p>
+          <a:p>
+            <a:pPr marL="457200" lvl="1" indent="0">
+              <a:buNone/>
+            </a:pPr>
+            <a:r>
+              <a:rPr lang="sv-SE" sz="3200" dirty="0"/>
+              <a:t>a = 1;</a:t>
+            </a:r>
+          </a:p>
+          <a:p>
+            <a:pPr marL="457200" lvl="1" indent="0">
+              <a:buNone/>
+            </a:pPr>
+            <a:r>
+              <a:rPr lang="sv-SE" sz="3200" dirty="0"/>
+              <a:t>a = a + 2;	a += 2;</a:t>
+            </a:r>
+          </a:p>
+          <a:p>
+            <a:r>
+              <a:rPr lang="sv-SE" sz="3200" dirty="0"/>
+              <a:t>EQUALITY</a:t>
+            </a:r>
+          </a:p>
+          <a:p>
+            <a:pPr marL="457200" lvl="1" indent="0">
+              <a:buNone/>
+            </a:pPr>
+            <a:r>
+              <a:rPr lang="sv-SE" sz="3200" dirty="0"/>
+              <a:t>a == b		a != b</a:t>
+            </a:r>
+          </a:p>
+          <a:p>
+            <a:pPr marL="457200" lvl="1" indent="0">
+              <a:buNone/>
+            </a:pPr>
+            <a:r>
+              <a:rPr lang="sv-SE" sz="3200" dirty="0"/>
+              <a:t>a === b		a !== b</a:t>
+            </a:r>
+          </a:p>
+        </p:txBody>
+      </p:sp>
+      <p:sp>
+        <p:nvSpPr>
+          <p:cNvPr id="3" name="Content Placeholder 2"/>
+          <p:cNvSpPr>
+            <a:spLocks noGrp="1"/>
+          </p:cNvSpPr>
+          <p:nvPr>
+            <p:ph sz="half" idx="2"/>
+          </p:nvPr>
+        </p:nvSpPr>
+        <p:spPr/>
+        <p:txBody>
+          <a:bodyPr>
+            <a:noAutofit/>
+          </a:bodyPr>
+          <a:lstStyle/>
+          <a:p>
+            <a:r>
+              <a:rPr lang="sv-SE" sz="3200" dirty="0">
+                <a:solidFill>
+                  <a:schemeClr val="tx1"/>
+                </a:solidFill>
+                <a:latin typeface="Franklin Gothic Book (Body)"/>
+              </a:rPr>
+              <a:t>FALSE VALUES:</a:t>
+            </a:r>
+          </a:p>
+          <a:p>
+            <a:pPr lvl="1"/>
+            <a:r>
+              <a:rPr lang="sv-SE" sz="3200" dirty="0">
+                <a:solidFill>
+                  <a:schemeClr val="tx1"/>
+                </a:solidFill>
+                <a:latin typeface="Franklin Gothic Book (Body)"/>
+              </a:rPr>
+              <a:t>0		-0</a:t>
+            </a:r>
+          </a:p>
+          <a:p>
+            <a:pPr lvl="1"/>
+            <a:r>
+              <a:rPr lang="sv-SE" sz="3200" dirty="0">
+                <a:solidFill>
+                  <a:schemeClr val="tx1"/>
+                </a:solidFill>
+                <a:latin typeface="Franklin Gothic Book (Body)"/>
+              </a:rPr>
+              <a:t>””</a:t>
+            </a:r>
+          </a:p>
+          <a:p>
+            <a:pPr lvl="1"/>
+            <a:r>
+              <a:rPr lang="sv-SE" sz="3200" dirty="0">
+                <a:solidFill>
+                  <a:schemeClr val="tx1"/>
+                </a:solidFill>
+                <a:latin typeface="Franklin Gothic Book (Body)"/>
+              </a:rPr>
+              <a:t>false</a:t>
+            </a:r>
+          </a:p>
+          <a:p>
+            <a:pPr lvl="1"/>
+            <a:r>
+              <a:rPr lang="sv-SE" sz="3200" dirty="0">
+                <a:solidFill>
+                  <a:schemeClr val="tx1"/>
+                </a:solidFill>
+                <a:latin typeface="Franklin Gothic Book (Body)"/>
+              </a:rPr>
+              <a:t>null</a:t>
+            </a:r>
+          </a:p>
+          <a:p>
+            <a:pPr lvl="1"/>
+            <a:r>
+              <a:rPr lang="sv-SE" sz="3200" dirty="0">
+                <a:solidFill>
+                  <a:schemeClr val="tx1"/>
+                </a:solidFill>
+                <a:latin typeface="Franklin Gothic Book (Body)"/>
+              </a:rPr>
+              <a:t>undefined</a:t>
+            </a:r>
+          </a:p>
+          <a:p>
+            <a:r>
+              <a:rPr lang="sv-SE" sz="3200" dirty="0">
+                <a:solidFill>
+                  <a:schemeClr val="tx1"/>
+                </a:solidFill>
+                <a:latin typeface="Franklin Gothic Book (Body)"/>
+              </a:rPr>
+              <a:t>if(){}</a:t>
+            </a:r>
           </a:p>
         </p:txBody>
       </p:sp>
     </p:spTree>
     <p:extLst>
       <p:ext uri="{BB962C8B-B14F-4D97-AF65-F5344CB8AC3E}">
-        <p14:creationId xmlns:p14="http://schemas.microsoft.com/office/powerpoint/2010/main" val="1503690225"/>
+        <p14:creationId xmlns:p14="http://schemas.microsoft.com/office/powerpoint/2010/main" val="3577794064"/>
       </p:ext>
     </p:extLst>
   </p:cSld>
@@ -5219,6 +6277,81 @@
 </file>
 
 <file path=ppt/slides/slide13.xml><?xml version="1.0" encoding="utf-8"?>
+<p:sld xmlns:a="http://schemas.openxmlformats.org/drawingml/2006/main" xmlns:r="http://schemas.openxmlformats.org/officeDocument/2006/relationships" xmlns:p="http://schemas.openxmlformats.org/presentationml/2006/main">
+  <p:cSld>
+    <p:bg>
+      <p:bgPr>
+        <a:solidFill>
+          <a:srgbClr val="002060"/>
+        </a:solidFill>
+        <a:effectLst/>
+      </p:bgPr>
+    </p:bg>
+    <p:spTree>
+      <p:nvGrpSpPr>
+        <p:cNvPr id="1" name=""/>
+        <p:cNvGrpSpPr/>
+        <p:nvPr/>
+      </p:nvGrpSpPr>
+      <p:grpSpPr>
+        <a:xfrm>
+          <a:off x="0" y="0"/>
+          <a:ext cx="0" cy="0"/>
+          <a:chOff x="0" y="0"/>
+          <a:chExt cx="0" cy="0"/>
+        </a:xfrm>
+      </p:grpSpPr>
+      <p:sp>
+        <p:nvSpPr>
+          <p:cNvPr id="4" name="Title 3"/>
+          <p:cNvSpPr>
+            <a:spLocks noGrp="1"/>
+          </p:cNvSpPr>
+          <p:nvPr>
+            <p:ph type="title"/>
+          </p:nvPr>
+        </p:nvSpPr>
+        <p:spPr>
+          <a:xfrm>
+            <a:off x="1371600" y="685800"/>
+            <a:ext cx="9601200" cy="5446060"/>
+          </a:xfrm>
+        </p:spPr>
+        <p:txBody>
+          <a:bodyPr anchor="ctr"/>
+          <a:lstStyle/>
+          <a:p>
+            <a:pPr algn="ctr"/>
+            <a:r>
+              <a:rPr lang="en-US" dirty="0">
+                <a:solidFill>
+                  <a:schemeClr val="bg1"/>
+                </a:solidFill>
+              </a:rPr>
+              <a:t>Callbacks...</a:t>
+            </a:r>
+            <a:endParaRPr lang="bg-BG" dirty="0">
+              <a:solidFill>
+                <a:schemeClr val="bg1"/>
+              </a:solidFill>
+            </a:endParaRPr>
+          </a:p>
+        </p:txBody>
+      </p:sp>
+    </p:spTree>
+    <p:extLst>
+      <p:ext uri="{BB962C8B-B14F-4D97-AF65-F5344CB8AC3E}">
+        <p14:creationId xmlns:p14="http://schemas.microsoft.com/office/powerpoint/2010/main" val="4060343587"/>
+      </p:ext>
+    </p:extLst>
+  </p:cSld>
+  <p:clrMapOvr>
+    <a:masterClrMapping/>
+  </p:clrMapOvr>
+</p:sld>
+</file>
+
+<file path=ppt/slides/slide14.xml><?xml version="1.0" encoding="utf-8"?>
 <p:sld xmlns:a="http://schemas.openxmlformats.org/drawingml/2006/main" xmlns:r="http://schemas.openxmlformats.org/officeDocument/2006/relationships" xmlns:p="http://schemas.openxmlformats.org/presentationml/2006/main">
   <p:cSld>
     <p:bg>
@@ -5245,7 +6378,7 @@
       </p:grpSpPr>
       <p:sp>
         <p:nvSpPr>
-          <p:cNvPr id="2" name="Title 1"/>
+          <p:cNvPr id="3" name="Title 2"/>
           <p:cNvSpPr>
             <a:spLocks noGrp="1"/>
           </p:cNvSpPr>
@@ -5264,7 +6397,7 @@
                   <a:schemeClr val="bg1"/>
                 </a:solidFill>
               </a:rPr>
-              <a:t>Node Package Manager (NPM)</a:t>
+              <a:t>What is callback function?</a:t>
             </a:r>
             <a:endParaRPr lang="bg-BG" b="1" u="sng" dirty="0">
               <a:solidFill>
@@ -5276,7 +6409,7 @@
       </p:sp>
       <p:sp>
         <p:nvSpPr>
-          <p:cNvPr id="5" name="Content Placeholder 4"/>
+          <p:cNvPr id="4" name="Content Placeholder 3"/>
           <p:cNvSpPr>
             <a:spLocks noGrp="1"/>
           </p:cNvSpPr>
@@ -5297,150 +6430,20 @@
                   <a:schemeClr val="bg1"/>
                 </a:solidFill>
               </a:rPr>
-              <a:t>NPM is the default package manager for the JavaScript runtime environment Node.js and allows users to consume and distribute JavaScript modules that are available on the registry.</a:t>
-            </a:r>
+              <a:t>In JavaScript, functions are first-class objects. Functions are type Object and they can be used in a first-class manner like any other object (String, Array, Number, etc.). Because functions are first-class objects, we can pass a function as an argument in another function and later execute that passed-in function or even return it to be executed later.</a:t>
+            </a:r>
+            <a:endParaRPr lang="bg-BG" sz="3200" dirty="0">
+              <a:solidFill>
+                <a:schemeClr val="bg1"/>
+              </a:solidFill>
+            </a:endParaRPr>
           </a:p>
         </p:txBody>
       </p:sp>
     </p:spTree>
     <p:extLst>
       <p:ext uri="{BB962C8B-B14F-4D97-AF65-F5344CB8AC3E}">
-        <p14:creationId xmlns:p14="http://schemas.microsoft.com/office/powerpoint/2010/main" val="3825447161"/>
-      </p:ext>
-    </p:extLst>
-  </p:cSld>
-  <p:clrMapOvr>
-    <a:masterClrMapping/>
-  </p:clrMapOvr>
-</p:sld>
-</file>
-
-<file path=ppt/slides/slide14.xml><?xml version="1.0" encoding="utf-8"?>
-<p:sld xmlns:a="http://schemas.openxmlformats.org/drawingml/2006/main" xmlns:r="http://schemas.openxmlformats.org/officeDocument/2006/relationships" xmlns:p="http://schemas.openxmlformats.org/presentationml/2006/main">
-  <p:cSld>
-    <p:spTree>
-      <p:nvGrpSpPr>
-        <p:cNvPr id="1" name=""/>
-        <p:cNvGrpSpPr/>
-        <p:nvPr/>
-      </p:nvGrpSpPr>
-      <p:grpSpPr>
-        <a:xfrm>
-          <a:off x="0" y="0"/>
-          <a:ext cx="0" cy="0"/>
-          <a:chOff x="0" y="0"/>
-          <a:chExt cx="0" cy="0"/>
-        </a:xfrm>
-      </p:grpSpPr>
-      <p:sp>
-        <p:nvSpPr>
-          <p:cNvPr id="2" name="Title 1"/>
-          <p:cNvSpPr>
-            <a:spLocks noGrp="1"/>
-          </p:cNvSpPr>
-          <p:nvPr>
-            <p:ph type="title"/>
-          </p:nvPr>
-        </p:nvSpPr>
-        <p:spPr/>
-        <p:txBody>
-          <a:bodyPr>
-            <a:normAutofit/>
-          </a:bodyPr>
-          <a:lstStyle/>
-          <a:p>
-            <a:r>
-              <a:rPr lang="en-US" b="1" u="sng" dirty="0">
-                <a:solidFill>
-                  <a:schemeClr val="tx1"/>
-                </a:solidFill>
-              </a:rPr>
-              <a:t>NPM console</a:t>
-            </a:r>
-            <a:endParaRPr lang="bg-BG" b="1" u="sng" dirty="0">
-              <a:solidFill>
-                <a:schemeClr val="tx1"/>
-              </a:solidFill>
-            </a:endParaRPr>
-          </a:p>
-        </p:txBody>
-      </p:sp>
-      <p:sp>
-        <p:nvSpPr>
-          <p:cNvPr id="5" name="Content Placeholder 4"/>
-          <p:cNvSpPr>
-            <a:spLocks noGrp="1"/>
-          </p:cNvSpPr>
-          <p:nvPr>
-            <p:ph idx="1"/>
-          </p:nvPr>
-        </p:nvSpPr>
-        <p:spPr/>
-        <p:txBody>
-          <a:bodyPr>
-            <a:noAutofit/>
-          </a:bodyPr>
-          <a:lstStyle/>
-          <a:p>
-            <a:r>
-              <a:rPr lang="en-GB" sz="3200" dirty="0" err="1"/>
-              <a:t>npm</a:t>
-            </a:r>
-            <a:r>
-              <a:rPr lang="en-GB" sz="3200" dirty="0"/>
-              <a:t> </a:t>
-            </a:r>
-            <a:r>
-              <a:rPr lang="en-GB" sz="3200" dirty="0" err="1"/>
-              <a:t>init</a:t>
-            </a:r>
-            <a:endParaRPr lang="en-GB" sz="3200" dirty="0"/>
-          </a:p>
-          <a:p>
-            <a:r>
-              <a:rPr lang="en-GB" sz="3200" dirty="0" err="1"/>
-              <a:t>npm</a:t>
-            </a:r>
-            <a:r>
-              <a:rPr lang="en-GB" sz="3200" dirty="0"/>
-              <a:t> install </a:t>
-            </a:r>
-            <a:r>
-              <a:rPr lang="sv-SE" sz="3200" dirty="0"/>
-              <a:t>{package} [{package}]</a:t>
-            </a:r>
-            <a:endParaRPr lang="en-GB" sz="3200" dirty="0"/>
-          </a:p>
-          <a:p>
-            <a:r>
-              <a:rPr lang="sv-SE" sz="3200" dirty="0"/>
-              <a:t>npm install {package} --save</a:t>
-            </a:r>
-            <a:endParaRPr lang="en-GB" sz="3200" dirty="0"/>
-          </a:p>
-          <a:p>
-            <a:r>
-              <a:rPr lang="sv-SE" sz="3200" dirty="0"/>
-              <a:t>npm install {package} --save-dev</a:t>
-            </a:r>
-            <a:endParaRPr lang="en-GB" sz="3200" dirty="0"/>
-          </a:p>
-          <a:p>
-            <a:r>
-              <a:rPr lang="en-GB" sz="3200" dirty="0" err="1"/>
-              <a:t>npm</a:t>
-            </a:r>
-            <a:r>
-              <a:rPr lang="en-GB" sz="3200" dirty="0"/>
-              <a:t> publish</a:t>
-            </a:r>
-          </a:p>
-        </p:txBody>
-      </p:sp>
-    </p:spTree>
-    <p:extLst>
-      <p:ext uri="{BB962C8B-B14F-4D97-AF65-F5344CB8AC3E}">
-        <p14:creationId xmlns:p14="http://schemas.microsoft.com/office/powerpoint/2010/main" val="4292913891"/>
+        <p14:creationId xmlns:p14="http://schemas.microsoft.com/office/powerpoint/2010/main" val="520180707"/>
       </p:ext>
     </p:extLst>
   </p:cSld>
@@ -5469,7 +6472,7 @@
       </p:grpSpPr>
       <p:sp>
         <p:nvSpPr>
-          <p:cNvPr id="2" name="Title 1"/>
+          <p:cNvPr id="12" name="Title 11"/>
           <p:cNvSpPr>
             <a:spLocks noGrp="1"/>
           </p:cNvSpPr>
@@ -5479,40 +6482,488 @@
         </p:nvSpPr>
         <p:spPr/>
         <p:txBody>
+          <a:bodyPr>
+            <a:noAutofit/>
+          </a:bodyPr>
+          <a:lstStyle/>
+          <a:p>
+            <a:r>
+              <a:rPr lang="en-US" sz="2400" dirty="0">
+                <a:solidFill>
+                  <a:srgbClr val="F92672"/>
+                </a:solidFill>
+                <a:highlight>
+                  <a:srgbClr val="272822"/>
+                </a:highlight>
+              </a:rPr>
+              <a:t>function</a:t>
+            </a:r>
+            <a:r>
+              <a:rPr lang="en-US" sz="2400" dirty="0">
+                <a:solidFill>
+                  <a:srgbClr val="F8F8F2"/>
+                </a:solidFill>
+                <a:highlight>
+                  <a:srgbClr val="272822"/>
+                </a:highlight>
+              </a:rPr>
+              <a:t> </a:t>
+            </a:r>
+            <a:r>
+              <a:rPr lang="en-US" sz="2400" dirty="0" err="1">
+                <a:solidFill>
+                  <a:srgbClr val="F8F8F2"/>
+                </a:solidFill>
+                <a:highlight>
+                  <a:srgbClr val="272822"/>
+                </a:highlight>
+              </a:rPr>
+              <a:t>some_function</a:t>
+            </a:r>
+            <a:r>
+              <a:rPr lang="en-US" sz="2400" dirty="0">
+                <a:solidFill>
+                  <a:srgbClr val="F8F8F2"/>
+                </a:solidFill>
+                <a:highlight>
+                  <a:srgbClr val="272822"/>
+                </a:highlight>
+              </a:rPr>
+              <a:t>(arg1, arg2, callback) {</a:t>
+            </a:r>
+            <a:br>
+              <a:rPr lang="en-US" sz="2400" dirty="0">
+                <a:solidFill>
+                  <a:srgbClr val="F8F8F2"/>
+                </a:solidFill>
+                <a:highlight>
+                  <a:srgbClr val="272822"/>
+                </a:highlight>
+              </a:rPr>
+            </a:br>
+            <a:r>
+              <a:rPr lang="en-US" sz="2400" dirty="0">
+                <a:solidFill>
+                  <a:srgbClr val="F8F8F2"/>
+                </a:solidFill>
+                <a:highlight>
+                  <a:srgbClr val="272822"/>
+                </a:highlight>
+              </a:rPr>
+              <a:t>  </a:t>
+            </a:r>
+            <a:r>
+              <a:rPr lang="en-US" sz="2400" dirty="0" err="1">
+                <a:solidFill>
+                  <a:srgbClr val="F92672"/>
+                </a:solidFill>
+                <a:highlight>
+                  <a:srgbClr val="272822"/>
+                </a:highlight>
+              </a:rPr>
+              <a:t>var</a:t>
+            </a:r>
+            <a:r>
+              <a:rPr lang="en-US" sz="2400" dirty="0">
+                <a:solidFill>
+                  <a:srgbClr val="F8F8F2"/>
+                </a:solidFill>
+                <a:highlight>
+                  <a:srgbClr val="272822"/>
+                </a:highlight>
+              </a:rPr>
+              <a:t> </a:t>
+            </a:r>
+            <a:r>
+              <a:rPr lang="en-US" sz="2400" dirty="0" err="1">
+                <a:solidFill>
+                  <a:srgbClr val="F8F8F2"/>
+                </a:solidFill>
+                <a:highlight>
+                  <a:srgbClr val="272822"/>
+                </a:highlight>
+              </a:rPr>
+              <a:t>my_number</a:t>
+            </a:r>
+            <a:r>
+              <a:rPr lang="en-US" sz="2400" dirty="0">
+                <a:solidFill>
+                  <a:srgbClr val="F8F8F2"/>
+                </a:solidFill>
+                <a:highlight>
+                  <a:srgbClr val="272822"/>
+                </a:highlight>
+              </a:rPr>
+              <a:t> = </a:t>
+            </a:r>
+            <a:r>
+              <a:rPr lang="en-US" sz="2400" dirty="0" err="1">
+                <a:solidFill>
+                  <a:srgbClr val="F8F8F2"/>
+                </a:solidFill>
+                <a:highlight>
+                  <a:srgbClr val="272822"/>
+                </a:highlight>
+              </a:rPr>
+              <a:t>Math.ceil</a:t>
+            </a:r>
+            <a:r>
+              <a:rPr lang="en-US" sz="2400" dirty="0">
+                <a:solidFill>
+                  <a:srgbClr val="F8F8F2"/>
+                </a:solidFill>
+                <a:highlight>
+                  <a:srgbClr val="272822"/>
+                </a:highlight>
+              </a:rPr>
+              <a:t>(</a:t>
+            </a:r>
+            <a:r>
+              <a:rPr lang="en-US" sz="2400" dirty="0" err="1">
+                <a:solidFill>
+                  <a:srgbClr val="F8F8F2"/>
+                </a:solidFill>
+                <a:highlight>
+                  <a:srgbClr val="272822"/>
+                </a:highlight>
+              </a:rPr>
+              <a:t>Math.random</a:t>
+            </a:r>
+            <a:r>
+              <a:rPr lang="en-US" sz="2400" dirty="0">
+                <a:solidFill>
+                  <a:srgbClr val="F8F8F2"/>
+                </a:solidFill>
+                <a:highlight>
+                  <a:srgbClr val="272822"/>
+                </a:highlight>
+              </a:rPr>
+              <a:t>() * (arg1 - arg2) + arg2);</a:t>
+            </a:r>
+            <a:br>
+              <a:rPr lang="en-US" sz="2400" dirty="0">
+                <a:solidFill>
+                  <a:srgbClr val="F8F8F2"/>
+                </a:solidFill>
+                <a:highlight>
+                  <a:srgbClr val="272822"/>
+                </a:highlight>
+              </a:rPr>
+            </a:br>
+            <a:r>
+              <a:rPr lang="bg-BG" sz="2400" dirty="0">
+                <a:solidFill>
+                  <a:srgbClr val="F8F8F2"/>
+                </a:solidFill>
+                <a:highlight>
+                  <a:srgbClr val="272822"/>
+                </a:highlight>
+              </a:rPr>
+              <a:t>  </a:t>
+            </a:r>
+            <a:br>
+              <a:rPr lang="bg-BG" sz="2400" dirty="0">
+                <a:solidFill>
+                  <a:srgbClr val="F8F8F2"/>
+                </a:solidFill>
+                <a:highlight>
+                  <a:srgbClr val="272822"/>
+                </a:highlight>
+              </a:rPr>
+            </a:br>
+            <a:r>
+              <a:rPr lang="en-US" sz="2400" dirty="0">
+                <a:solidFill>
+                  <a:srgbClr val="F8F8F2"/>
+                </a:solidFill>
+                <a:highlight>
+                  <a:srgbClr val="272822"/>
+                </a:highlight>
+              </a:rPr>
+              <a:t>  callback(</a:t>
+            </a:r>
+            <a:r>
+              <a:rPr lang="en-US" sz="2400" dirty="0" err="1">
+                <a:solidFill>
+                  <a:srgbClr val="F8F8F2"/>
+                </a:solidFill>
+                <a:highlight>
+                  <a:srgbClr val="272822"/>
+                </a:highlight>
+              </a:rPr>
+              <a:t>my_number</a:t>
+            </a:r>
+            <a:r>
+              <a:rPr lang="en-US" sz="2400" dirty="0">
+                <a:solidFill>
+                  <a:srgbClr val="F8F8F2"/>
+                </a:solidFill>
+                <a:highlight>
+                  <a:srgbClr val="272822"/>
+                </a:highlight>
+              </a:rPr>
+              <a:t>);</a:t>
+            </a:r>
+            <a:br>
+              <a:rPr lang="en-US" sz="2400" dirty="0">
+                <a:solidFill>
+                  <a:srgbClr val="F8F8F2"/>
+                </a:solidFill>
+                <a:highlight>
+                  <a:srgbClr val="272822"/>
+                </a:highlight>
+              </a:rPr>
+            </a:br>
+            <a:r>
+              <a:rPr lang="bg-BG" sz="2400" dirty="0">
+                <a:solidFill>
+                  <a:srgbClr val="F8F8F2"/>
+                </a:solidFill>
+                <a:highlight>
+                  <a:srgbClr val="272822"/>
+                </a:highlight>
+              </a:rPr>
+              <a:t>}</a:t>
+            </a:r>
+            <a:br>
+              <a:rPr lang="bg-BG" sz="2400" dirty="0">
+                <a:solidFill>
+                  <a:srgbClr val="F8F8F2"/>
+                </a:solidFill>
+                <a:highlight>
+                  <a:srgbClr val="272822"/>
+                </a:highlight>
+              </a:rPr>
+            </a:br>
+            <a:br>
+              <a:rPr lang="bg-BG" sz="2400" dirty="0">
+                <a:solidFill>
+                  <a:srgbClr val="F8F8F2"/>
+                </a:solidFill>
+                <a:highlight>
+                  <a:srgbClr val="272822"/>
+                </a:highlight>
+              </a:rPr>
+            </a:br>
+            <a:r>
+              <a:rPr lang="en-US" sz="2400" dirty="0" err="1">
+                <a:solidFill>
+                  <a:srgbClr val="F8F8F2"/>
+                </a:solidFill>
+                <a:highlight>
+                  <a:srgbClr val="272822"/>
+                </a:highlight>
+              </a:rPr>
+              <a:t>some_function</a:t>
+            </a:r>
+            <a:r>
+              <a:rPr lang="en-US" sz="2400" dirty="0">
+                <a:solidFill>
+                  <a:srgbClr val="F8F8F2"/>
+                </a:solidFill>
+                <a:highlight>
+                  <a:srgbClr val="272822"/>
+                </a:highlight>
+              </a:rPr>
+              <a:t>(</a:t>
+            </a:r>
+            <a:r>
+              <a:rPr lang="en-US" sz="2400" dirty="0">
+                <a:solidFill>
+                  <a:srgbClr val="AE81FF"/>
+                </a:solidFill>
+                <a:highlight>
+                  <a:srgbClr val="272822"/>
+                </a:highlight>
+              </a:rPr>
+              <a:t>5</a:t>
+            </a:r>
+            <a:r>
+              <a:rPr lang="en-US" sz="2400" dirty="0">
+                <a:solidFill>
+                  <a:srgbClr val="F8F8F2"/>
+                </a:solidFill>
+                <a:highlight>
+                  <a:srgbClr val="272822"/>
+                </a:highlight>
+              </a:rPr>
+              <a:t>, </a:t>
+            </a:r>
+            <a:r>
+              <a:rPr lang="en-US" sz="2400" dirty="0">
+                <a:solidFill>
+                  <a:srgbClr val="AE81FF"/>
+                </a:solidFill>
+                <a:highlight>
+                  <a:srgbClr val="272822"/>
+                </a:highlight>
+              </a:rPr>
+              <a:t>15</a:t>
+            </a:r>
+            <a:r>
+              <a:rPr lang="en-US" sz="2400" dirty="0">
+                <a:solidFill>
+                  <a:srgbClr val="F8F8F2"/>
+                </a:solidFill>
+                <a:highlight>
+                  <a:srgbClr val="272822"/>
+                </a:highlight>
+              </a:rPr>
+              <a:t>, </a:t>
+            </a:r>
+            <a:r>
+              <a:rPr lang="en-US" sz="2400" dirty="0">
+                <a:solidFill>
+                  <a:srgbClr val="F92672"/>
+                </a:solidFill>
+                <a:highlight>
+                  <a:srgbClr val="272822"/>
+                </a:highlight>
+              </a:rPr>
+              <a:t>function</a:t>
+            </a:r>
+            <a:r>
+              <a:rPr lang="en-US" sz="2400" dirty="0">
+                <a:solidFill>
+                  <a:srgbClr val="F8F8F2"/>
+                </a:solidFill>
+                <a:highlight>
+                  <a:srgbClr val="272822"/>
+                </a:highlight>
+              </a:rPr>
+              <a:t>(</a:t>
+            </a:r>
+            <a:r>
+              <a:rPr lang="en-US" sz="2400" dirty="0" err="1">
+                <a:solidFill>
+                  <a:srgbClr val="F8F8F2"/>
+                </a:solidFill>
+                <a:highlight>
+                  <a:srgbClr val="272822"/>
+                </a:highlight>
+              </a:rPr>
+              <a:t>num</a:t>
+            </a:r>
+            <a:r>
+              <a:rPr lang="en-US" sz="2400" dirty="0">
+                <a:solidFill>
+                  <a:srgbClr val="F8F8F2"/>
+                </a:solidFill>
+                <a:highlight>
+                  <a:srgbClr val="272822"/>
+                </a:highlight>
+              </a:rPr>
+              <a:t>) {</a:t>
+            </a:r>
+            <a:br>
+              <a:rPr lang="en-US" sz="2400" dirty="0">
+                <a:solidFill>
+                  <a:srgbClr val="F8F8F2"/>
+                </a:solidFill>
+                <a:highlight>
+                  <a:srgbClr val="272822"/>
+                </a:highlight>
+              </a:rPr>
+            </a:br>
+            <a:r>
+              <a:rPr lang="en-US" sz="2400" dirty="0">
+                <a:solidFill>
+                  <a:srgbClr val="F8F8F2"/>
+                </a:solidFill>
+                <a:highlight>
+                  <a:srgbClr val="272822"/>
+                </a:highlight>
+              </a:rPr>
+              <a:t>  console.log(</a:t>
+            </a:r>
+            <a:r>
+              <a:rPr lang="en-US" sz="2400" dirty="0">
+                <a:solidFill>
+                  <a:srgbClr val="E6DB74"/>
+                </a:solidFill>
+                <a:highlight>
+                  <a:srgbClr val="272822"/>
+                </a:highlight>
+              </a:rPr>
+              <a:t>"callback called! "</a:t>
+            </a:r>
+            <a:r>
+              <a:rPr lang="en-US" sz="2400" dirty="0">
+                <a:solidFill>
+                  <a:srgbClr val="F8F8F2"/>
+                </a:solidFill>
+                <a:highlight>
+                  <a:srgbClr val="272822"/>
+                </a:highlight>
+              </a:rPr>
+              <a:t> + </a:t>
+            </a:r>
+            <a:r>
+              <a:rPr lang="en-US" sz="2400" dirty="0" err="1">
+                <a:solidFill>
+                  <a:srgbClr val="F8F8F2"/>
+                </a:solidFill>
+                <a:highlight>
+                  <a:srgbClr val="272822"/>
+                </a:highlight>
+              </a:rPr>
+              <a:t>num</a:t>
+            </a:r>
+            <a:r>
+              <a:rPr lang="en-US" sz="2400" dirty="0">
+                <a:solidFill>
+                  <a:srgbClr val="F8F8F2"/>
+                </a:solidFill>
+                <a:highlight>
+                  <a:srgbClr val="272822"/>
+                </a:highlight>
+              </a:rPr>
+              <a:t>);</a:t>
+            </a:r>
+            <a:br>
+              <a:rPr lang="en-US" sz="2400" dirty="0">
+                <a:solidFill>
+                  <a:srgbClr val="F8F8F2"/>
+                </a:solidFill>
+                <a:highlight>
+                  <a:srgbClr val="272822"/>
+                </a:highlight>
+              </a:rPr>
+            </a:br>
+            <a:r>
+              <a:rPr lang="bg-BG" sz="2400" dirty="0">
+                <a:solidFill>
+                  <a:srgbClr val="F8F8F2"/>
+                </a:solidFill>
+                <a:highlight>
+                  <a:srgbClr val="272822"/>
+                </a:highlight>
+              </a:rPr>
+              <a:t>});</a:t>
+            </a:r>
+            <a:endParaRPr lang="bg-BG" sz="2400" dirty="0"/>
+          </a:p>
+        </p:txBody>
+      </p:sp>
+      <p:sp>
+        <p:nvSpPr>
+          <p:cNvPr id="11" name="Text Placeholder 10"/>
+          <p:cNvSpPr>
+            <a:spLocks noGrp="1"/>
+          </p:cNvSpPr>
+          <p:nvPr>
+            <p:ph type="body" sz="quarter" idx="13"/>
+          </p:nvPr>
+        </p:nvSpPr>
+        <p:spPr/>
+        <p:txBody>
           <a:bodyPr/>
           <a:lstStyle/>
           <a:p>
             <a:r>
               <a:rPr lang="en-US" dirty="0"/>
-              <a:t>Demo </a:t>
-            </a:r>
-            <a:r>
-              <a:rPr lang="en-US" dirty="0" err="1"/>
-              <a:t>npm</a:t>
-            </a:r>
-            <a:r>
-              <a:rPr lang="en-US" dirty="0"/>
-              <a:t> </a:t>
-            </a:r>
-            <a:endParaRPr lang="bg-BG" dirty="0"/>
-          </a:p>
-        </p:txBody>
-      </p:sp>
-      <p:sp>
-        <p:nvSpPr>
-          <p:cNvPr id="4" name="Text Placeholder 3"/>
-          <p:cNvSpPr>
-            <a:spLocks noGrp="1"/>
-          </p:cNvSpPr>
-          <p:nvPr>
-            <p:ph type="body" idx="1"/>
-          </p:nvPr>
-        </p:nvSpPr>
-        <p:spPr/>
-        <p:txBody>
-          <a:bodyPr/>
-          <a:lstStyle/>
-          <a:p>
+              <a:t>Callback function</a:t>
+            </a:r>
             <a:endParaRPr lang="bg-BG" dirty="0"/>
           </a:p>
         </p:txBody>
@@ -5520,7 +6971,7 @@
     </p:spTree>
     <p:extLst>
       <p:ext uri="{BB962C8B-B14F-4D97-AF65-F5344CB8AC3E}">
-        <p14:creationId xmlns:p14="http://schemas.microsoft.com/office/powerpoint/2010/main" val="2691171274"/>
+        <p14:creationId xmlns:p14="http://schemas.microsoft.com/office/powerpoint/2010/main" val="1944296581"/>
       </p:ext>
     </p:extLst>
   </p:cSld>
@@ -5531,6 +6982,93 @@
 </file>
 
 <file path=ppt/slides/slide16.xml><?xml version="1.0" encoding="utf-8"?>
+<p:sld xmlns:a="http://schemas.openxmlformats.org/drawingml/2006/main" xmlns:r="http://schemas.openxmlformats.org/officeDocument/2006/relationships" xmlns:p="http://schemas.openxmlformats.org/presentationml/2006/main">
+  <p:cSld>
+    <p:bg>
+      <p:bgPr>
+        <a:solidFill>
+          <a:schemeClr val="bg1">
+            <a:lumMod val="65000"/>
+            <a:lumOff val="35000"/>
+          </a:schemeClr>
+        </a:solidFill>
+        <a:effectLst/>
+      </p:bgPr>
+    </p:bg>
+    <p:spTree>
+      <p:nvGrpSpPr>
+        <p:cNvPr id="1" name=""/>
+        <p:cNvGrpSpPr/>
+        <p:nvPr/>
+      </p:nvGrpSpPr>
+      <p:grpSpPr>
+        <a:xfrm>
+          <a:off x="0" y="0"/>
+          <a:ext cx="0" cy="0"/>
+          <a:chOff x="0" y="0"/>
+          <a:chExt cx="0" cy="0"/>
+        </a:xfrm>
+      </p:grpSpPr>
+      <p:sp>
+        <p:nvSpPr>
+          <p:cNvPr id="5" name="Title 4"/>
+          <p:cNvSpPr>
+            <a:spLocks noGrp="1"/>
+          </p:cNvSpPr>
+          <p:nvPr>
+            <p:ph type="title"/>
+          </p:nvPr>
+        </p:nvSpPr>
+        <p:spPr/>
+        <p:txBody>
+          <a:bodyPr/>
+          <a:lstStyle/>
+          <a:p>
+            <a:r>
+              <a:rPr lang="en-US" dirty="0"/>
+              <a:t>Demo </a:t>
+            </a:r>
+            <a:r>
+              <a:rPr lang="en-US" dirty="0" err="1"/>
+              <a:t>javascripts</a:t>
+            </a:r>
+            <a:endParaRPr lang="bg-BG" dirty="0"/>
+          </a:p>
+        </p:txBody>
+      </p:sp>
+      <p:sp>
+        <p:nvSpPr>
+          <p:cNvPr id="6" name="Text Placeholder 5"/>
+          <p:cNvSpPr>
+            <a:spLocks noGrp="1"/>
+          </p:cNvSpPr>
+          <p:nvPr>
+            <p:ph type="body" idx="1"/>
+          </p:nvPr>
+        </p:nvSpPr>
+        <p:spPr/>
+        <p:txBody>
+          <a:bodyPr/>
+          <a:lstStyle/>
+          <a:p>
+            <a:endParaRPr lang="bg-BG"/>
+          </a:p>
+        </p:txBody>
+      </p:sp>
+    </p:spTree>
+    <p:extLst>
+      <p:ext uri="{BB962C8B-B14F-4D97-AF65-F5344CB8AC3E}">
+        <p14:creationId xmlns:p14="http://schemas.microsoft.com/office/powerpoint/2010/main" val="1503690225"/>
+      </p:ext>
+    </p:extLst>
+  </p:cSld>
+  <p:clrMapOvr>
+    <a:masterClrMapping/>
+  </p:clrMapOvr>
+</p:sld>
+</file>
+
+<file path=ppt/slides/slide17.xml><?xml version="1.0" encoding="utf-8"?>
 <p:sld xmlns:a="http://schemas.openxmlformats.org/drawingml/2006/main" xmlns:r="http://schemas.openxmlformats.org/officeDocument/2006/relationships" xmlns:p="http://schemas.openxmlformats.org/presentationml/2006/main">
   <p:cSld>
     <p:bg>
@@ -5571,20 +7109,12 @@
           <a:lstStyle/>
           <a:p>
             <a:r>
-              <a:rPr lang="en-US" b="1" u="sng" dirty="0" err="1">
+              <a:rPr lang="en-US" b="1" u="sng" dirty="0">
                 <a:solidFill>
                   <a:schemeClr val="bg1"/>
                 </a:solidFill>
               </a:rPr>
-              <a:t>ExpressJS</a:t>
-            </a:r>
-            <a:r>
-              <a:rPr lang="en-US" b="1" u="sng" dirty="0">
-                <a:solidFill>
-                  <a:schemeClr val="bg1"/>
-                </a:solidFill>
-              </a:rPr>
-              <a:t> package</a:t>
+              <a:t>Node Package Manager (NPM)</a:t>
             </a:r>
             <a:endParaRPr lang="bg-BG" b="1" u="sng" dirty="0">
               <a:solidFill>
@@ -5617,7 +7147,7 @@
                   <a:schemeClr val="bg1"/>
                 </a:solidFill>
               </a:rPr>
-              <a:t>Express is a minimal and flexible Node.js web application framework that provides a robust set of features to develop web and mobile applications. It facilitates the rapid development of Node based Web applications.</a:t>
+              <a:t>NPM is the default package manager for the JavaScript runtime environment Node.js and allows users to consume and distribute JavaScript modules that are available on the registry.</a:t>
             </a:r>
           </a:p>
         </p:txBody>
@@ -5625,7 +7155,7 @@
     </p:spTree>
     <p:extLst>
       <p:ext uri="{BB962C8B-B14F-4D97-AF65-F5344CB8AC3E}">
-        <p14:creationId xmlns:p14="http://schemas.microsoft.com/office/powerpoint/2010/main" val="300940235"/>
+        <p14:creationId xmlns:p14="http://schemas.microsoft.com/office/powerpoint/2010/main" val="3825447161"/>
       </p:ext>
     </p:extLst>
   </p:cSld>
@@ -5635,7 +7165,7 @@
 </p:sld>
 </file>
 
-<file path=ppt/slides/slide17.xml><?xml version="1.0" encoding="utf-8"?>
+<file path=ppt/slides/slide18.xml><?xml version="1.0" encoding="utf-8"?>
 <p:sld xmlns:a="http://schemas.openxmlformats.org/drawingml/2006/main" xmlns:r="http://schemas.openxmlformats.org/officeDocument/2006/relationships" xmlns:p="http://schemas.openxmlformats.org/presentationml/2006/main">
   <p:cSld>
     <p:spTree>
@@ -5675,6 +7205,609 @@
                   <a:schemeClr val="tx1"/>
                 </a:solidFill>
               </a:rPr>
+              <a:t>NPM console</a:t>
+            </a:r>
+            <a:endParaRPr lang="bg-BG" b="1" u="sng" dirty="0">
+              <a:solidFill>
+                <a:schemeClr val="tx1"/>
+              </a:solidFill>
+            </a:endParaRPr>
+          </a:p>
+        </p:txBody>
+      </p:sp>
+      <p:sp>
+        <p:nvSpPr>
+          <p:cNvPr id="5" name="Content Placeholder 4"/>
+          <p:cNvSpPr>
+            <a:spLocks noGrp="1"/>
+          </p:cNvSpPr>
+          <p:nvPr>
+            <p:ph idx="1"/>
+          </p:nvPr>
+        </p:nvSpPr>
+        <p:spPr/>
+        <p:txBody>
+          <a:bodyPr>
+            <a:noAutofit/>
+          </a:bodyPr>
+          <a:lstStyle/>
+          <a:p>
+            <a:r>
+              <a:rPr lang="en-GB" sz="3200" dirty="0" err="1"/>
+              <a:t>npm</a:t>
+            </a:r>
+            <a:r>
+              <a:rPr lang="en-GB" sz="3200" dirty="0"/>
+              <a:t> </a:t>
+            </a:r>
+            <a:r>
+              <a:rPr lang="en-GB" sz="3200" dirty="0" err="1"/>
+              <a:t>init</a:t>
+            </a:r>
+            <a:endParaRPr lang="en-GB" sz="3200" dirty="0"/>
+          </a:p>
+          <a:p>
+            <a:r>
+              <a:rPr lang="en-GB" sz="3200" dirty="0" err="1"/>
+              <a:t>npm</a:t>
+            </a:r>
+            <a:r>
+              <a:rPr lang="en-GB" sz="3200" dirty="0"/>
+              <a:t> install </a:t>
+            </a:r>
+            <a:r>
+              <a:rPr lang="sv-SE" sz="3200" dirty="0"/>
+              <a:t>{package} [{package}]</a:t>
+            </a:r>
+            <a:endParaRPr lang="en-GB" sz="3200" dirty="0"/>
+          </a:p>
+          <a:p>
+            <a:r>
+              <a:rPr lang="sv-SE" sz="3200" dirty="0"/>
+              <a:t>npm install {package} --save</a:t>
+            </a:r>
+            <a:endParaRPr lang="en-GB" sz="3200" dirty="0"/>
+          </a:p>
+          <a:p>
+            <a:r>
+              <a:rPr lang="sv-SE" sz="3200" dirty="0"/>
+              <a:t>npm install {package} --save-dev</a:t>
+            </a:r>
+            <a:endParaRPr lang="en-GB" sz="3200" dirty="0"/>
+          </a:p>
+          <a:p>
+            <a:r>
+              <a:rPr lang="en-GB" sz="3200" dirty="0" err="1"/>
+              <a:t>npm</a:t>
+            </a:r>
+            <a:r>
+              <a:rPr lang="en-GB" sz="3200" dirty="0"/>
+              <a:t> publish</a:t>
+            </a:r>
+          </a:p>
+        </p:txBody>
+      </p:sp>
+    </p:spTree>
+    <p:extLst>
+      <p:ext uri="{BB962C8B-B14F-4D97-AF65-F5344CB8AC3E}">
+        <p14:creationId xmlns:p14="http://schemas.microsoft.com/office/powerpoint/2010/main" val="4292913891"/>
+      </p:ext>
+    </p:extLst>
+  </p:cSld>
+  <p:clrMapOvr>
+    <a:masterClrMapping/>
+  </p:clrMapOvr>
+</p:sld>
+</file>
+
+<file path=ppt/slides/slide19.xml><?xml version="1.0" encoding="utf-8"?>
+<p:sld xmlns:a="http://schemas.openxmlformats.org/drawingml/2006/main" xmlns:r="http://schemas.openxmlformats.org/officeDocument/2006/relationships" xmlns:p="http://schemas.openxmlformats.org/presentationml/2006/main">
+  <p:cSld>
+    <p:spTree>
+      <p:nvGrpSpPr>
+        <p:cNvPr id="1" name=""/>
+        <p:cNvGrpSpPr/>
+        <p:nvPr/>
+      </p:nvGrpSpPr>
+      <p:grpSpPr>
+        <a:xfrm>
+          <a:off x="0" y="0"/>
+          <a:ext cx="0" cy="0"/>
+          <a:chOff x="0" y="0"/>
+          <a:chExt cx="0" cy="0"/>
+        </a:xfrm>
+      </p:grpSpPr>
+      <p:sp>
+        <p:nvSpPr>
+          <p:cNvPr id="2" name="Title 1"/>
+          <p:cNvSpPr>
+            <a:spLocks noGrp="1"/>
+          </p:cNvSpPr>
+          <p:nvPr>
+            <p:ph type="title"/>
+          </p:nvPr>
+        </p:nvSpPr>
+        <p:spPr/>
+        <p:txBody>
+          <a:bodyPr/>
+          <a:lstStyle/>
+          <a:p>
+            <a:r>
+              <a:rPr lang="en-US" dirty="0"/>
+              <a:t>Demo </a:t>
+            </a:r>
+            <a:r>
+              <a:rPr lang="en-US" dirty="0" err="1"/>
+              <a:t>npm</a:t>
+            </a:r>
+            <a:r>
+              <a:rPr lang="en-US" dirty="0"/>
+              <a:t> </a:t>
+            </a:r>
+            <a:endParaRPr lang="bg-BG" dirty="0"/>
+          </a:p>
+        </p:txBody>
+      </p:sp>
+      <p:sp>
+        <p:nvSpPr>
+          <p:cNvPr id="4" name="Text Placeholder 3"/>
+          <p:cNvSpPr>
+            <a:spLocks noGrp="1"/>
+          </p:cNvSpPr>
+          <p:nvPr>
+            <p:ph type="body" idx="1"/>
+          </p:nvPr>
+        </p:nvSpPr>
+        <p:spPr/>
+        <p:txBody>
+          <a:bodyPr/>
+          <a:lstStyle/>
+          <a:p>
+            <a:endParaRPr lang="bg-BG" dirty="0"/>
+          </a:p>
+        </p:txBody>
+      </p:sp>
+    </p:spTree>
+    <p:extLst>
+      <p:ext uri="{BB962C8B-B14F-4D97-AF65-F5344CB8AC3E}">
+        <p14:creationId xmlns:p14="http://schemas.microsoft.com/office/powerpoint/2010/main" val="2691171274"/>
+      </p:ext>
+    </p:extLst>
+  </p:cSld>
+  <p:clrMapOvr>
+    <a:masterClrMapping/>
+  </p:clrMapOvr>
+</p:sld>
+</file>
+
+<file path=ppt/slides/slide2.xml><?xml version="1.0" encoding="utf-8"?>
+<p:sld xmlns:a="http://schemas.openxmlformats.org/drawingml/2006/main" xmlns:r="http://schemas.openxmlformats.org/officeDocument/2006/relationships" xmlns:p="http://schemas.openxmlformats.org/presentationml/2006/main">
+  <p:cSld>
+    <p:bg>
+      <p:bgPr>
+        <a:solidFill>
+          <a:srgbClr val="0070C0"/>
+        </a:solidFill>
+        <a:effectLst/>
+      </p:bgPr>
+    </p:bg>
+    <p:spTree>
+      <p:nvGrpSpPr>
+        <p:cNvPr id="1" name=""/>
+        <p:cNvGrpSpPr/>
+        <p:nvPr/>
+      </p:nvGrpSpPr>
+      <p:grpSpPr>
+        <a:xfrm>
+          <a:off x="0" y="0"/>
+          <a:ext cx="0" cy="0"/>
+          <a:chOff x="0" y="0"/>
+          <a:chExt cx="0" cy="0"/>
+        </a:xfrm>
+      </p:grpSpPr>
+      <p:sp>
+        <p:nvSpPr>
+          <p:cNvPr id="2" name="Title 1"/>
+          <p:cNvSpPr>
+            <a:spLocks noGrp="1"/>
+          </p:cNvSpPr>
+          <p:nvPr>
+            <p:ph type="title"/>
+          </p:nvPr>
+        </p:nvSpPr>
+        <p:spPr/>
+        <p:txBody>
+          <a:bodyPr>
+            <a:normAutofit/>
+          </a:bodyPr>
+          <a:lstStyle/>
+          <a:p>
+            <a:r>
+              <a:rPr lang="en-US" b="1" u="sng" dirty="0">
+                <a:solidFill>
+                  <a:schemeClr val="bg1"/>
+                </a:solidFill>
+              </a:rPr>
+              <a:t>What change in the last decade…</a:t>
+            </a:r>
+            <a:endParaRPr lang="bg-BG" b="1" u="sng" dirty="0">
+              <a:solidFill>
+                <a:schemeClr val="bg1"/>
+              </a:solidFill>
+            </a:endParaRPr>
+          </a:p>
+        </p:txBody>
+      </p:sp>
+      <p:sp>
+        <p:nvSpPr>
+          <p:cNvPr id="4" name="Content Placeholder 3"/>
+          <p:cNvSpPr>
+            <a:spLocks noGrp="1"/>
+          </p:cNvSpPr>
+          <p:nvPr>
+            <p:ph sz="half" idx="1"/>
+          </p:nvPr>
+        </p:nvSpPr>
+        <p:spPr/>
+        <p:txBody>
+          <a:bodyPr>
+            <a:noAutofit/>
+          </a:bodyPr>
+          <a:lstStyle/>
+          <a:p>
+            <a:r>
+              <a:rPr lang="sv-SE" sz="3200" dirty="0">
+                <a:solidFill>
+                  <a:schemeClr val="bg1"/>
+                </a:solidFill>
+              </a:rPr>
+              <a:t>RUP &amp;&amp; UML</a:t>
+            </a:r>
+          </a:p>
+          <a:p>
+            <a:r>
+              <a:rPr lang="sv-SE" sz="3200" dirty="0">
+                <a:solidFill>
+                  <a:schemeClr val="bg1"/>
+                </a:solidFill>
+              </a:rPr>
+              <a:t>C# || Java</a:t>
+            </a:r>
+          </a:p>
+          <a:p>
+            <a:r>
+              <a:rPr lang="sv-SE" sz="3200" dirty="0">
+                <a:solidFill>
+                  <a:schemeClr val="bg1"/>
+                </a:solidFill>
+              </a:rPr>
+              <a:t>SQL || Oracle</a:t>
+            </a:r>
+          </a:p>
+          <a:p>
+            <a:r>
+              <a:rPr lang="sv-SE" sz="3200" dirty="0">
+                <a:solidFill>
+                  <a:schemeClr val="bg1"/>
+                </a:solidFill>
+              </a:rPr>
+              <a:t>Hyper-V || Vmware</a:t>
+            </a:r>
+          </a:p>
+          <a:p>
+            <a:r>
+              <a:rPr lang="sv-SE" sz="3200" dirty="0">
+                <a:solidFill>
+                  <a:schemeClr val="bg1"/>
+                </a:solidFill>
+              </a:rPr>
+              <a:t>Out-sourcing</a:t>
+            </a:r>
+          </a:p>
+          <a:p>
+            <a:r>
+              <a:rPr lang="sv-SE" sz="3200" dirty="0">
+                <a:solidFill>
+                  <a:schemeClr val="bg1"/>
+                </a:solidFill>
+              </a:rPr>
+              <a:t>SOA</a:t>
+            </a:r>
+            <a:endParaRPr lang="en-US" sz="3200" dirty="0">
+              <a:solidFill>
+                <a:schemeClr val="bg1"/>
+              </a:solidFill>
+            </a:endParaRPr>
+          </a:p>
+        </p:txBody>
+      </p:sp>
+      <p:sp>
+        <p:nvSpPr>
+          <p:cNvPr id="5" name="Content Placeholder 4"/>
+          <p:cNvSpPr>
+            <a:spLocks noGrp="1"/>
+          </p:cNvSpPr>
+          <p:nvPr>
+            <p:ph sz="half" idx="2"/>
+          </p:nvPr>
+        </p:nvSpPr>
+        <p:spPr/>
+        <p:txBody>
+          <a:bodyPr>
+            <a:noAutofit/>
+          </a:bodyPr>
+          <a:lstStyle/>
+          <a:p>
+            <a:r>
+              <a:rPr lang="sv-SE" sz="3200" dirty="0">
+                <a:solidFill>
+                  <a:schemeClr val="bg1"/>
+                </a:solidFill>
+              </a:rPr>
+              <a:t>Agile &amp;&amp; Scrum</a:t>
+            </a:r>
+          </a:p>
+          <a:p>
+            <a:r>
+              <a:rPr lang="sv-SE" sz="3200" dirty="0">
+                <a:solidFill>
+                  <a:schemeClr val="bg1"/>
+                </a:solidFill>
+              </a:rPr>
+              <a:t>JavaScript || Python</a:t>
+            </a:r>
+          </a:p>
+          <a:p>
+            <a:r>
+              <a:rPr lang="sv-SE" sz="3200" dirty="0">
+                <a:solidFill>
+                  <a:schemeClr val="bg1"/>
+                </a:solidFill>
+              </a:rPr>
+              <a:t>NoSql</a:t>
+            </a:r>
+          </a:p>
+          <a:p>
+            <a:r>
+              <a:rPr lang="sv-SE" sz="3200" dirty="0">
+                <a:solidFill>
+                  <a:schemeClr val="bg1"/>
+                </a:solidFill>
+              </a:rPr>
+              <a:t>Docker</a:t>
+            </a:r>
+          </a:p>
+          <a:p>
+            <a:r>
+              <a:rPr lang="sv-SE" sz="3200" dirty="0">
+                <a:solidFill>
+                  <a:schemeClr val="bg1"/>
+                </a:solidFill>
+              </a:rPr>
+              <a:t>Cloud</a:t>
+            </a:r>
+          </a:p>
+          <a:p>
+            <a:r>
+              <a:rPr lang="sv-SE" sz="3200" dirty="0">
+                <a:solidFill>
+                  <a:schemeClr val="bg1"/>
+                </a:solidFill>
+              </a:rPr>
+              <a:t>Micro services</a:t>
+            </a:r>
+            <a:endParaRPr lang="en-US" sz="3200" dirty="0">
+              <a:solidFill>
+                <a:schemeClr val="bg1"/>
+              </a:solidFill>
+            </a:endParaRPr>
+          </a:p>
+        </p:txBody>
+      </p:sp>
+      <p:sp>
+        <p:nvSpPr>
+          <p:cNvPr id="6" name="Arrow: Right 5"/>
+          <p:cNvSpPr/>
+          <p:nvPr/>
+        </p:nvSpPr>
+        <p:spPr>
+          <a:xfrm>
+            <a:off x="5328614" y="3639669"/>
+            <a:ext cx="1196789" cy="874059"/>
+          </a:xfrm>
+          <a:prstGeom prst="rightArrow">
+            <a:avLst/>
+          </a:prstGeom>
+          <a:solidFill>
+            <a:srgbClr val="FFC000"/>
+          </a:solidFill>
+          <a:ln>
+            <a:noFill/>
+          </a:ln>
+        </p:spPr>
+        <p:style>
+          <a:lnRef idx="2">
+            <a:schemeClr val="accent1">
+              <a:shade val="50000"/>
+            </a:schemeClr>
+          </a:lnRef>
+          <a:fillRef idx="1">
+            <a:schemeClr val="accent1"/>
+          </a:fillRef>
+          <a:effectRef idx="0">
+            <a:schemeClr val="accent1"/>
+          </a:effectRef>
+          <a:fontRef idx="minor">
+            <a:schemeClr val="lt1"/>
+          </a:fontRef>
+        </p:style>
+        <p:txBody>
+          <a:bodyPr rtlCol="0" anchor="ctr"/>
+          <a:lstStyle/>
+          <a:p>
+            <a:pPr algn="ctr"/>
+            <a:endParaRPr lang="bg-BG"/>
+          </a:p>
+        </p:txBody>
+      </p:sp>
+    </p:spTree>
+    <p:extLst>
+      <p:ext uri="{BB962C8B-B14F-4D97-AF65-F5344CB8AC3E}">
+        <p14:creationId xmlns:p14="http://schemas.microsoft.com/office/powerpoint/2010/main" val="3133718851"/>
+      </p:ext>
+    </p:extLst>
+  </p:cSld>
+  <p:clrMapOvr>
+    <a:masterClrMapping/>
+  </p:clrMapOvr>
+</p:sld>
+</file>
+
+<file path=ppt/slides/slide20.xml><?xml version="1.0" encoding="utf-8"?>
+<p:sld xmlns:a="http://schemas.openxmlformats.org/drawingml/2006/main" xmlns:r="http://schemas.openxmlformats.org/officeDocument/2006/relationships" xmlns:p="http://schemas.openxmlformats.org/presentationml/2006/main">
+  <p:cSld>
+    <p:bg>
+      <p:bgPr>
+        <a:solidFill>
+          <a:srgbClr val="0070C0"/>
+        </a:solidFill>
+        <a:effectLst/>
+      </p:bgPr>
+    </p:bg>
+    <p:spTree>
+      <p:nvGrpSpPr>
+        <p:cNvPr id="1" name=""/>
+        <p:cNvGrpSpPr/>
+        <p:nvPr/>
+      </p:nvGrpSpPr>
+      <p:grpSpPr>
+        <a:xfrm>
+          <a:off x="0" y="0"/>
+          <a:ext cx="0" cy="0"/>
+          <a:chOff x="0" y="0"/>
+          <a:chExt cx="0" cy="0"/>
+        </a:xfrm>
+      </p:grpSpPr>
+      <p:sp>
+        <p:nvSpPr>
+          <p:cNvPr id="2" name="Title 1"/>
+          <p:cNvSpPr>
+            <a:spLocks noGrp="1"/>
+          </p:cNvSpPr>
+          <p:nvPr>
+            <p:ph type="title"/>
+          </p:nvPr>
+        </p:nvSpPr>
+        <p:spPr/>
+        <p:txBody>
+          <a:bodyPr/>
+          <a:lstStyle/>
+          <a:p>
+            <a:r>
+              <a:rPr lang="en-US" b="1" u="sng" dirty="0" err="1">
+                <a:solidFill>
+                  <a:schemeClr val="bg1"/>
+                </a:solidFill>
+              </a:rPr>
+              <a:t>ExpressJS</a:t>
+            </a:r>
+            <a:r>
+              <a:rPr lang="en-US" b="1" u="sng" dirty="0">
+                <a:solidFill>
+                  <a:schemeClr val="bg1"/>
+                </a:solidFill>
+              </a:rPr>
+              <a:t> package</a:t>
+            </a:r>
+            <a:endParaRPr lang="bg-BG" b="1" u="sng" dirty="0">
+              <a:solidFill>
+                <a:schemeClr val="bg1"/>
+              </a:solidFill>
+            </a:endParaRPr>
+          </a:p>
+        </p:txBody>
+      </p:sp>
+      <p:sp>
+        <p:nvSpPr>
+          <p:cNvPr id="5" name="Content Placeholder 4"/>
+          <p:cNvSpPr>
+            <a:spLocks noGrp="1"/>
+          </p:cNvSpPr>
+          <p:nvPr>
+            <p:ph idx="1"/>
+          </p:nvPr>
+        </p:nvSpPr>
+        <p:spPr/>
+        <p:txBody>
+          <a:bodyPr>
+            <a:normAutofit/>
+          </a:bodyPr>
+          <a:lstStyle/>
+          <a:p>
+            <a:r>
+              <a:rPr lang="en-US" sz="3200" dirty="0">
+                <a:solidFill>
+                  <a:schemeClr val="bg1"/>
+                </a:solidFill>
+              </a:rPr>
+              <a:t>Express is a minimal and flexible Node.js web application framework that provides a robust set of features to develop web and mobile applications. It facilitates the rapid development of Node based Web applications.</a:t>
+            </a:r>
+          </a:p>
+        </p:txBody>
+      </p:sp>
+    </p:spTree>
+    <p:extLst>
+      <p:ext uri="{BB962C8B-B14F-4D97-AF65-F5344CB8AC3E}">
+        <p14:creationId xmlns:p14="http://schemas.microsoft.com/office/powerpoint/2010/main" val="300940235"/>
+      </p:ext>
+    </p:extLst>
+  </p:cSld>
+  <p:clrMapOvr>
+    <a:masterClrMapping/>
+  </p:clrMapOvr>
+</p:sld>
+</file>
+
+<file path=ppt/slides/slide21.xml><?xml version="1.0" encoding="utf-8"?>
+<p:sld xmlns:a="http://schemas.openxmlformats.org/drawingml/2006/main" xmlns:r="http://schemas.openxmlformats.org/officeDocument/2006/relationships" xmlns:p="http://schemas.openxmlformats.org/presentationml/2006/main">
+  <p:cSld>
+    <p:spTree>
+      <p:nvGrpSpPr>
+        <p:cNvPr id="1" name=""/>
+        <p:cNvGrpSpPr/>
+        <p:nvPr/>
+      </p:nvGrpSpPr>
+      <p:grpSpPr>
+        <a:xfrm>
+          <a:off x="0" y="0"/>
+          <a:ext cx="0" cy="0"/>
+          <a:chOff x="0" y="0"/>
+          <a:chExt cx="0" cy="0"/>
+        </a:xfrm>
+      </p:grpSpPr>
+      <p:sp>
+        <p:nvSpPr>
+          <p:cNvPr id="2" name="Title 1"/>
+          <p:cNvSpPr>
+            <a:spLocks noGrp="1"/>
+          </p:cNvSpPr>
+          <p:nvPr>
+            <p:ph type="title"/>
+          </p:nvPr>
+        </p:nvSpPr>
+        <p:spPr/>
+        <p:txBody>
+          <a:bodyPr>
+            <a:normAutofit/>
+          </a:bodyPr>
+          <a:lstStyle/>
+          <a:p>
+            <a:r>
+              <a:rPr lang="en-US" b="1" u="sng" dirty="0">
+                <a:solidFill>
+                  <a:schemeClr val="tx1"/>
+                </a:solidFill>
+              </a:rPr>
               <a:t>What is REST?</a:t>
             </a:r>
             <a:endParaRPr lang="bg-BG" b="1" u="sng" dirty="0">
@@ -5740,7 +7873,7 @@
 </p:sld>
 </file>
 
-<file path=ppt/slides/slide18.xml><?xml version="1.0" encoding="utf-8"?>
+<file path=ppt/slides/slide22.xml><?xml version="1.0" encoding="utf-8"?>
 <p:sld xmlns:a="http://schemas.openxmlformats.org/drawingml/2006/main" xmlns:r="http://schemas.openxmlformats.org/officeDocument/2006/relationships" xmlns:p="http://schemas.openxmlformats.org/presentationml/2006/main">
   <p:cSld>
     <p:spTree>
@@ -6530,7 +8663,7 @@
 </p:sld>
 </file>
 
-<file path=ppt/slides/slide19.xml><?xml version="1.0" encoding="utf-8"?>
+<file path=ppt/slides/slide23.xml><?xml version="1.0" encoding="utf-8"?>
 <p:sld xmlns:a="http://schemas.openxmlformats.org/drawingml/2006/main" xmlns:r="http://schemas.openxmlformats.org/officeDocument/2006/relationships" xmlns:p="http://schemas.openxmlformats.org/presentationml/2006/main">
   <p:cSld>
     <p:bg>
@@ -6667,290 +8800,7 @@
 </p:sld>
 </file>
 
-<file path=ppt/slides/slide2.xml><?xml version="1.0" encoding="utf-8"?>
-<p:sld xmlns:a="http://schemas.openxmlformats.org/drawingml/2006/main" xmlns:r="http://schemas.openxmlformats.org/officeDocument/2006/relationships" xmlns:p="http://schemas.openxmlformats.org/presentationml/2006/main">
-  <p:cSld>
-    <p:bg>
-      <p:bgPr>
-        <a:solidFill>
-          <a:srgbClr val="0070C0"/>
-        </a:solidFill>
-        <a:effectLst/>
-      </p:bgPr>
-    </p:bg>
-    <p:spTree>
-      <p:nvGrpSpPr>
-        <p:cNvPr id="1" name=""/>
-        <p:cNvGrpSpPr/>
-        <p:nvPr/>
-      </p:nvGrpSpPr>
-      <p:grpSpPr>
-        <a:xfrm>
-          <a:off x="0" y="0"/>
-          <a:ext cx="0" cy="0"/>
-          <a:chOff x="0" y="0"/>
-          <a:chExt cx="0" cy="0"/>
-        </a:xfrm>
-      </p:grpSpPr>
-      <p:sp>
-        <p:nvSpPr>
-          <p:cNvPr id="2" name="Title 1"/>
-          <p:cNvSpPr>
-            <a:spLocks noGrp="1"/>
-          </p:cNvSpPr>
-          <p:nvPr>
-            <p:ph type="title"/>
-          </p:nvPr>
-        </p:nvSpPr>
-        <p:spPr/>
-        <p:txBody>
-          <a:bodyPr>
-            <a:normAutofit/>
-          </a:bodyPr>
-          <a:lstStyle/>
-          <a:p>
-            <a:r>
-              <a:rPr lang="en-US" b="1" u="sng" dirty="0">
-                <a:solidFill>
-                  <a:schemeClr val="bg1"/>
-                </a:solidFill>
-              </a:rPr>
-              <a:t>What change in the last decade…</a:t>
-            </a:r>
-            <a:endParaRPr lang="bg-BG" b="1" u="sng" dirty="0">
-              <a:solidFill>
-                <a:schemeClr val="bg1"/>
-              </a:solidFill>
-            </a:endParaRPr>
-          </a:p>
-        </p:txBody>
-      </p:sp>
-      <p:sp>
-        <p:nvSpPr>
-          <p:cNvPr id="4" name="Content Placeholder 3"/>
-          <p:cNvSpPr>
-            <a:spLocks noGrp="1"/>
-          </p:cNvSpPr>
-          <p:nvPr>
-            <p:ph sz="half" idx="1"/>
-          </p:nvPr>
-        </p:nvSpPr>
-        <p:spPr/>
-        <p:txBody>
-          <a:bodyPr>
-            <a:noAutofit/>
-          </a:bodyPr>
-          <a:lstStyle/>
-          <a:p>
-            <a:r>
-              <a:rPr lang="sv-SE" sz="3200" dirty="0">
-                <a:solidFill>
-                  <a:schemeClr val="bg1"/>
-                </a:solidFill>
-              </a:rPr>
-              <a:t>RUP &amp;&amp; UML</a:t>
-            </a:r>
-          </a:p>
-          <a:p>
-            <a:r>
-              <a:rPr lang="sv-SE" sz="3200" dirty="0">
-                <a:solidFill>
-                  <a:schemeClr val="bg1"/>
-                </a:solidFill>
-              </a:rPr>
-              <a:t>C# || Java</a:t>
-            </a:r>
-          </a:p>
-          <a:p>
-            <a:r>
-              <a:rPr lang="sv-SE" sz="3200" dirty="0">
-                <a:solidFill>
-                  <a:schemeClr val="bg1"/>
-                </a:solidFill>
-              </a:rPr>
-              <a:t>SQL || Oracle</a:t>
-            </a:r>
-          </a:p>
-          <a:p>
-            <a:r>
-              <a:rPr lang="sv-SE" sz="3200" dirty="0">
-                <a:solidFill>
-                  <a:schemeClr val="bg1"/>
-                </a:solidFill>
-              </a:rPr>
-              <a:t>Hyper-V || Vmware</a:t>
-            </a:r>
-          </a:p>
-          <a:p>
-            <a:r>
-              <a:rPr lang="sv-SE" sz="3200" dirty="0">
-                <a:solidFill>
-                  <a:schemeClr val="bg1"/>
-                </a:solidFill>
-              </a:rPr>
-              <a:t>Out-sourcing</a:t>
-            </a:r>
-          </a:p>
-          <a:p>
-            <a:r>
-              <a:rPr lang="sv-SE" sz="3200" dirty="0">
-                <a:solidFill>
-                  <a:schemeClr val="bg1"/>
-                </a:solidFill>
-              </a:rPr>
-              <a:t>SOA</a:t>
-            </a:r>
-            <a:endParaRPr lang="en-US" sz="3200" dirty="0">
-              <a:solidFill>
-                <a:schemeClr val="bg1"/>
-              </a:solidFill>
-            </a:endParaRPr>
-          </a:p>
-        </p:txBody>
-      </p:sp>
-      <p:sp>
-        <p:nvSpPr>
-          <p:cNvPr id="5" name="Content Placeholder 4"/>
-          <p:cNvSpPr>
-            <a:spLocks noGrp="1"/>
-          </p:cNvSpPr>
-          <p:nvPr>
-            <p:ph sz="half" idx="2"/>
-          </p:nvPr>
-        </p:nvSpPr>
-        <p:spPr/>
-        <p:txBody>
-          <a:bodyPr>
-            <a:noAutofit/>
-          </a:bodyPr>
-          <a:lstStyle/>
-          <a:p>
-            <a:r>
-              <a:rPr lang="sv-SE" sz="3200" dirty="0">
-                <a:solidFill>
-                  <a:schemeClr val="bg1"/>
-                </a:solidFill>
-              </a:rPr>
-              <a:t>Agile &amp;&amp; Scrum</a:t>
-            </a:r>
-          </a:p>
-          <a:p>
-            <a:r>
-              <a:rPr lang="sv-SE" sz="3200" dirty="0">
-                <a:solidFill>
-                  <a:schemeClr val="bg1"/>
-                </a:solidFill>
-              </a:rPr>
-              <a:t>JavaScript || Python</a:t>
-            </a:r>
-          </a:p>
-          <a:p>
-            <a:r>
-              <a:rPr lang="sv-SE" sz="3200" dirty="0">
-                <a:solidFill>
-                  <a:schemeClr val="bg1"/>
-                </a:solidFill>
-              </a:rPr>
-              <a:t>NoSql</a:t>
-            </a:r>
-          </a:p>
-          <a:p>
-            <a:r>
-              <a:rPr lang="sv-SE" sz="3200" dirty="0">
-                <a:solidFill>
-                  <a:schemeClr val="bg1"/>
-                </a:solidFill>
-              </a:rPr>
-              <a:t>Docker</a:t>
-            </a:r>
-          </a:p>
-          <a:p>
-            <a:r>
-              <a:rPr lang="sv-SE" sz="3200" dirty="0">
-                <a:solidFill>
-                  <a:schemeClr val="bg1"/>
-                </a:solidFill>
-              </a:rPr>
-              <a:t>Cloud</a:t>
-            </a:r>
-          </a:p>
-          <a:p>
-            <a:r>
-              <a:rPr lang="sv-SE" sz="3200" dirty="0">
-                <a:solidFill>
-                  <a:schemeClr val="bg1"/>
-                </a:solidFill>
-              </a:rPr>
-              <a:t>Micro services</a:t>
-            </a:r>
-            <a:endParaRPr lang="en-US" sz="3200" dirty="0">
-              <a:solidFill>
-                <a:schemeClr val="bg1"/>
-              </a:solidFill>
-            </a:endParaRPr>
-          </a:p>
-        </p:txBody>
-      </p:sp>
-      <p:sp>
-        <p:nvSpPr>
-          <p:cNvPr id="6" name="Arrow: Right 5"/>
-          <p:cNvSpPr/>
-          <p:nvPr/>
-        </p:nvSpPr>
-        <p:spPr>
-          <a:xfrm>
-            <a:off x="5328614" y="3639669"/>
-            <a:ext cx="1196789" cy="874059"/>
-          </a:xfrm>
-          <a:prstGeom prst="rightArrow">
-            <a:avLst/>
-          </a:prstGeom>
-          <a:solidFill>
-            <a:srgbClr val="FFC000"/>
-          </a:solidFill>
-          <a:ln>
-            <a:noFill/>
-          </a:ln>
-        </p:spPr>
-        <p:style>
-          <a:lnRef idx="2">
-            <a:schemeClr val="accent1">
-              <a:shade val="50000"/>
-            </a:schemeClr>
-          </a:lnRef>
-          <a:fillRef idx="1">
-            <a:schemeClr val="accent1"/>
-          </a:fillRef>
-          <a:effectRef idx="0">
-            <a:schemeClr val="accent1"/>
-          </a:effectRef>
-          <a:fontRef idx="minor">
-            <a:schemeClr val="lt1"/>
-          </a:fontRef>
-        </p:style>
-        <p:txBody>
-          <a:bodyPr rtlCol="0" anchor="ctr"/>
-          <a:lstStyle/>
-          <a:p>
-            <a:pPr algn="ctr"/>
-            <a:endParaRPr lang="bg-BG"/>
-          </a:p>
-        </p:txBody>
-      </p:sp>
-    </p:spTree>
-    <p:extLst>
-      <p:ext uri="{BB962C8B-B14F-4D97-AF65-F5344CB8AC3E}">
-        <p14:creationId xmlns:p14="http://schemas.microsoft.com/office/powerpoint/2010/main" val="3133718851"/>
-      </p:ext>
-    </p:extLst>
-  </p:cSld>
-  <p:clrMapOvr>
-    <a:masterClrMapping/>
-  </p:clrMapOvr>
-</p:sld>
-</file>
-
-<file path=ppt/slides/slide20.xml><?xml version="1.0" encoding="utf-8"?>
+<file path=ppt/slides/slide24.xml><?xml version="1.0" encoding="utf-8"?>
 <p:sld xmlns:a="http://schemas.openxmlformats.org/drawingml/2006/main" xmlns:r="http://schemas.openxmlformats.org/officeDocument/2006/relationships" xmlns:p="http://schemas.openxmlformats.org/presentationml/2006/main">
   <p:cSld>
     <p:spTree>
@@ -9785,7 +11635,21 @@
       </a:bgFillStyleLst>
     </a:fmtScheme>
   </a:themeElements>
-  <a:objectDefaults/>
+  <a:objectDefaults>
+    <a:txDef>
+      <a:spPr>
+        <a:noFill/>
+      </a:spPr>
+      <a:bodyPr wrap="square" rtlCol="0">
+        <a:spAutoFit/>
+      </a:bodyPr>
+      <a:lstStyle>
+        <a:defPPr>
+          <a:defRPr sz="3200" dirty="0" smtClean="0"/>
+        </a:defPPr>
+      </a:lstStyle>
+    </a:txDef>
+  </a:objectDefaults>
   <a:extraClrSchemeLst/>
   <a:extLst>
     <a:ext uri="{05A4C25C-085E-4340-85A3-A5531E510DB2}">
